--- a/Database Migration Tool.pptx
+++ b/Database Migration Tool.pptx
@@ -5,19 +5,19 @@
     <p:sldMasterId id="2147483708" r:id="rId1"/>
   </p:sldMasterIdLst>
   <p:notesMasterIdLst>
-    <p:notesMasterId r:id="rId17"/>
+    <p:notesMasterId r:id="rId16"/>
   </p:notesMasterIdLst>
   <p:handoutMasterIdLst>
-    <p:handoutMasterId r:id="rId18"/>
+    <p:handoutMasterId r:id="rId17"/>
   </p:handoutMasterIdLst>
   <p:sldIdLst>
     <p:sldId id="608" r:id="rId2"/>
     <p:sldId id="729" r:id="rId3"/>
     <p:sldId id="763" r:id="rId4"/>
     <p:sldId id="795" r:id="rId5"/>
-    <p:sldId id="793" r:id="rId6"/>
-    <p:sldId id="794" r:id="rId7"/>
-    <p:sldId id="779" r:id="rId8"/>
+    <p:sldId id="796" r:id="rId6"/>
+    <p:sldId id="793" r:id="rId7"/>
+    <p:sldId id="797" r:id="rId8"/>
     <p:sldId id="787" r:id="rId9"/>
     <p:sldId id="786" r:id="rId10"/>
     <p:sldId id="788" r:id="rId11"/>
@@ -25,7 +25,6 @@
     <p:sldId id="790" r:id="rId13"/>
     <p:sldId id="791" r:id="rId14"/>
     <p:sldId id="792" r:id="rId15"/>
-    <p:sldId id="785" r:id="rId16"/>
   </p:sldIdLst>
   <p:sldSz cx="12192000" cy="6858000"/>
   <p:notesSz cx="6858000" cy="9144000"/>
@@ -167,9 +166,9 @@
           <p14:sldIdLst>
             <p14:sldId id="763"/>
             <p14:sldId id="795"/>
+            <p14:sldId id="796"/>
             <p14:sldId id="793"/>
-            <p14:sldId id="794"/>
-            <p14:sldId id="779"/>
+            <p14:sldId id="797"/>
             <p14:sldId id="787"/>
             <p14:sldId id="786"/>
             <p14:sldId id="788"/>
@@ -177,7 +176,6 @@
             <p14:sldId id="790"/>
             <p14:sldId id="791"/>
             <p14:sldId id="792"/>
-            <p14:sldId id="785"/>
           </p14:sldIdLst>
         </p14:section>
       </p14:sectionLst>
@@ -844,90 +842,6 @@
 </p:notes>
 </file>
 
-<file path=ppt/notesSlides/notesSlide10.xml><?xml version="1.0" encoding="utf-8"?>
-<p:notes xmlns:a="http://schemas.openxmlformats.org/drawingml/2006/main" xmlns:r="http://schemas.openxmlformats.org/officeDocument/2006/relationships" xmlns:p="http://schemas.openxmlformats.org/presentationml/2006/main">
-  <p:cSld>
-    <p:spTree>
-      <p:nvGrpSpPr>
-        <p:cNvPr id="1" name=""/>
-        <p:cNvGrpSpPr/>
-        <p:nvPr/>
-      </p:nvGrpSpPr>
-      <p:grpSpPr>
-        <a:xfrm>
-          <a:off x="0" y="0"/>
-          <a:ext cx="0" cy="0"/>
-          <a:chOff x="0" y="0"/>
-          <a:chExt cx="0" cy="0"/>
-        </a:xfrm>
-      </p:grpSpPr>
-      <p:sp>
-        <p:nvSpPr>
-          <p:cNvPr id="2" name="슬라이드 이미지 개체 틀 1"/>
-          <p:cNvSpPr>
-            <a:spLocks noGrp="1" noRot="1" noChangeAspect="1"/>
-          </p:cNvSpPr>
-          <p:nvPr>
-            <p:ph type="sldImg"/>
-          </p:nvPr>
-        </p:nvSpPr>
-        <p:spPr/>
-      </p:sp>
-      <p:sp>
-        <p:nvSpPr>
-          <p:cNvPr id="3" name="슬라이드 노트 개체 틀 2"/>
-          <p:cNvSpPr>
-            <a:spLocks noGrp="1"/>
-          </p:cNvSpPr>
-          <p:nvPr>
-            <p:ph type="body" idx="1"/>
-          </p:nvPr>
-        </p:nvSpPr>
-        <p:spPr/>
-        <p:txBody>
-          <a:bodyPr/>
-          <a:lstStyle/>
-          <a:p>
-            <a:endParaRPr lang="ko-KR" altLang="en-US" dirty="0"/>
-          </a:p>
-        </p:txBody>
-      </p:sp>
-      <p:sp>
-        <p:nvSpPr>
-          <p:cNvPr id="4" name="슬라이드 번호 개체 틀 3"/>
-          <p:cNvSpPr>
-            <a:spLocks noGrp="1"/>
-          </p:cNvSpPr>
-          <p:nvPr>
-            <p:ph type="sldNum" sz="quarter" idx="5"/>
-          </p:nvPr>
-        </p:nvSpPr>
-        <p:spPr/>
-        <p:txBody>
-          <a:bodyPr/>
-          <a:lstStyle/>
-          <a:p>
-            <a:fld id="{C8596D02-54B6-5A4E-9620-AFC64E8EB873}" type="slidenum">
-              <a:rPr kumimoji="1" lang="ko-Kore-KR" altLang="en-US" smtClean="0"/>
-              <a:t>15</a:t>
-            </a:fld>
-            <a:endParaRPr kumimoji="1" lang="ko-Kore-KR" altLang="en-US"/>
-          </a:p>
-        </p:txBody>
-      </p:sp>
-    </p:spTree>
-    <p:extLst>
-      <p:ext uri="{BB962C8B-B14F-4D97-AF65-F5344CB8AC3E}">
-        <p14:creationId xmlns:p14="http://schemas.microsoft.com/office/powerpoint/2010/main" val="865578083"/>
-      </p:ext>
-    </p:extLst>
-  </p:cSld>
-  <p:clrMapOvr>
-    <a:masterClrMapping/>
-  </p:clrMapOvr>
-</p:notes>
-</file>
-
 <file path=ppt/notesSlides/notesSlide2.xml><?xml version="1.0" encoding="utf-8"?>
 <p:notes xmlns:a="http://schemas.openxmlformats.org/drawingml/2006/main" xmlns:r="http://schemas.openxmlformats.org/officeDocument/2006/relationships" xmlns:p="http://schemas.openxmlformats.org/presentationml/2006/main">
   <p:cSld>
@@ -993,7 +907,7 @@
           <a:p>
             <a:fld id="{C8596D02-54B6-5A4E-9620-AFC64E8EB873}" type="slidenum">
               <a:rPr kumimoji="1" lang="ko-Kore-KR" altLang="en-US" smtClean="0"/>
-              <a:t>7</a:t>
+              <a:t>8</a:t>
             </a:fld>
             <a:endParaRPr kumimoji="1" lang="ko-Kore-KR" altLang="en-US"/>
           </a:p>
@@ -1002,7 +916,7 @@
     </p:spTree>
     <p:extLst>
       <p:ext uri="{BB962C8B-B14F-4D97-AF65-F5344CB8AC3E}">
-        <p14:creationId xmlns:p14="http://schemas.microsoft.com/office/powerpoint/2010/main" val="2930842034"/>
+        <p14:creationId xmlns:p14="http://schemas.microsoft.com/office/powerpoint/2010/main" val="2226696266"/>
       </p:ext>
     </p:extLst>
   </p:cSld>
@@ -1077,7 +991,7 @@
           <a:p>
             <a:fld id="{C8596D02-54B6-5A4E-9620-AFC64E8EB873}" type="slidenum">
               <a:rPr kumimoji="1" lang="ko-Kore-KR" altLang="en-US" smtClean="0"/>
-              <a:t>8</a:t>
+              <a:t>9</a:t>
             </a:fld>
             <a:endParaRPr kumimoji="1" lang="ko-Kore-KR" altLang="en-US"/>
           </a:p>
@@ -1086,7 +1000,7 @@
     </p:spTree>
     <p:extLst>
       <p:ext uri="{BB962C8B-B14F-4D97-AF65-F5344CB8AC3E}">
-        <p14:creationId xmlns:p14="http://schemas.microsoft.com/office/powerpoint/2010/main" val="2226696266"/>
+        <p14:creationId xmlns:p14="http://schemas.microsoft.com/office/powerpoint/2010/main" val="954341948"/>
       </p:ext>
     </p:extLst>
   </p:cSld>
@@ -1161,7 +1075,7 @@
           <a:p>
             <a:fld id="{C8596D02-54B6-5A4E-9620-AFC64E8EB873}" type="slidenum">
               <a:rPr kumimoji="1" lang="ko-Kore-KR" altLang="en-US" smtClean="0"/>
-              <a:t>9</a:t>
+              <a:t>10</a:t>
             </a:fld>
             <a:endParaRPr kumimoji="1" lang="ko-Kore-KR" altLang="en-US"/>
           </a:p>
@@ -1170,7 +1084,7 @@
     </p:spTree>
     <p:extLst>
       <p:ext uri="{BB962C8B-B14F-4D97-AF65-F5344CB8AC3E}">
-        <p14:creationId xmlns:p14="http://schemas.microsoft.com/office/powerpoint/2010/main" val="954341948"/>
+        <p14:creationId xmlns:p14="http://schemas.microsoft.com/office/powerpoint/2010/main" val="2688985186"/>
       </p:ext>
     </p:extLst>
   </p:cSld>
@@ -1245,7 +1159,7 @@
           <a:p>
             <a:fld id="{C8596D02-54B6-5A4E-9620-AFC64E8EB873}" type="slidenum">
               <a:rPr kumimoji="1" lang="ko-Kore-KR" altLang="en-US" smtClean="0"/>
-              <a:t>10</a:t>
+              <a:t>11</a:t>
             </a:fld>
             <a:endParaRPr kumimoji="1" lang="ko-Kore-KR" altLang="en-US"/>
           </a:p>
@@ -1254,7 +1168,7 @@
     </p:spTree>
     <p:extLst>
       <p:ext uri="{BB962C8B-B14F-4D97-AF65-F5344CB8AC3E}">
-        <p14:creationId xmlns:p14="http://schemas.microsoft.com/office/powerpoint/2010/main" val="2688985186"/>
+        <p14:creationId xmlns:p14="http://schemas.microsoft.com/office/powerpoint/2010/main" val="2561439773"/>
       </p:ext>
     </p:extLst>
   </p:cSld>
@@ -1329,7 +1243,7 @@
           <a:p>
             <a:fld id="{C8596D02-54B6-5A4E-9620-AFC64E8EB873}" type="slidenum">
               <a:rPr kumimoji="1" lang="ko-Kore-KR" altLang="en-US" smtClean="0"/>
-              <a:t>11</a:t>
+              <a:t>12</a:t>
             </a:fld>
             <a:endParaRPr kumimoji="1" lang="ko-Kore-KR" altLang="en-US"/>
           </a:p>
@@ -1338,7 +1252,7 @@
     </p:spTree>
     <p:extLst>
       <p:ext uri="{BB962C8B-B14F-4D97-AF65-F5344CB8AC3E}">
-        <p14:creationId xmlns:p14="http://schemas.microsoft.com/office/powerpoint/2010/main" val="2561439773"/>
+        <p14:creationId xmlns:p14="http://schemas.microsoft.com/office/powerpoint/2010/main" val="3643960360"/>
       </p:ext>
     </p:extLst>
   </p:cSld>
@@ -1413,90 +1327,6 @@
           <a:p>
             <a:fld id="{C8596D02-54B6-5A4E-9620-AFC64E8EB873}" type="slidenum">
               <a:rPr kumimoji="1" lang="ko-Kore-KR" altLang="en-US" smtClean="0"/>
-              <a:t>12</a:t>
-            </a:fld>
-            <a:endParaRPr kumimoji="1" lang="ko-Kore-KR" altLang="en-US"/>
-          </a:p>
-        </p:txBody>
-      </p:sp>
-    </p:spTree>
-    <p:extLst>
-      <p:ext uri="{BB962C8B-B14F-4D97-AF65-F5344CB8AC3E}">
-        <p14:creationId xmlns:p14="http://schemas.microsoft.com/office/powerpoint/2010/main" val="3643960360"/>
-      </p:ext>
-    </p:extLst>
-  </p:cSld>
-  <p:clrMapOvr>
-    <a:masterClrMapping/>
-  </p:clrMapOvr>
-</p:notes>
-</file>
-
-<file path=ppt/notesSlides/notesSlide8.xml><?xml version="1.0" encoding="utf-8"?>
-<p:notes xmlns:a="http://schemas.openxmlformats.org/drawingml/2006/main" xmlns:r="http://schemas.openxmlformats.org/officeDocument/2006/relationships" xmlns:p="http://schemas.openxmlformats.org/presentationml/2006/main">
-  <p:cSld>
-    <p:spTree>
-      <p:nvGrpSpPr>
-        <p:cNvPr id="1" name=""/>
-        <p:cNvGrpSpPr/>
-        <p:nvPr/>
-      </p:nvGrpSpPr>
-      <p:grpSpPr>
-        <a:xfrm>
-          <a:off x="0" y="0"/>
-          <a:ext cx="0" cy="0"/>
-          <a:chOff x="0" y="0"/>
-          <a:chExt cx="0" cy="0"/>
-        </a:xfrm>
-      </p:grpSpPr>
-      <p:sp>
-        <p:nvSpPr>
-          <p:cNvPr id="2" name="슬라이드 이미지 개체 틀 1"/>
-          <p:cNvSpPr>
-            <a:spLocks noGrp="1" noRot="1" noChangeAspect="1"/>
-          </p:cNvSpPr>
-          <p:nvPr>
-            <p:ph type="sldImg"/>
-          </p:nvPr>
-        </p:nvSpPr>
-        <p:spPr/>
-      </p:sp>
-      <p:sp>
-        <p:nvSpPr>
-          <p:cNvPr id="3" name="슬라이드 노트 개체 틀 2"/>
-          <p:cNvSpPr>
-            <a:spLocks noGrp="1"/>
-          </p:cNvSpPr>
-          <p:nvPr>
-            <p:ph type="body" idx="1"/>
-          </p:nvPr>
-        </p:nvSpPr>
-        <p:spPr/>
-        <p:txBody>
-          <a:bodyPr/>
-          <a:lstStyle/>
-          <a:p>
-            <a:endParaRPr lang="ko-KR" altLang="en-US" dirty="0"/>
-          </a:p>
-        </p:txBody>
-      </p:sp>
-      <p:sp>
-        <p:nvSpPr>
-          <p:cNvPr id="4" name="슬라이드 번호 개체 틀 3"/>
-          <p:cNvSpPr>
-            <a:spLocks noGrp="1"/>
-          </p:cNvSpPr>
-          <p:nvPr>
-            <p:ph type="sldNum" sz="quarter" idx="5"/>
-          </p:nvPr>
-        </p:nvSpPr>
-        <p:spPr/>
-        <p:txBody>
-          <a:bodyPr/>
-          <a:lstStyle/>
-          <a:p>
-            <a:fld id="{C8596D02-54B6-5A4E-9620-AFC64E8EB873}" type="slidenum">
-              <a:rPr kumimoji="1" lang="ko-Kore-KR" altLang="en-US" smtClean="0"/>
               <a:t>13</a:t>
             </a:fld>
             <a:endParaRPr kumimoji="1" lang="ko-Kore-KR" altLang="en-US"/>
@@ -1516,7 +1346,7 @@
 </p:notes>
 </file>
 
-<file path=ppt/notesSlides/notesSlide9.xml><?xml version="1.0" encoding="utf-8"?>
+<file path=ppt/notesSlides/notesSlide8.xml><?xml version="1.0" encoding="utf-8"?>
 <p:notes xmlns:a="http://schemas.openxmlformats.org/drawingml/2006/main" xmlns:r="http://schemas.openxmlformats.org/officeDocument/2006/relationships" xmlns:p="http://schemas.openxmlformats.org/presentationml/2006/main">
   <p:cSld>
     <p:spTree>
@@ -3163,7 +2993,13 @@
               <a:rPr lang="en-US" altLang="ko-KR" dirty="0">
                 <a:ea typeface="나눔고딕 ExtraBold" panose="020D0904000000000000" pitchFamily="50" charset="-127"/>
               </a:rPr>
-              <a:t>Flyway</a:t>
+              <a:t>Flyway </a:t>
+            </a:r>
+            <a:r>
+              <a:rPr lang="ko-KR" altLang="en-US" dirty="0">
+                <a:ea typeface="나눔고딕 ExtraBold" panose="020D0904000000000000" pitchFamily="50" charset="-127"/>
+              </a:rPr>
+              <a:t>적용 방법</a:t>
             </a:r>
             <a:endParaRPr lang="ko-KR" altLang="en-US" dirty="0"/>
           </a:p>
@@ -3246,7 +3082,7 @@
         </p:nvSpPr>
         <p:spPr bwMode="auto">
           <a:xfrm>
-            <a:off x="243809" y="1822106"/>
+            <a:off x="1919536" y="4509120"/>
             <a:ext cx="5633128" cy="1892826"/>
           </a:xfrm>
           <a:prstGeom prst="rect">
@@ -4114,7 +3950,7 @@
         </p:blipFill>
         <p:spPr>
           <a:xfrm>
-            <a:off x="8572911" y="875894"/>
+            <a:off x="8572911" y="993997"/>
             <a:ext cx="3369325" cy="5805264"/>
           </a:xfrm>
           <a:prstGeom prst="rect">
@@ -4186,96 +4022,6 @@
           </a:p>
         </p:txBody>
       </p:sp>
-      <p:pic>
-        <p:nvPicPr>
-          <p:cNvPr id="7" name="그림 6">
-            <a:extLst>
-              <a:ext uri="{FF2B5EF4-FFF2-40B4-BE49-F238E27FC236}">
-                <a16:creationId xmlns:a16="http://schemas.microsoft.com/office/drawing/2014/main" id="{19D6C5AD-B439-671E-BEBC-2190D0DF5580}"/>
-              </a:ext>
-            </a:extLst>
-          </p:cNvPr>
-          <p:cNvPicPr>
-            <a:picLocks noChangeAspect="1"/>
-          </p:cNvPicPr>
-          <p:nvPr/>
-        </p:nvPicPr>
-        <p:blipFill>
-          <a:blip r:embed="rId3"/>
-          <a:stretch>
-            <a:fillRect/>
-          </a:stretch>
-        </p:blipFill>
-        <p:spPr>
-          <a:xfrm>
-            <a:off x="119336" y="4746106"/>
-            <a:ext cx="12192000" cy="2274577"/>
-          </a:xfrm>
-          <a:prstGeom prst="rect">
-            <a:avLst/>
-          </a:prstGeom>
-        </p:spPr>
-      </p:pic>
-      <p:pic>
-        <p:nvPicPr>
-          <p:cNvPr id="8" name="그림 7">
-            <a:extLst>
-              <a:ext uri="{FF2B5EF4-FFF2-40B4-BE49-F238E27FC236}">
-                <a16:creationId xmlns:a16="http://schemas.microsoft.com/office/drawing/2014/main" id="{1FAC630E-C0DD-796A-4A3C-21BA07977558}"/>
-              </a:ext>
-            </a:extLst>
-          </p:cNvPr>
-          <p:cNvPicPr>
-            <a:picLocks noChangeAspect="1"/>
-          </p:cNvPicPr>
-          <p:nvPr/>
-        </p:nvPicPr>
-        <p:blipFill>
-          <a:blip r:embed="rId4"/>
-          <a:stretch>
-            <a:fillRect/>
-          </a:stretch>
-        </p:blipFill>
-        <p:spPr>
-          <a:xfrm>
-            <a:off x="2207568" y="3258057"/>
-            <a:ext cx="6528048" cy="3762400"/>
-          </a:xfrm>
-          <a:prstGeom prst="rect">
-            <a:avLst/>
-          </a:prstGeom>
-        </p:spPr>
-      </p:pic>
-      <p:pic>
-        <p:nvPicPr>
-          <p:cNvPr id="9" name="그림 8">
-            <a:extLst>
-              <a:ext uri="{FF2B5EF4-FFF2-40B4-BE49-F238E27FC236}">
-                <a16:creationId xmlns:a16="http://schemas.microsoft.com/office/drawing/2014/main" id="{B5A4359B-FD3B-2419-88F4-A086E080D674}"/>
-              </a:ext>
-            </a:extLst>
-          </p:cNvPr>
-          <p:cNvPicPr>
-            <a:picLocks noChangeAspect="1"/>
-          </p:cNvPicPr>
-          <p:nvPr/>
-        </p:nvPicPr>
-        <p:blipFill>
-          <a:blip r:embed="rId5"/>
-          <a:stretch>
-            <a:fillRect/>
-          </a:stretch>
-        </p:blipFill>
-        <p:spPr>
-          <a:xfrm>
-            <a:off x="475464" y="1925728"/>
-            <a:ext cx="11750887" cy="1258202"/>
-          </a:xfrm>
-          <a:prstGeom prst="rect">
-            <a:avLst/>
-          </a:prstGeom>
-        </p:spPr>
-      </p:pic>
     </p:spTree>
     <p:extLst>
       <p:ext uri="{BB962C8B-B14F-4D97-AF65-F5344CB8AC3E}">
@@ -4340,1797 +4086,36 @@
           </a:p>
         </p:txBody>
       </p:sp>
-      <p:sp>
-        <p:nvSpPr>
-          <p:cNvPr id="4" name="TextBox 3">
+      <p:pic>
+        <p:nvPicPr>
+          <p:cNvPr id="5" name="그림 4">
             <a:extLst>
               <a:ext uri="{FF2B5EF4-FFF2-40B4-BE49-F238E27FC236}">
-                <a16:creationId xmlns:a16="http://schemas.microsoft.com/office/drawing/2014/main" id="{CE6B031B-ED7E-91FB-40D9-3ADFF7B4B950}"/>
+                <a16:creationId xmlns:a16="http://schemas.microsoft.com/office/drawing/2014/main" id="{4F66C646-57A4-1A45-8799-A6FBE98F65BF}"/>
               </a:ext>
             </a:extLst>
           </p:cNvPr>
-          <p:cNvSpPr txBox="1"/>
+          <p:cNvPicPr>
+            <a:picLocks noChangeAspect="1"/>
+          </p:cNvPicPr>
           <p:nvPr/>
-        </p:nvSpPr>
+        </p:nvPicPr>
+        <p:blipFill>
+          <a:blip r:embed="rId3"/>
+          <a:stretch>
+            <a:fillRect/>
+          </a:stretch>
+        </p:blipFill>
         <p:spPr>
           <a:xfrm>
-            <a:off x="249769" y="980728"/>
-            <a:ext cx="5846231" cy="1923604"/>
+            <a:off x="306825" y="2708920"/>
+            <a:ext cx="12192000" cy="2274577"/>
           </a:xfrm>
           <a:prstGeom prst="rect">
             <a:avLst/>
           </a:prstGeom>
-          <a:noFill/>
         </p:spPr>
-        <p:txBody>
-          <a:bodyPr wrap="square" rtlCol="0">
-            <a:spAutoFit/>
-          </a:bodyPr>
-          <a:lstStyle/>
-          <a:p>
-            <a:pPr marL="285750" indent="-285750">
-              <a:lnSpc>
-                <a:spcPct val="150000"/>
-              </a:lnSpc>
-              <a:buFont typeface="Arial" panose="020B0604020202020204" pitchFamily="34" charset="0"/>
-              <a:buChar char="•"/>
-            </a:pPr>
-            <a:r>
-              <a:rPr lang="ko-KR" altLang="en-US" dirty="0"/>
-              <a:t>환경 설정</a:t>
-            </a:r>
-            <a:endParaRPr lang="en-US" altLang="ko-KR" dirty="0"/>
-          </a:p>
-          <a:p>
-            <a:pPr marL="742939" lvl="1" indent="-285750">
-              <a:lnSpc>
-                <a:spcPct val="150000"/>
-              </a:lnSpc>
-              <a:buFont typeface="Arial" panose="020B0604020202020204" pitchFamily="34" charset="0"/>
-              <a:buChar char="•"/>
-            </a:pPr>
-            <a:r>
-              <a:rPr lang="en-US" altLang="ko-KR" dirty="0"/>
-              <a:t>Spring boot</a:t>
-            </a:r>
-          </a:p>
-          <a:p>
-            <a:pPr marL="742939" lvl="1" indent="-285750">
-              <a:lnSpc>
-                <a:spcPct val="150000"/>
-              </a:lnSpc>
-              <a:buFont typeface="Arial" panose="020B0604020202020204" pitchFamily="34" charset="0"/>
-              <a:buChar char="•"/>
-            </a:pPr>
-            <a:r>
-              <a:rPr lang="en-US" altLang="ko-KR" dirty="0"/>
-              <a:t>Spring Data </a:t>
-            </a:r>
-            <a:r>
-              <a:rPr lang="en-US" altLang="ko-KR" dirty="0" err="1"/>
-              <a:t>Jpa</a:t>
-            </a:r>
-            <a:endParaRPr lang="en-US" altLang="ko-KR" dirty="0"/>
-          </a:p>
-          <a:p>
-            <a:pPr marL="742939" lvl="1" indent="-285750">
-              <a:lnSpc>
-                <a:spcPct val="150000"/>
-              </a:lnSpc>
-              <a:buFont typeface="Arial" panose="020B0604020202020204" pitchFamily="34" charset="0"/>
-              <a:buChar char="•"/>
-            </a:pPr>
-            <a:r>
-              <a:rPr lang="en-US" altLang="ko-KR" dirty="0"/>
-              <a:t>PostgreSQL</a:t>
-            </a:r>
-          </a:p>
-          <a:p>
-            <a:pPr marL="742939" lvl="1" indent="-285750">
-              <a:lnSpc>
-                <a:spcPct val="150000"/>
-              </a:lnSpc>
-              <a:buFont typeface="Arial" panose="020B0604020202020204" pitchFamily="34" charset="0"/>
-              <a:buChar char="•"/>
-            </a:pPr>
-            <a:r>
-              <a:rPr lang="en-US" altLang="ko-KR" dirty="0"/>
-              <a:t>Flyway</a:t>
-            </a:r>
-          </a:p>
-          <a:p>
-            <a:endParaRPr lang="en-US" altLang="ko-KR" dirty="0"/>
-          </a:p>
-        </p:txBody>
-      </p:sp>
-      <p:sp>
-        <p:nvSpPr>
-          <p:cNvPr id="3" name="Rectangle 3">
-            <a:extLst>
-              <a:ext uri="{FF2B5EF4-FFF2-40B4-BE49-F238E27FC236}">
-                <a16:creationId xmlns:a16="http://schemas.microsoft.com/office/drawing/2014/main" id="{CA77051A-F692-A801-F2CB-1640657309D7}"/>
-              </a:ext>
-            </a:extLst>
-          </p:cNvPr>
-          <p:cNvSpPr>
-            <a:spLocks noChangeArrowheads="1"/>
-          </p:cNvSpPr>
-          <p:nvPr/>
-        </p:nvSpPr>
-        <p:spPr bwMode="auto">
-          <a:xfrm>
-            <a:off x="6744072" y="1891023"/>
-            <a:ext cx="5198164" cy="4693593"/>
-          </a:xfrm>
-          <a:prstGeom prst="rect">
-            <a:avLst/>
-          </a:prstGeom>
-          <a:solidFill>
-            <a:srgbClr val="262335"/>
-          </a:solidFill>
-          <a:ln>
-            <a:noFill/>
-          </a:ln>
-          <a:effectLst/>
-          <a:extLst>
-            <a:ext uri="{91240B29-F687-4F45-9708-019B960494DF}">
-              <a14:hiddenLine xmlns:a14="http://schemas.microsoft.com/office/drawing/2010/main" w="9525">
-                <a:solidFill>
-                  <a:schemeClr val="tx1"/>
-                </a:solidFill>
-                <a:miter lim="800000"/>
-                <a:headEnd/>
-                <a:tailEnd/>
-              </a14:hiddenLine>
-            </a:ext>
-            <a:ext uri="{AF507438-7753-43E0-B8FC-AC1667EBCBE1}">
-              <a14:hiddenEffects xmlns:a14="http://schemas.microsoft.com/office/drawing/2010/main">
-                <a:effectLst>
-                  <a:outerShdw dist="35921" dir="2700000" algn="ctr" rotWithShape="0">
-                    <a:schemeClr val="bg2"/>
-                  </a:outerShdw>
-                </a:effectLst>
-              </a14:hiddenEffects>
-            </a:ext>
-          </a:extLst>
-        </p:spPr>
-        <p:txBody>
-          <a:bodyPr vert="horz" wrap="square" lIns="91440" tIns="45720" rIns="91440" bIns="45720" numCol="1" anchor="ctr" anchorCtr="0" compatLnSpc="1">
-            <a:prstTxWarp prst="textNoShape">
-              <a:avLst/>
-            </a:prstTxWarp>
-            <a:spAutoFit/>
-          </a:bodyPr>
-          <a:lstStyle/>
-          <a:p>
-            <a:pPr marL="0" marR="0" lvl="0" indent="0" algn="l" defTabSz="914400" rtl="0" eaLnBrk="0" fontAlgn="base" latinLnBrk="0" hangingPunct="0">
-              <a:spcBef>
-                <a:spcPct val="0"/>
-              </a:spcBef>
-              <a:spcAft>
-                <a:spcPct val="0"/>
-              </a:spcAft>
-              <a:buClrTx/>
-              <a:buSzTx/>
-              <a:buFontTx/>
-              <a:buNone/>
-              <a:tabLst/>
-            </a:pPr>
-            <a:r>
-              <a:rPr kumimoji="0" lang="ko-KR" altLang="ko-KR" sz="1300" b="0" i="0" u="none" strike="noStrike" cap="none" normalizeH="0" baseline="0" dirty="0" err="1">
-                <a:ln>
-                  <a:noFill/>
-                </a:ln>
-                <a:solidFill>
-                  <a:srgbClr val="FF6363"/>
-                </a:solidFill>
-                <a:effectLst/>
-                <a:latin typeface="Arial Unicode MS"/>
-                <a:ea typeface="JetBrains Mono"/>
-              </a:rPr>
-              <a:t>spring</a:t>
-            </a:r>
-            <a:r>
-              <a:rPr kumimoji="0" lang="ko-KR" altLang="ko-KR" sz="1300" b="0" i="0" u="none" strike="noStrike" cap="none" normalizeH="0" baseline="0" dirty="0">
-                <a:ln>
-                  <a:noFill/>
-                </a:ln>
-                <a:solidFill>
-                  <a:srgbClr val="FEDE5D"/>
-                </a:solidFill>
-                <a:effectLst/>
-                <a:latin typeface="Arial Unicode MS"/>
-                <a:ea typeface="JetBrains Mono"/>
-              </a:rPr>
-              <a:t>:</a:t>
-            </a:r>
-            <a:br>
-              <a:rPr kumimoji="0" lang="ko-KR" altLang="ko-KR" sz="1300" b="0" i="0" u="none" strike="noStrike" cap="none" normalizeH="0" baseline="0" dirty="0">
-                <a:ln>
-                  <a:noFill/>
-                </a:ln>
-                <a:solidFill>
-                  <a:srgbClr val="FEDE5D"/>
-                </a:solidFill>
-                <a:effectLst/>
-                <a:latin typeface="Arial Unicode MS"/>
-                <a:ea typeface="JetBrains Mono"/>
-              </a:rPr>
-            </a:br>
-            <a:r>
-              <a:rPr kumimoji="0" lang="ko-KR" altLang="ko-KR" sz="1300" b="0" i="0" u="none" strike="noStrike" cap="none" normalizeH="0" baseline="0" dirty="0">
-                <a:ln>
-                  <a:noFill/>
-                </a:ln>
-                <a:solidFill>
-                  <a:srgbClr val="FEDE5D"/>
-                </a:solidFill>
-                <a:effectLst/>
-                <a:latin typeface="Arial Unicode MS"/>
-                <a:ea typeface="JetBrains Mono"/>
-              </a:rPr>
-              <a:t>  </a:t>
-            </a:r>
-            <a:r>
-              <a:rPr kumimoji="0" lang="ko-KR" altLang="ko-KR" sz="1300" b="0" i="0" u="none" strike="noStrike" cap="none" normalizeH="0" baseline="0" dirty="0" err="1">
-                <a:ln>
-                  <a:noFill/>
-                </a:ln>
-                <a:solidFill>
-                  <a:srgbClr val="FF6363"/>
-                </a:solidFill>
-                <a:effectLst/>
-                <a:latin typeface="Arial Unicode MS"/>
-                <a:ea typeface="JetBrains Mono"/>
-              </a:rPr>
-              <a:t>datasource</a:t>
-            </a:r>
-            <a:r>
-              <a:rPr kumimoji="0" lang="ko-KR" altLang="ko-KR" sz="1300" b="0" i="0" u="none" strike="noStrike" cap="none" normalizeH="0" baseline="0" dirty="0">
-                <a:ln>
-                  <a:noFill/>
-                </a:ln>
-                <a:solidFill>
-                  <a:srgbClr val="FEDE5D"/>
-                </a:solidFill>
-                <a:effectLst/>
-                <a:latin typeface="Arial Unicode MS"/>
-                <a:ea typeface="JetBrains Mono"/>
-              </a:rPr>
-              <a:t>:</a:t>
-            </a:r>
-            <a:br>
-              <a:rPr kumimoji="0" lang="ko-KR" altLang="ko-KR" sz="1300" b="0" i="0" u="none" strike="noStrike" cap="none" normalizeH="0" baseline="0" dirty="0">
-                <a:ln>
-                  <a:noFill/>
-                </a:ln>
-                <a:solidFill>
-                  <a:srgbClr val="FEDE5D"/>
-                </a:solidFill>
-                <a:effectLst/>
-                <a:latin typeface="Arial Unicode MS"/>
-                <a:ea typeface="JetBrains Mono"/>
-              </a:rPr>
-            </a:br>
-            <a:r>
-              <a:rPr kumimoji="0" lang="ko-KR" altLang="ko-KR" sz="1300" b="0" i="0" u="none" strike="noStrike" cap="none" normalizeH="0" baseline="0" dirty="0">
-                <a:ln>
-                  <a:noFill/>
-                </a:ln>
-                <a:solidFill>
-                  <a:srgbClr val="FEDE5D"/>
-                </a:solidFill>
-                <a:effectLst/>
-                <a:latin typeface="Arial Unicode MS"/>
-                <a:ea typeface="JetBrains Mono"/>
-              </a:rPr>
-              <a:t>    </a:t>
-            </a:r>
-            <a:r>
-              <a:rPr kumimoji="0" lang="ko-KR" altLang="ko-KR" sz="1300" b="0" i="0" u="none" strike="noStrike" cap="none" normalizeH="0" baseline="0" dirty="0">
-                <a:ln>
-                  <a:noFill/>
-                </a:ln>
-                <a:solidFill>
-                  <a:srgbClr val="FF6363"/>
-                </a:solidFill>
-                <a:effectLst/>
-                <a:latin typeface="Arial Unicode MS"/>
-                <a:ea typeface="JetBrains Mono"/>
-              </a:rPr>
-              <a:t>url</a:t>
-            </a:r>
-            <a:r>
-              <a:rPr kumimoji="0" lang="ko-KR" altLang="ko-KR" sz="1300" b="0" i="0" u="none" strike="noStrike" cap="none" normalizeH="0" baseline="0" dirty="0">
-                <a:ln>
-                  <a:noFill/>
-                </a:ln>
-                <a:solidFill>
-                  <a:srgbClr val="FEDE5D"/>
-                </a:solidFill>
-                <a:effectLst/>
-                <a:latin typeface="Arial Unicode MS"/>
-                <a:ea typeface="JetBrains Mono"/>
-              </a:rPr>
-              <a:t>: </a:t>
-            </a:r>
-            <a:r>
-              <a:rPr kumimoji="0" lang="ko-KR" altLang="ko-KR" sz="1300" b="0" i="0" u="none" strike="noStrike" cap="none" normalizeH="0" baseline="0" dirty="0" err="1">
-                <a:ln>
-                  <a:noFill/>
-                </a:ln>
-                <a:solidFill>
-                  <a:srgbClr val="FFFFFF"/>
-                </a:solidFill>
-                <a:effectLst/>
-                <a:latin typeface="Arial Unicode MS"/>
-                <a:ea typeface="JetBrains Mono"/>
-              </a:rPr>
-              <a:t>jdbc:postgresql</a:t>
-            </a:r>
-            <a:r>
-              <a:rPr kumimoji="0" lang="ko-KR" altLang="ko-KR" sz="1300" b="0" i="0" u="none" strike="noStrike" cap="none" normalizeH="0" baseline="0" dirty="0">
-                <a:ln>
-                  <a:noFill/>
-                </a:ln>
-                <a:solidFill>
-                  <a:srgbClr val="FFFFFF"/>
-                </a:solidFill>
-                <a:effectLst/>
-                <a:latin typeface="Arial Unicode MS"/>
-                <a:ea typeface="JetBrains Mono"/>
-              </a:rPr>
-              <a:t>://</a:t>
-            </a:r>
-            <a:r>
-              <a:rPr kumimoji="0" lang="en-US" altLang="ko-KR" sz="1300" b="0" i="0" u="none" strike="noStrike" cap="none" normalizeH="0" baseline="0" dirty="0" err="1">
-                <a:ln>
-                  <a:noFill/>
-                </a:ln>
-                <a:solidFill>
-                  <a:srgbClr val="FFFFFF"/>
-                </a:solidFill>
-                <a:effectLst/>
-                <a:latin typeface="Arial Unicode MS"/>
-                <a:ea typeface="JetBrains Mono"/>
-              </a:rPr>
-              <a:t>db</a:t>
-            </a:r>
-            <a:r>
-              <a:rPr kumimoji="0" lang="ko-KR" altLang="ko-KR" sz="1300" b="0" i="0" u="none" strike="noStrike" cap="none" normalizeH="0" baseline="0" dirty="0">
-                <a:ln>
-                  <a:noFill/>
-                </a:ln>
-                <a:solidFill>
-                  <a:srgbClr val="FFFFFF"/>
-                </a:solidFill>
-                <a:effectLst/>
-                <a:latin typeface="Arial Unicode MS"/>
-                <a:ea typeface="JetBrains Mono"/>
-              </a:rPr>
-              <a:t>:5432/</a:t>
-            </a:r>
-            <a:r>
-              <a:rPr kumimoji="0" lang="ko-KR" altLang="ko-KR" sz="1300" b="0" i="0" u="none" strike="noStrike" cap="none" normalizeH="0" baseline="0" dirty="0" err="1">
-                <a:ln>
-                  <a:noFill/>
-                </a:ln>
-                <a:solidFill>
-                  <a:srgbClr val="FFFFFF"/>
-                </a:solidFill>
-                <a:effectLst/>
-                <a:latin typeface="Arial Unicode MS"/>
-                <a:ea typeface="JetBrains Mono"/>
-              </a:rPr>
-              <a:t>postgres</a:t>
-            </a:r>
-            <a:br>
-              <a:rPr kumimoji="0" lang="ko-KR" altLang="ko-KR" sz="1300" b="0" i="0" u="none" strike="noStrike" cap="none" normalizeH="0" baseline="0" dirty="0">
-                <a:ln>
-                  <a:noFill/>
-                </a:ln>
-                <a:solidFill>
-                  <a:srgbClr val="FFFFFF"/>
-                </a:solidFill>
-                <a:effectLst/>
-                <a:latin typeface="Arial Unicode MS"/>
-                <a:ea typeface="JetBrains Mono"/>
-              </a:rPr>
-            </a:br>
-            <a:r>
-              <a:rPr kumimoji="0" lang="ko-KR" altLang="ko-KR" sz="1300" b="0" i="0" u="none" strike="noStrike" cap="none" normalizeH="0" baseline="0" dirty="0">
-                <a:ln>
-                  <a:noFill/>
-                </a:ln>
-                <a:solidFill>
-                  <a:srgbClr val="FFFFFF"/>
-                </a:solidFill>
-                <a:effectLst/>
-                <a:latin typeface="Arial Unicode MS"/>
-                <a:ea typeface="JetBrains Mono"/>
-              </a:rPr>
-              <a:t>    </a:t>
-            </a:r>
-            <a:r>
-              <a:rPr kumimoji="0" lang="ko-KR" altLang="ko-KR" sz="1300" b="0" i="0" u="none" strike="noStrike" cap="none" normalizeH="0" baseline="0" dirty="0" err="1">
-                <a:ln>
-                  <a:noFill/>
-                </a:ln>
-                <a:solidFill>
-                  <a:srgbClr val="FF6363"/>
-                </a:solidFill>
-                <a:effectLst/>
-                <a:latin typeface="Arial Unicode MS"/>
-                <a:ea typeface="JetBrains Mono"/>
-              </a:rPr>
-              <a:t>driver-class-name</a:t>
-            </a:r>
-            <a:r>
-              <a:rPr kumimoji="0" lang="ko-KR" altLang="ko-KR" sz="1300" b="0" i="0" u="none" strike="noStrike" cap="none" normalizeH="0" baseline="0" dirty="0">
-                <a:ln>
-                  <a:noFill/>
-                </a:ln>
-                <a:solidFill>
-                  <a:srgbClr val="FEDE5D"/>
-                </a:solidFill>
-                <a:effectLst/>
-                <a:latin typeface="Arial Unicode MS"/>
-                <a:ea typeface="JetBrains Mono"/>
-              </a:rPr>
-              <a:t>: </a:t>
-            </a:r>
-            <a:r>
-              <a:rPr kumimoji="0" lang="ko-KR" altLang="ko-KR" sz="1300" b="0" i="0" u="none" strike="noStrike" cap="none" normalizeH="0" baseline="0" dirty="0" err="1">
-                <a:ln>
-                  <a:noFill/>
-                </a:ln>
-                <a:solidFill>
-                  <a:srgbClr val="F92AAD"/>
-                </a:solidFill>
-                <a:effectLst/>
-                <a:latin typeface="Arial Unicode MS"/>
-                <a:ea typeface="JetBrains Mono"/>
-              </a:rPr>
-              <a:t>org</a:t>
-            </a:r>
-            <a:r>
-              <a:rPr kumimoji="0" lang="ko-KR" altLang="ko-KR" sz="1300" b="0" i="0" u="none" strike="noStrike" cap="none" normalizeH="0" baseline="0" dirty="0" err="1">
-                <a:ln>
-                  <a:noFill/>
-                </a:ln>
-                <a:solidFill>
-                  <a:srgbClr val="FFFFFF"/>
-                </a:solidFill>
-                <a:effectLst/>
-                <a:latin typeface="Arial Unicode MS"/>
-                <a:ea typeface="JetBrains Mono"/>
-              </a:rPr>
-              <a:t>.</a:t>
-            </a:r>
-            <a:r>
-              <a:rPr kumimoji="0" lang="ko-KR" altLang="ko-KR" sz="1300" b="0" i="0" u="none" strike="noStrike" cap="none" normalizeH="0" baseline="0" dirty="0" err="1">
-                <a:ln>
-                  <a:noFill/>
-                </a:ln>
-                <a:solidFill>
-                  <a:srgbClr val="F92AAD"/>
-                </a:solidFill>
-                <a:effectLst/>
-                <a:latin typeface="Arial Unicode MS"/>
-                <a:ea typeface="JetBrains Mono"/>
-              </a:rPr>
-              <a:t>postgresql</a:t>
-            </a:r>
-            <a:r>
-              <a:rPr kumimoji="0" lang="ko-KR" altLang="ko-KR" sz="1300" b="0" i="0" u="none" strike="noStrike" cap="none" normalizeH="0" baseline="0" dirty="0" err="1">
-                <a:ln>
-                  <a:noFill/>
-                </a:ln>
-                <a:solidFill>
-                  <a:srgbClr val="FFFFFF"/>
-                </a:solidFill>
-                <a:effectLst/>
-                <a:latin typeface="Arial Unicode MS"/>
-                <a:ea typeface="JetBrains Mono"/>
-              </a:rPr>
-              <a:t>.</a:t>
-            </a:r>
-            <a:r>
-              <a:rPr kumimoji="0" lang="ko-KR" altLang="ko-KR" sz="1300" b="0" i="0" u="none" strike="noStrike" cap="none" normalizeH="0" baseline="0" dirty="0" err="1">
-                <a:ln>
-                  <a:noFill/>
-                </a:ln>
-                <a:solidFill>
-                  <a:srgbClr val="F92AAD"/>
-                </a:solidFill>
-                <a:effectLst/>
-                <a:latin typeface="Arial Unicode MS"/>
-                <a:ea typeface="JetBrains Mono"/>
-              </a:rPr>
-              <a:t>Driver</a:t>
-            </a:r>
-            <a:br>
-              <a:rPr kumimoji="0" lang="ko-KR" altLang="ko-KR" sz="1300" b="0" i="0" u="none" strike="noStrike" cap="none" normalizeH="0" baseline="0" dirty="0">
-                <a:ln>
-                  <a:noFill/>
-                </a:ln>
-                <a:solidFill>
-                  <a:srgbClr val="F92AAD"/>
-                </a:solidFill>
-                <a:effectLst/>
-                <a:latin typeface="Arial Unicode MS"/>
-                <a:ea typeface="JetBrains Mono"/>
-              </a:rPr>
-            </a:br>
-            <a:r>
-              <a:rPr kumimoji="0" lang="ko-KR" altLang="ko-KR" sz="1300" b="0" i="0" u="none" strike="noStrike" cap="none" normalizeH="0" baseline="0" dirty="0">
-                <a:ln>
-                  <a:noFill/>
-                </a:ln>
-                <a:solidFill>
-                  <a:srgbClr val="F92AAD"/>
-                </a:solidFill>
-                <a:effectLst/>
-                <a:latin typeface="Arial Unicode MS"/>
-                <a:ea typeface="JetBrains Mono"/>
-              </a:rPr>
-              <a:t>    </a:t>
-            </a:r>
-            <a:r>
-              <a:rPr kumimoji="0" lang="ko-KR" altLang="ko-KR" sz="1300" b="0" i="0" u="none" strike="noStrike" cap="none" normalizeH="0" baseline="0" dirty="0" err="1">
-                <a:ln>
-                  <a:noFill/>
-                </a:ln>
-                <a:solidFill>
-                  <a:srgbClr val="FF6363"/>
-                </a:solidFill>
-                <a:effectLst/>
-                <a:latin typeface="Arial Unicode MS"/>
-                <a:ea typeface="JetBrains Mono"/>
-              </a:rPr>
-              <a:t>username</a:t>
-            </a:r>
-            <a:r>
-              <a:rPr kumimoji="0" lang="ko-KR" altLang="ko-KR" sz="1300" b="0" i="0" u="none" strike="noStrike" cap="none" normalizeH="0" baseline="0" dirty="0">
-                <a:ln>
-                  <a:noFill/>
-                </a:ln>
-                <a:solidFill>
-                  <a:srgbClr val="FEDE5D"/>
-                </a:solidFill>
-                <a:effectLst/>
-                <a:latin typeface="Arial Unicode MS"/>
-                <a:ea typeface="JetBrains Mono"/>
-              </a:rPr>
-              <a:t>: </a:t>
-            </a:r>
-            <a:r>
-              <a:rPr kumimoji="0" lang="ko-KR" altLang="ko-KR" sz="1300" b="0" i="0" u="none" strike="noStrike" cap="none" normalizeH="0" baseline="0" dirty="0" err="1">
-                <a:ln>
-                  <a:noFill/>
-                </a:ln>
-                <a:solidFill>
-                  <a:srgbClr val="FFFFFF"/>
-                </a:solidFill>
-                <a:effectLst/>
-                <a:latin typeface="Arial Unicode MS"/>
-                <a:ea typeface="JetBrains Mono"/>
-              </a:rPr>
-              <a:t>postgres</a:t>
-            </a:r>
-            <a:br>
-              <a:rPr kumimoji="0" lang="ko-KR" altLang="ko-KR" sz="1300" b="0" i="0" u="none" strike="noStrike" cap="none" normalizeH="0" baseline="0" dirty="0">
-                <a:ln>
-                  <a:noFill/>
-                </a:ln>
-                <a:solidFill>
-                  <a:srgbClr val="FFFFFF"/>
-                </a:solidFill>
-                <a:effectLst/>
-                <a:latin typeface="Arial Unicode MS"/>
-                <a:ea typeface="JetBrains Mono"/>
-              </a:rPr>
-            </a:br>
-            <a:r>
-              <a:rPr kumimoji="0" lang="ko-KR" altLang="ko-KR" sz="1300" b="0" i="0" u="none" strike="noStrike" cap="none" normalizeH="0" baseline="0" dirty="0">
-                <a:ln>
-                  <a:noFill/>
-                </a:ln>
-                <a:solidFill>
-                  <a:srgbClr val="FFFFFF"/>
-                </a:solidFill>
-                <a:effectLst/>
-                <a:latin typeface="Arial Unicode MS"/>
-                <a:ea typeface="JetBrains Mono"/>
-              </a:rPr>
-              <a:t>    </a:t>
-            </a:r>
-            <a:r>
-              <a:rPr kumimoji="0" lang="ko-KR" altLang="ko-KR" sz="1300" b="0" i="0" u="none" strike="noStrike" cap="none" normalizeH="0" baseline="0" dirty="0" err="1">
-                <a:ln>
-                  <a:noFill/>
-                </a:ln>
-                <a:solidFill>
-                  <a:srgbClr val="FF6363"/>
-                </a:solidFill>
-                <a:effectLst/>
-                <a:latin typeface="Arial Unicode MS"/>
-                <a:ea typeface="JetBrains Mono"/>
-              </a:rPr>
-              <a:t>password</a:t>
-            </a:r>
-            <a:r>
-              <a:rPr kumimoji="0" lang="ko-KR" altLang="ko-KR" sz="1300" b="0" i="0" u="none" strike="noStrike" cap="none" normalizeH="0" baseline="0" dirty="0">
-                <a:ln>
-                  <a:noFill/>
-                </a:ln>
-                <a:solidFill>
-                  <a:srgbClr val="FEDE5D"/>
-                </a:solidFill>
-                <a:effectLst/>
-                <a:latin typeface="Arial Unicode MS"/>
-                <a:ea typeface="JetBrains Mono"/>
-              </a:rPr>
-              <a:t>: </a:t>
-            </a:r>
-            <a:r>
-              <a:rPr kumimoji="0" lang="ko-KR" altLang="ko-KR" sz="1300" b="0" i="0" u="none" strike="noStrike" cap="none" normalizeH="0" baseline="0" dirty="0">
-                <a:ln>
-                  <a:noFill/>
-                </a:ln>
-                <a:solidFill>
-                  <a:srgbClr val="FFFFFF"/>
-                </a:solidFill>
-                <a:effectLst/>
-                <a:latin typeface="Arial Unicode MS"/>
-                <a:ea typeface="JetBrains Mono"/>
-              </a:rPr>
-              <a:t>tmax1234</a:t>
-            </a:r>
-            <a:br>
-              <a:rPr kumimoji="0" lang="ko-KR" altLang="ko-KR" sz="1300" b="0" i="0" u="none" strike="noStrike" cap="none" normalizeH="0" baseline="0" dirty="0">
-                <a:ln>
-                  <a:noFill/>
-                </a:ln>
-                <a:solidFill>
-                  <a:srgbClr val="FFFFFF"/>
-                </a:solidFill>
-                <a:effectLst/>
-                <a:latin typeface="Arial Unicode MS"/>
-                <a:ea typeface="JetBrains Mono"/>
-              </a:rPr>
-            </a:br>
-            <a:r>
-              <a:rPr kumimoji="0" lang="ko-KR" altLang="ko-KR" sz="1300" b="0" i="0" u="none" strike="noStrike" cap="none" normalizeH="0" baseline="0" dirty="0">
-                <a:ln>
-                  <a:noFill/>
-                </a:ln>
-                <a:solidFill>
-                  <a:srgbClr val="FFFFFF"/>
-                </a:solidFill>
-                <a:effectLst/>
-                <a:latin typeface="Arial Unicode MS"/>
-                <a:ea typeface="JetBrains Mono"/>
-              </a:rPr>
-              <a:t>  </a:t>
-            </a:r>
-            <a:r>
-              <a:rPr kumimoji="0" lang="ko-KR" altLang="ko-KR" sz="1300" b="0" i="0" u="none" strike="noStrike" cap="none" normalizeH="0" baseline="0" dirty="0" err="1">
-                <a:ln>
-                  <a:noFill/>
-                </a:ln>
-                <a:solidFill>
-                  <a:srgbClr val="FF6363"/>
-                </a:solidFill>
-                <a:effectLst/>
-                <a:latin typeface="Arial Unicode MS"/>
-                <a:ea typeface="JetBrains Mono"/>
-              </a:rPr>
-              <a:t>flyway</a:t>
-            </a:r>
-            <a:r>
-              <a:rPr kumimoji="0" lang="ko-KR" altLang="ko-KR" sz="1300" b="0" i="0" u="none" strike="noStrike" cap="none" normalizeH="0" baseline="0" dirty="0">
-                <a:ln>
-                  <a:noFill/>
-                </a:ln>
-                <a:solidFill>
-                  <a:srgbClr val="FEDE5D"/>
-                </a:solidFill>
-                <a:effectLst/>
-                <a:latin typeface="Arial Unicode MS"/>
-                <a:ea typeface="JetBrains Mono"/>
-              </a:rPr>
-              <a:t>:</a:t>
-            </a:r>
-            <a:br>
-              <a:rPr kumimoji="0" lang="ko-KR" altLang="ko-KR" sz="1300" b="0" i="0" u="none" strike="noStrike" cap="none" normalizeH="0" baseline="0" dirty="0">
-                <a:ln>
-                  <a:noFill/>
-                </a:ln>
-                <a:solidFill>
-                  <a:srgbClr val="FEDE5D"/>
-                </a:solidFill>
-                <a:effectLst/>
-                <a:latin typeface="Arial Unicode MS"/>
-                <a:ea typeface="JetBrains Mono"/>
-              </a:rPr>
-            </a:br>
-            <a:r>
-              <a:rPr kumimoji="0" lang="ko-KR" altLang="ko-KR" sz="1300" b="0" i="0" u="none" strike="noStrike" cap="none" normalizeH="0" baseline="0" dirty="0">
-                <a:ln>
-                  <a:noFill/>
-                </a:ln>
-                <a:solidFill>
-                  <a:srgbClr val="FEDE5D"/>
-                </a:solidFill>
-                <a:effectLst/>
-                <a:latin typeface="Arial Unicode MS"/>
-                <a:ea typeface="JetBrains Mono"/>
-              </a:rPr>
-              <a:t>    </a:t>
-            </a:r>
-            <a:r>
-              <a:rPr kumimoji="0" lang="ko-KR" altLang="ko-KR" sz="1300" b="0" i="0" u="none" strike="noStrike" cap="none" normalizeH="0" baseline="0" dirty="0" err="1">
-                <a:ln>
-                  <a:noFill/>
-                </a:ln>
-                <a:solidFill>
-                  <a:srgbClr val="FF6363"/>
-                </a:solidFill>
-                <a:effectLst/>
-                <a:latin typeface="Arial Unicode MS"/>
-                <a:ea typeface="JetBrains Mono"/>
-              </a:rPr>
-              <a:t>enabled</a:t>
-            </a:r>
-            <a:r>
-              <a:rPr kumimoji="0" lang="ko-KR" altLang="ko-KR" sz="1300" b="0" i="0" u="none" strike="noStrike" cap="none" normalizeH="0" baseline="0" dirty="0">
-                <a:ln>
-                  <a:noFill/>
-                </a:ln>
-                <a:solidFill>
-                  <a:srgbClr val="FEDE5D"/>
-                </a:solidFill>
-                <a:effectLst/>
-                <a:latin typeface="Arial Unicode MS"/>
-                <a:ea typeface="JetBrains Mono"/>
-              </a:rPr>
-              <a:t>: </a:t>
-            </a:r>
-            <a:r>
-              <a:rPr kumimoji="0" lang="ko-KR" altLang="ko-KR" sz="1300" b="0" i="1" u="none" strike="noStrike" cap="none" normalizeH="0" baseline="0" dirty="0" err="1">
-                <a:ln>
-                  <a:noFill/>
-                </a:ln>
-                <a:solidFill>
-                  <a:srgbClr val="FEDE5D"/>
-                </a:solidFill>
-                <a:effectLst/>
-                <a:latin typeface="Arial Unicode MS"/>
-                <a:ea typeface="JetBrains Mono"/>
-              </a:rPr>
-              <a:t>true</a:t>
-            </a:r>
-            <a:br>
-              <a:rPr kumimoji="0" lang="ko-KR" altLang="ko-KR" sz="1300" b="0" i="1" u="none" strike="noStrike" cap="none" normalizeH="0" baseline="0" dirty="0">
-                <a:ln>
-                  <a:noFill/>
-                </a:ln>
-                <a:solidFill>
-                  <a:srgbClr val="FEDE5D"/>
-                </a:solidFill>
-                <a:effectLst/>
-                <a:latin typeface="Arial Unicode MS"/>
-                <a:ea typeface="JetBrains Mono"/>
-              </a:rPr>
-            </a:br>
-            <a:r>
-              <a:rPr kumimoji="0" lang="ko-KR" altLang="ko-KR" sz="1300" b="0" i="1" u="none" strike="noStrike" cap="none" normalizeH="0" baseline="0" dirty="0">
-                <a:ln>
-                  <a:noFill/>
-                </a:ln>
-                <a:solidFill>
-                  <a:srgbClr val="FEDE5D"/>
-                </a:solidFill>
-                <a:effectLst/>
-                <a:latin typeface="Arial Unicode MS"/>
-                <a:ea typeface="JetBrains Mono"/>
-              </a:rPr>
-              <a:t>    </a:t>
-            </a:r>
-            <a:r>
-              <a:rPr kumimoji="0" lang="ko-KR" altLang="ko-KR" sz="1300" b="0" i="0" u="none" strike="noStrike" cap="none" normalizeH="0" baseline="0" dirty="0" err="1">
-                <a:ln>
-                  <a:noFill/>
-                </a:ln>
-                <a:solidFill>
-                  <a:srgbClr val="FF6363"/>
-                </a:solidFill>
-                <a:effectLst/>
-                <a:latin typeface="Arial Unicode MS"/>
-                <a:ea typeface="JetBrains Mono"/>
-              </a:rPr>
-              <a:t>baseline-on-migrate</a:t>
-            </a:r>
-            <a:r>
-              <a:rPr kumimoji="0" lang="ko-KR" altLang="ko-KR" sz="1300" b="0" i="0" u="none" strike="noStrike" cap="none" normalizeH="0" baseline="0" dirty="0">
-                <a:ln>
-                  <a:noFill/>
-                </a:ln>
-                <a:solidFill>
-                  <a:srgbClr val="FEDE5D"/>
-                </a:solidFill>
-                <a:effectLst/>
-                <a:latin typeface="Arial Unicode MS"/>
-                <a:ea typeface="JetBrains Mono"/>
-              </a:rPr>
-              <a:t>: </a:t>
-            </a:r>
-            <a:r>
-              <a:rPr kumimoji="0" lang="ko-KR" altLang="ko-KR" sz="1300" b="0" i="1" u="none" strike="noStrike" cap="none" normalizeH="0" baseline="0" dirty="0" err="1">
-                <a:ln>
-                  <a:noFill/>
-                </a:ln>
-                <a:solidFill>
-                  <a:srgbClr val="FEDE5D"/>
-                </a:solidFill>
-                <a:effectLst/>
-                <a:latin typeface="Arial Unicode MS"/>
-                <a:ea typeface="JetBrains Mono"/>
-              </a:rPr>
-              <a:t>true</a:t>
-            </a:r>
-            <a:br>
-              <a:rPr kumimoji="0" lang="ko-KR" altLang="ko-KR" sz="1300" b="0" i="1" u="none" strike="noStrike" cap="none" normalizeH="0" baseline="0" dirty="0">
-                <a:ln>
-                  <a:noFill/>
-                </a:ln>
-                <a:solidFill>
-                  <a:srgbClr val="FEDE5D"/>
-                </a:solidFill>
-                <a:effectLst/>
-                <a:latin typeface="Arial Unicode MS"/>
-                <a:ea typeface="JetBrains Mono"/>
-              </a:rPr>
-            </a:br>
-            <a:r>
-              <a:rPr kumimoji="0" lang="ko-KR" altLang="ko-KR" sz="1300" b="0" i="1" u="none" strike="noStrike" cap="none" normalizeH="0" baseline="0" dirty="0">
-                <a:ln>
-                  <a:noFill/>
-                </a:ln>
-                <a:solidFill>
-                  <a:srgbClr val="FEDE5D"/>
-                </a:solidFill>
-                <a:effectLst/>
-                <a:latin typeface="Arial Unicode MS"/>
-                <a:ea typeface="JetBrains Mono"/>
-              </a:rPr>
-              <a:t>    </a:t>
-            </a:r>
-            <a:r>
-              <a:rPr kumimoji="0" lang="ko-KR" altLang="ko-KR" sz="1300" b="0" i="0" u="none" strike="noStrike" cap="none" normalizeH="0" baseline="0" dirty="0" err="1">
-                <a:ln>
-                  <a:noFill/>
-                </a:ln>
-                <a:solidFill>
-                  <a:srgbClr val="FF6363"/>
-                </a:solidFill>
-                <a:effectLst/>
-                <a:latin typeface="Arial Unicode MS"/>
-                <a:ea typeface="JetBrains Mono"/>
-              </a:rPr>
-              <a:t>locations</a:t>
-            </a:r>
-            <a:r>
-              <a:rPr kumimoji="0" lang="ko-KR" altLang="ko-KR" sz="1300" b="0" i="0" u="none" strike="noStrike" cap="none" normalizeH="0" baseline="0" dirty="0">
-                <a:ln>
-                  <a:noFill/>
-                </a:ln>
-                <a:solidFill>
-                  <a:srgbClr val="FEDE5D"/>
-                </a:solidFill>
-                <a:effectLst/>
-                <a:latin typeface="Arial Unicode MS"/>
-                <a:ea typeface="JetBrains Mono"/>
-              </a:rPr>
-              <a:t>: </a:t>
-            </a:r>
-            <a:r>
-              <a:rPr kumimoji="0" lang="ko-KR" altLang="ko-KR" sz="1300" b="0" i="0" u="none" strike="noStrike" cap="none" normalizeH="0" baseline="0" dirty="0" err="1">
-                <a:ln>
-                  <a:noFill/>
-                </a:ln>
-                <a:solidFill>
-                  <a:srgbClr val="FFFFFF"/>
-                </a:solidFill>
-                <a:effectLst/>
-                <a:latin typeface="Arial Unicode MS"/>
-                <a:ea typeface="JetBrains Mono"/>
-              </a:rPr>
-              <a:t>classpath</a:t>
-            </a:r>
-            <a:r>
-              <a:rPr kumimoji="0" lang="ko-KR" altLang="ko-KR" sz="1300" b="0" i="0" u="none" strike="noStrike" cap="none" normalizeH="0" baseline="0" dirty="0">
-                <a:ln>
-                  <a:noFill/>
-                </a:ln>
-                <a:solidFill>
-                  <a:srgbClr val="FFFFFF"/>
-                </a:solidFill>
-                <a:effectLst/>
-                <a:latin typeface="Arial Unicode MS"/>
-                <a:ea typeface="JetBrains Mono"/>
-              </a:rPr>
-              <a:t>:/</a:t>
-            </a:r>
-            <a:r>
-              <a:rPr kumimoji="0" lang="ko-KR" altLang="ko-KR" sz="1300" b="0" i="0" u="none" strike="noStrike" cap="none" normalizeH="0" baseline="0" dirty="0" err="1">
-                <a:ln>
-                  <a:noFill/>
-                </a:ln>
-                <a:solidFill>
-                  <a:srgbClr val="FFFFFF"/>
-                </a:solidFill>
-                <a:effectLst/>
-                <a:latin typeface="Arial Unicode MS"/>
-                <a:ea typeface="JetBrains Mono"/>
-              </a:rPr>
-              <a:t>db</a:t>
-            </a:r>
-            <a:r>
-              <a:rPr kumimoji="0" lang="ko-KR" altLang="ko-KR" sz="1300" b="0" i="0" u="none" strike="noStrike" cap="none" normalizeH="0" baseline="0" dirty="0">
-                <a:ln>
-                  <a:noFill/>
-                </a:ln>
-                <a:solidFill>
-                  <a:srgbClr val="FFFFFF"/>
-                </a:solidFill>
-                <a:effectLst/>
-                <a:latin typeface="Arial Unicode MS"/>
-                <a:ea typeface="JetBrains Mono"/>
-              </a:rPr>
-              <a:t>/</a:t>
-            </a:r>
-            <a:r>
-              <a:rPr kumimoji="0" lang="ko-KR" altLang="ko-KR" sz="1300" b="0" i="0" u="none" strike="noStrike" cap="none" normalizeH="0" baseline="0" dirty="0" err="1">
-                <a:ln>
-                  <a:noFill/>
-                </a:ln>
-                <a:solidFill>
-                  <a:srgbClr val="FFFFFF"/>
-                </a:solidFill>
-                <a:effectLst/>
-                <a:latin typeface="Arial Unicode MS"/>
-                <a:ea typeface="JetBrains Mono"/>
-              </a:rPr>
-              <a:t>migration</a:t>
-            </a:r>
-            <a:br>
-              <a:rPr kumimoji="0" lang="ko-KR" altLang="ko-KR" sz="1300" b="0" i="0" u="none" strike="noStrike" cap="none" normalizeH="0" baseline="0" dirty="0">
-                <a:ln>
-                  <a:noFill/>
-                </a:ln>
-                <a:solidFill>
-                  <a:srgbClr val="FFFFFF"/>
-                </a:solidFill>
-                <a:effectLst/>
-                <a:latin typeface="Arial Unicode MS"/>
-                <a:ea typeface="JetBrains Mono"/>
-              </a:rPr>
-            </a:br>
-            <a:r>
-              <a:rPr kumimoji="0" lang="ko-KR" altLang="ko-KR" sz="1300" b="0" i="0" u="none" strike="noStrike" cap="none" normalizeH="0" baseline="0" dirty="0">
-                <a:ln>
-                  <a:noFill/>
-                </a:ln>
-                <a:solidFill>
-                  <a:srgbClr val="FFFFFF"/>
-                </a:solidFill>
-                <a:effectLst/>
-                <a:latin typeface="Arial Unicode MS"/>
-                <a:ea typeface="JetBrains Mono"/>
-              </a:rPr>
-              <a:t>  </a:t>
-            </a:r>
-            <a:r>
-              <a:rPr kumimoji="0" lang="ko-KR" altLang="ko-KR" sz="1300" b="0" i="0" u="none" strike="noStrike" cap="none" normalizeH="0" baseline="0" dirty="0" err="1">
-                <a:ln>
-                  <a:noFill/>
-                </a:ln>
-                <a:solidFill>
-                  <a:srgbClr val="FF6363"/>
-                </a:solidFill>
-                <a:effectLst/>
-                <a:latin typeface="Arial Unicode MS"/>
-                <a:ea typeface="JetBrains Mono"/>
-              </a:rPr>
-              <a:t>jpa</a:t>
-            </a:r>
-            <a:r>
-              <a:rPr kumimoji="0" lang="ko-KR" altLang="ko-KR" sz="1300" b="0" i="0" u="none" strike="noStrike" cap="none" normalizeH="0" baseline="0" dirty="0">
-                <a:ln>
-                  <a:noFill/>
-                </a:ln>
-                <a:solidFill>
-                  <a:srgbClr val="FEDE5D"/>
-                </a:solidFill>
-                <a:effectLst/>
-                <a:latin typeface="Arial Unicode MS"/>
-                <a:ea typeface="JetBrains Mono"/>
-              </a:rPr>
-              <a:t>:</a:t>
-            </a:r>
-            <a:br>
-              <a:rPr kumimoji="0" lang="ko-KR" altLang="ko-KR" sz="1300" b="0" i="0" u="none" strike="noStrike" cap="none" normalizeH="0" baseline="0" dirty="0">
-                <a:ln>
-                  <a:noFill/>
-                </a:ln>
-                <a:solidFill>
-                  <a:srgbClr val="FEDE5D"/>
-                </a:solidFill>
-                <a:effectLst/>
-                <a:latin typeface="Arial Unicode MS"/>
-                <a:ea typeface="JetBrains Mono"/>
-              </a:rPr>
-            </a:br>
-            <a:r>
-              <a:rPr kumimoji="0" lang="ko-KR" altLang="ko-KR" sz="1300" b="0" i="0" u="none" strike="noStrike" cap="none" normalizeH="0" baseline="0" dirty="0">
-                <a:ln>
-                  <a:noFill/>
-                </a:ln>
-                <a:solidFill>
-                  <a:srgbClr val="FEDE5D"/>
-                </a:solidFill>
-                <a:effectLst/>
-                <a:latin typeface="Arial Unicode MS"/>
-                <a:ea typeface="JetBrains Mono"/>
-              </a:rPr>
-              <a:t>    </a:t>
-            </a:r>
-            <a:r>
-              <a:rPr kumimoji="0" lang="ko-KR" altLang="ko-KR" sz="1300" b="0" i="0" u="none" strike="noStrike" cap="none" normalizeH="0" baseline="0" dirty="0" err="1">
-                <a:ln>
-                  <a:noFill/>
-                </a:ln>
-                <a:solidFill>
-                  <a:srgbClr val="FF6363"/>
-                </a:solidFill>
-                <a:effectLst/>
-                <a:latin typeface="Arial Unicode MS"/>
-                <a:ea typeface="JetBrains Mono"/>
-              </a:rPr>
-              <a:t>hibernate</a:t>
-            </a:r>
-            <a:r>
-              <a:rPr kumimoji="0" lang="ko-KR" altLang="ko-KR" sz="1300" b="0" i="0" u="none" strike="noStrike" cap="none" normalizeH="0" baseline="0" dirty="0">
-                <a:ln>
-                  <a:noFill/>
-                </a:ln>
-                <a:solidFill>
-                  <a:srgbClr val="FEDE5D"/>
-                </a:solidFill>
-                <a:effectLst/>
-                <a:latin typeface="Arial Unicode MS"/>
-                <a:ea typeface="JetBrains Mono"/>
-              </a:rPr>
-              <a:t>:</a:t>
-            </a:r>
-            <a:br>
-              <a:rPr kumimoji="0" lang="ko-KR" altLang="ko-KR" sz="1300" b="0" i="0" u="none" strike="noStrike" cap="none" normalizeH="0" baseline="0" dirty="0">
-                <a:ln>
-                  <a:noFill/>
-                </a:ln>
-                <a:solidFill>
-                  <a:srgbClr val="FEDE5D"/>
-                </a:solidFill>
-                <a:effectLst/>
-                <a:latin typeface="Arial Unicode MS"/>
-                <a:ea typeface="JetBrains Mono"/>
-              </a:rPr>
-            </a:br>
-            <a:r>
-              <a:rPr kumimoji="0" lang="ko-KR" altLang="ko-KR" sz="1300" b="0" i="0" u="none" strike="noStrike" cap="none" normalizeH="0" baseline="0" dirty="0">
-                <a:ln>
-                  <a:noFill/>
-                </a:ln>
-                <a:solidFill>
-                  <a:srgbClr val="FEDE5D"/>
-                </a:solidFill>
-                <a:effectLst/>
-                <a:latin typeface="Arial Unicode MS"/>
-                <a:ea typeface="JetBrains Mono"/>
-              </a:rPr>
-              <a:t>      </a:t>
-            </a:r>
-            <a:r>
-              <a:rPr kumimoji="0" lang="ko-KR" altLang="ko-KR" sz="1300" b="0" i="0" u="none" strike="noStrike" cap="none" normalizeH="0" baseline="0" dirty="0" err="1">
-                <a:ln>
-                  <a:noFill/>
-                </a:ln>
-                <a:solidFill>
-                  <a:srgbClr val="FF6363"/>
-                </a:solidFill>
-                <a:effectLst/>
-                <a:latin typeface="Arial Unicode MS"/>
-                <a:ea typeface="JetBrains Mono"/>
-              </a:rPr>
-              <a:t>ddl-auto</a:t>
-            </a:r>
-            <a:r>
-              <a:rPr kumimoji="0" lang="ko-KR" altLang="ko-KR" sz="1300" b="0" i="0" u="none" strike="noStrike" cap="none" normalizeH="0" baseline="0" dirty="0">
-                <a:ln>
-                  <a:noFill/>
-                </a:ln>
-                <a:solidFill>
-                  <a:srgbClr val="FEDE5D"/>
-                </a:solidFill>
-                <a:effectLst/>
-                <a:latin typeface="Arial Unicode MS"/>
-                <a:ea typeface="JetBrains Mono"/>
-              </a:rPr>
-              <a:t>: </a:t>
-            </a:r>
-            <a:r>
-              <a:rPr kumimoji="0" lang="ko-KR" altLang="ko-KR" sz="1300" b="0" i="0" u="none" strike="noStrike" cap="none" normalizeH="0" baseline="0" dirty="0" err="1">
-                <a:ln>
-                  <a:noFill/>
-                </a:ln>
-                <a:solidFill>
-                  <a:srgbClr val="36F9F6"/>
-                </a:solidFill>
-                <a:effectLst/>
-                <a:latin typeface="Arial Unicode MS"/>
-                <a:ea typeface="JetBrains Mono"/>
-              </a:rPr>
-              <a:t>update</a:t>
-            </a:r>
-            <a:br>
-              <a:rPr kumimoji="0" lang="ko-KR" altLang="ko-KR" sz="1300" b="0" i="0" u="none" strike="noStrike" cap="none" normalizeH="0" baseline="0" dirty="0">
-                <a:ln>
-                  <a:noFill/>
-                </a:ln>
-                <a:solidFill>
-                  <a:srgbClr val="36F9F6"/>
-                </a:solidFill>
-                <a:effectLst/>
-                <a:latin typeface="Arial Unicode MS"/>
-                <a:ea typeface="JetBrains Mono"/>
-              </a:rPr>
-            </a:br>
-            <a:r>
-              <a:rPr kumimoji="0" lang="ko-KR" altLang="ko-KR" sz="1300" b="0" i="0" u="none" strike="noStrike" cap="none" normalizeH="0" baseline="0" dirty="0">
-                <a:ln>
-                  <a:noFill/>
-                </a:ln>
-                <a:solidFill>
-                  <a:srgbClr val="36F9F6"/>
-                </a:solidFill>
-                <a:effectLst/>
-                <a:latin typeface="Arial Unicode MS"/>
-                <a:ea typeface="JetBrains Mono"/>
-              </a:rPr>
-              <a:t>    </a:t>
-            </a:r>
-            <a:r>
-              <a:rPr kumimoji="0" lang="ko-KR" altLang="ko-KR" sz="1300" b="0" i="0" u="none" strike="noStrike" cap="none" normalizeH="0" baseline="0" dirty="0" err="1">
-                <a:ln>
-                  <a:noFill/>
-                </a:ln>
-                <a:solidFill>
-                  <a:srgbClr val="FF6363"/>
-                </a:solidFill>
-                <a:effectLst/>
-                <a:latin typeface="Arial Unicode MS"/>
-                <a:ea typeface="JetBrains Mono"/>
-              </a:rPr>
-              <a:t>database</a:t>
-            </a:r>
-            <a:r>
-              <a:rPr kumimoji="0" lang="ko-KR" altLang="ko-KR" sz="1300" b="0" i="0" u="none" strike="noStrike" cap="none" normalizeH="0" baseline="0" dirty="0">
-                <a:ln>
-                  <a:noFill/>
-                </a:ln>
-                <a:solidFill>
-                  <a:srgbClr val="FEDE5D"/>
-                </a:solidFill>
-                <a:effectLst/>
-                <a:latin typeface="Arial Unicode MS"/>
-                <a:ea typeface="JetBrains Mono"/>
-              </a:rPr>
-              <a:t>: </a:t>
-            </a:r>
-            <a:r>
-              <a:rPr kumimoji="0" lang="ko-KR" altLang="ko-KR" sz="1300" b="0" i="1" u="none" strike="noStrike" cap="none" normalizeH="0" baseline="0" dirty="0" err="1">
-                <a:ln>
-                  <a:noFill/>
-                </a:ln>
-                <a:solidFill>
-                  <a:srgbClr val="34D3FB"/>
-                </a:solidFill>
-                <a:effectLst/>
-                <a:latin typeface="Arial Unicode MS"/>
-                <a:ea typeface="JetBrains Mono"/>
-              </a:rPr>
-              <a:t>postgresql</a:t>
-            </a:r>
-            <a:br>
-              <a:rPr kumimoji="0" lang="ko-KR" altLang="ko-KR" sz="1300" b="0" i="1" u="none" strike="noStrike" cap="none" normalizeH="0" baseline="0" dirty="0">
-                <a:ln>
-                  <a:noFill/>
-                </a:ln>
-                <a:solidFill>
-                  <a:srgbClr val="34D3FB"/>
-                </a:solidFill>
-                <a:effectLst/>
-                <a:latin typeface="Arial Unicode MS"/>
-                <a:ea typeface="JetBrains Mono"/>
-              </a:rPr>
-            </a:br>
-            <a:r>
-              <a:rPr kumimoji="0" lang="ko-KR" altLang="ko-KR" sz="1300" b="0" i="1" u="none" strike="noStrike" cap="none" normalizeH="0" baseline="0" dirty="0">
-                <a:ln>
-                  <a:noFill/>
-                </a:ln>
-                <a:solidFill>
-                  <a:srgbClr val="34D3FB"/>
-                </a:solidFill>
-                <a:effectLst/>
-                <a:latin typeface="Arial Unicode MS"/>
-                <a:ea typeface="JetBrains Mono"/>
-              </a:rPr>
-              <a:t>    </a:t>
-            </a:r>
-            <a:r>
-              <a:rPr kumimoji="0" lang="ko-KR" altLang="ko-KR" sz="1300" b="0" i="0" u="none" strike="noStrike" cap="none" normalizeH="0" baseline="0" dirty="0" err="1">
-                <a:ln>
-                  <a:noFill/>
-                </a:ln>
-                <a:solidFill>
-                  <a:srgbClr val="FF6363"/>
-                </a:solidFill>
-                <a:effectLst/>
-                <a:latin typeface="Arial Unicode MS"/>
-                <a:ea typeface="JetBrains Mono"/>
-              </a:rPr>
-              <a:t>database-platform</a:t>
-            </a:r>
-            <a:r>
-              <a:rPr kumimoji="0" lang="ko-KR" altLang="ko-KR" sz="1300" b="0" i="0" u="none" strike="noStrike" cap="none" normalizeH="0" baseline="0" dirty="0">
-                <a:ln>
-                  <a:noFill/>
-                </a:ln>
-                <a:solidFill>
-                  <a:srgbClr val="FEDE5D"/>
-                </a:solidFill>
-                <a:effectLst/>
-                <a:latin typeface="Arial Unicode MS"/>
-                <a:ea typeface="JetBrains Mono"/>
-              </a:rPr>
-              <a:t>: </a:t>
-            </a:r>
-            <a:r>
-              <a:rPr kumimoji="0" lang="ko-KR" altLang="ko-KR" sz="1300" b="0" i="0" u="none" strike="noStrike" cap="none" normalizeH="0" baseline="0" dirty="0">
-                <a:ln>
-                  <a:noFill/>
-                </a:ln>
-                <a:solidFill>
-                  <a:srgbClr val="FFFFFF"/>
-                </a:solidFill>
-                <a:effectLst/>
-                <a:latin typeface="Arial Unicode MS"/>
-                <a:ea typeface="JetBrains Mono"/>
-              </a:rPr>
-              <a:t>org.hibernate.dialect.PostgreSQL10Dialect</a:t>
-            </a:r>
-            <a:br>
-              <a:rPr kumimoji="0" lang="ko-KR" altLang="ko-KR" sz="1300" b="0" i="0" u="none" strike="noStrike" cap="none" normalizeH="0" baseline="0" dirty="0">
-                <a:ln>
-                  <a:noFill/>
-                </a:ln>
-                <a:solidFill>
-                  <a:srgbClr val="FFFFFF"/>
-                </a:solidFill>
-                <a:effectLst/>
-                <a:latin typeface="Arial Unicode MS"/>
-                <a:ea typeface="JetBrains Mono"/>
-              </a:rPr>
-            </a:br>
-            <a:r>
-              <a:rPr kumimoji="0" lang="ko-KR" altLang="ko-KR" sz="1300" b="0" i="0" u="none" strike="noStrike" cap="none" normalizeH="0" baseline="0" dirty="0">
-                <a:ln>
-                  <a:noFill/>
-                </a:ln>
-                <a:solidFill>
-                  <a:srgbClr val="FFFFFF"/>
-                </a:solidFill>
-                <a:effectLst/>
-                <a:latin typeface="Arial Unicode MS"/>
-                <a:ea typeface="JetBrains Mono"/>
-              </a:rPr>
-              <a:t>    </a:t>
-            </a:r>
-            <a:r>
-              <a:rPr kumimoji="0" lang="ko-KR" altLang="ko-KR" sz="1300" b="0" i="0" u="none" strike="noStrike" cap="none" normalizeH="0" baseline="0" dirty="0" err="1">
-                <a:ln>
-                  <a:noFill/>
-                </a:ln>
-                <a:solidFill>
-                  <a:srgbClr val="FF6363"/>
-                </a:solidFill>
-                <a:effectLst/>
-                <a:latin typeface="Arial Unicode MS"/>
-                <a:ea typeface="JetBrains Mono"/>
-              </a:rPr>
-              <a:t>show-sql</a:t>
-            </a:r>
-            <a:r>
-              <a:rPr kumimoji="0" lang="ko-KR" altLang="ko-KR" sz="1300" b="0" i="0" u="none" strike="noStrike" cap="none" normalizeH="0" baseline="0" dirty="0">
-                <a:ln>
-                  <a:noFill/>
-                </a:ln>
-                <a:solidFill>
-                  <a:srgbClr val="FEDE5D"/>
-                </a:solidFill>
-                <a:effectLst/>
-                <a:latin typeface="Arial Unicode MS"/>
-                <a:ea typeface="JetBrains Mono"/>
-              </a:rPr>
-              <a:t>: </a:t>
-            </a:r>
-            <a:r>
-              <a:rPr kumimoji="0" lang="ko-KR" altLang="ko-KR" sz="1300" b="0" i="1" u="none" strike="noStrike" cap="none" normalizeH="0" baseline="0" dirty="0" err="1">
-                <a:ln>
-                  <a:noFill/>
-                </a:ln>
-                <a:solidFill>
-                  <a:srgbClr val="FEDE5D"/>
-                </a:solidFill>
-                <a:effectLst/>
-                <a:latin typeface="Arial Unicode MS"/>
-                <a:ea typeface="JetBrains Mono"/>
-              </a:rPr>
-              <a:t>true</a:t>
-            </a:r>
-            <a:br>
-              <a:rPr kumimoji="0" lang="ko-KR" altLang="ko-KR" sz="1300" b="0" i="1" u="none" strike="noStrike" cap="none" normalizeH="0" baseline="0" dirty="0">
-                <a:ln>
-                  <a:noFill/>
-                </a:ln>
-                <a:solidFill>
-                  <a:srgbClr val="FEDE5D"/>
-                </a:solidFill>
-                <a:effectLst/>
-                <a:latin typeface="Arial Unicode MS"/>
-                <a:ea typeface="JetBrains Mono"/>
-              </a:rPr>
-            </a:br>
-            <a:r>
-              <a:rPr kumimoji="0" lang="ko-KR" altLang="ko-KR" sz="1300" b="0" i="1" u="none" strike="noStrike" cap="none" normalizeH="0" baseline="0" dirty="0">
-                <a:ln>
-                  <a:noFill/>
-                </a:ln>
-                <a:solidFill>
-                  <a:srgbClr val="FEDE5D"/>
-                </a:solidFill>
-                <a:effectLst/>
-                <a:latin typeface="Arial Unicode MS"/>
-                <a:ea typeface="JetBrains Mono"/>
-              </a:rPr>
-              <a:t>    </a:t>
-            </a:r>
-            <a:r>
-              <a:rPr kumimoji="0" lang="ko-KR" altLang="ko-KR" sz="1300" b="0" i="0" u="none" strike="noStrike" cap="none" normalizeH="0" baseline="0" dirty="0" err="1">
-                <a:ln>
-                  <a:noFill/>
-                </a:ln>
-                <a:solidFill>
-                  <a:srgbClr val="FF6363"/>
-                </a:solidFill>
-                <a:effectLst/>
-                <a:latin typeface="Arial Unicode MS"/>
-                <a:ea typeface="JetBrains Mono"/>
-              </a:rPr>
-              <a:t>properties</a:t>
-            </a:r>
-            <a:r>
-              <a:rPr kumimoji="0" lang="ko-KR" altLang="ko-KR" sz="1300" b="0" i="0" u="none" strike="noStrike" cap="none" normalizeH="0" baseline="0" dirty="0">
-                <a:ln>
-                  <a:noFill/>
-                </a:ln>
-                <a:solidFill>
-                  <a:srgbClr val="FEDE5D"/>
-                </a:solidFill>
-                <a:effectLst/>
-                <a:latin typeface="Arial Unicode MS"/>
-                <a:ea typeface="JetBrains Mono"/>
-              </a:rPr>
-              <a:t>:</a:t>
-            </a:r>
-            <a:br>
-              <a:rPr kumimoji="0" lang="ko-KR" altLang="ko-KR" sz="1300" b="0" i="0" u="none" strike="noStrike" cap="none" normalizeH="0" baseline="0" dirty="0">
-                <a:ln>
-                  <a:noFill/>
-                </a:ln>
-                <a:solidFill>
-                  <a:srgbClr val="FEDE5D"/>
-                </a:solidFill>
-                <a:effectLst/>
-                <a:latin typeface="Arial Unicode MS"/>
-                <a:ea typeface="JetBrains Mono"/>
-              </a:rPr>
-            </a:br>
-            <a:r>
-              <a:rPr kumimoji="0" lang="ko-KR" altLang="ko-KR" sz="1300" b="0" i="0" u="none" strike="noStrike" cap="none" normalizeH="0" baseline="0" dirty="0">
-                <a:ln>
-                  <a:noFill/>
-                </a:ln>
-                <a:solidFill>
-                  <a:srgbClr val="FEDE5D"/>
-                </a:solidFill>
-                <a:effectLst/>
-                <a:latin typeface="Arial Unicode MS"/>
-                <a:ea typeface="JetBrains Mono"/>
-              </a:rPr>
-              <a:t>      </a:t>
-            </a:r>
-            <a:r>
-              <a:rPr kumimoji="0" lang="ko-KR" altLang="ko-KR" sz="1300" b="0" i="0" u="none" strike="noStrike" cap="none" normalizeH="0" baseline="0" dirty="0" err="1">
-                <a:ln>
-                  <a:noFill/>
-                </a:ln>
-                <a:solidFill>
-                  <a:srgbClr val="FF6363"/>
-                </a:solidFill>
-                <a:effectLst/>
-                <a:latin typeface="Arial Unicode MS"/>
-                <a:ea typeface="JetBrains Mono"/>
-              </a:rPr>
-              <a:t>hibernate</a:t>
-            </a:r>
-            <a:r>
-              <a:rPr kumimoji="0" lang="ko-KR" altLang="ko-KR" sz="1300" b="0" i="0" u="none" strike="noStrike" cap="none" normalizeH="0" baseline="0" dirty="0">
-                <a:ln>
-                  <a:noFill/>
-                </a:ln>
-                <a:solidFill>
-                  <a:srgbClr val="FEDE5D"/>
-                </a:solidFill>
-                <a:effectLst/>
-                <a:latin typeface="Arial Unicode MS"/>
-                <a:ea typeface="JetBrains Mono"/>
-              </a:rPr>
-              <a:t>:</a:t>
-            </a:r>
-            <a:br>
-              <a:rPr kumimoji="0" lang="ko-KR" altLang="ko-KR" sz="1300" b="0" i="0" u="none" strike="noStrike" cap="none" normalizeH="0" baseline="0" dirty="0">
-                <a:ln>
-                  <a:noFill/>
-                </a:ln>
-                <a:solidFill>
-                  <a:srgbClr val="FEDE5D"/>
-                </a:solidFill>
-                <a:effectLst/>
-                <a:latin typeface="Arial Unicode MS"/>
-                <a:ea typeface="JetBrains Mono"/>
-              </a:rPr>
-            </a:br>
-            <a:r>
-              <a:rPr kumimoji="0" lang="ko-KR" altLang="ko-KR" sz="1300" b="0" i="0" u="none" strike="noStrike" cap="none" normalizeH="0" baseline="0" dirty="0">
-                <a:ln>
-                  <a:noFill/>
-                </a:ln>
-                <a:solidFill>
-                  <a:srgbClr val="FEDE5D"/>
-                </a:solidFill>
-                <a:effectLst/>
-                <a:latin typeface="Arial Unicode MS"/>
-                <a:ea typeface="JetBrains Mono"/>
-              </a:rPr>
-              <a:t>        </a:t>
-            </a:r>
-            <a:r>
-              <a:rPr kumimoji="0" lang="ko-KR" altLang="ko-KR" sz="1300" b="0" i="0" u="none" strike="noStrike" cap="none" normalizeH="0" baseline="0" dirty="0" err="1">
-                <a:ln>
-                  <a:noFill/>
-                </a:ln>
-                <a:solidFill>
-                  <a:srgbClr val="FF6363"/>
-                </a:solidFill>
-                <a:effectLst/>
-                <a:latin typeface="Arial Unicode MS"/>
-                <a:ea typeface="JetBrains Mono"/>
-              </a:rPr>
-              <a:t>jdbc</a:t>
-            </a:r>
-            <a:r>
-              <a:rPr kumimoji="0" lang="ko-KR" altLang="ko-KR" sz="1300" b="0" i="0" u="none" strike="noStrike" cap="none" normalizeH="0" baseline="0" dirty="0">
-                <a:ln>
-                  <a:noFill/>
-                </a:ln>
-                <a:solidFill>
-                  <a:srgbClr val="FEDE5D"/>
-                </a:solidFill>
-                <a:effectLst/>
-                <a:latin typeface="Arial Unicode MS"/>
-                <a:ea typeface="JetBrains Mono"/>
-              </a:rPr>
-              <a:t>:</a:t>
-            </a:r>
-            <a:br>
-              <a:rPr kumimoji="0" lang="ko-KR" altLang="ko-KR" sz="1300" b="0" i="0" u="none" strike="noStrike" cap="none" normalizeH="0" baseline="0" dirty="0">
-                <a:ln>
-                  <a:noFill/>
-                </a:ln>
-                <a:solidFill>
-                  <a:srgbClr val="FEDE5D"/>
-                </a:solidFill>
-                <a:effectLst/>
-                <a:latin typeface="Arial Unicode MS"/>
-                <a:ea typeface="JetBrains Mono"/>
-              </a:rPr>
-            </a:br>
-            <a:r>
-              <a:rPr kumimoji="0" lang="ko-KR" altLang="ko-KR" sz="1300" b="0" i="0" u="none" strike="noStrike" cap="none" normalizeH="0" baseline="0" dirty="0">
-                <a:ln>
-                  <a:noFill/>
-                </a:ln>
-                <a:solidFill>
-                  <a:srgbClr val="FEDE5D"/>
-                </a:solidFill>
-                <a:effectLst/>
-                <a:latin typeface="Arial Unicode MS"/>
-                <a:ea typeface="JetBrains Mono"/>
-              </a:rPr>
-              <a:t>          </a:t>
-            </a:r>
-            <a:r>
-              <a:rPr kumimoji="0" lang="ko-KR" altLang="ko-KR" sz="1300" b="0" i="0" u="none" strike="noStrike" cap="none" normalizeH="0" baseline="0" dirty="0" err="1">
-                <a:ln>
-                  <a:noFill/>
-                </a:ln>
-                <a:solidFill>
-                  <a:srgbClr val="FF6363"/>
-                </a:solidFill>
-                <a:effectLst/>
-                <a:latin typeface="Arial Unicode MS"/>
-                <a:ea typeface="JetBrains Mono"/>
-              </a:rPr>
-              <a:t>lob</a:t>
-            </a:r>
-            <a:r>
-              <a:rPr kumimoji="0" lang="ko-KR" altLang="ko-KR" sz="1300" b="0" i="0" u="none" strike="noStrike" cap="none" normalizeH="0" baseline="0" dirty="0">
-                <a:ln>
-                  <a:noFill/>
-                </a:ln>
-                <a:solidFill>
-                  <a:srgbClr val="FEDE5D"/>
-                </a:solidFill>
-                <a:effectLst/>
-                <a:latin typeface="Arial Unicode MS"/>
-                <a:ea typeface="JetBrains Mono"/>
-              </a:rPr>
-              <a:t>:</a:t>
-            </a:r>
-            <a:br>
-              <a:rPr kumimoji="0" lang="ko-KR" altLang="ko-KR" sz="1300" b="0" i="0" u="none" strike="noStrike" cap="none" normalizeH="0" baseline="0" dirty="0">
-                <a:ln>
-                  <a:noFill/>
-                </a:ln>
-                <a:solidFill>
-                  <a:srgbClr val="FEDE5D"/>
-                </a:solidFill>
-                <a:effectLst/>
-                <a:latin typeface="Arial Unicode MS"/>
-                <a:ea typeface="JetBrains Mono"/>
-              </a:rPr>
-            </a:br>
-            <a:r>
-              <a:rPr kumimoji="0" lang="ko-KR" altLang="ko-KR" sz="1300" b="0" i="0" u="none" strike="noStrike" cap="none" normalizeH="0" baseline="0" dirty="0">
-                <a:ln>
-                  <a:noFill/>
-                </a:ln>
-                <a:solidFill>
-                  <a:srgbClr val="FEDE5D"/>
-                </a:solidFill>
-                <a:effectLst/>
-                <a:latin typeface="Arial Unicode MS"/>
-                <a:ea typeface="JetBrains Mono"/>
-              </a:rPr>
-              <a:t>            </a:t>
-            </a:r>
-            <a:r>
-              <a:rPr kumimoji="0" lang="ko-KR" altLang="ko-KR" sz="1300" b="0" i="0" u="none" strike="noStrike" cap="none" normalizeH="0" baseline="0" dirty="0" err="1">
-                <a:ln>
-                  <a:noFill/>
-                </a:ln>
-                <a:solidFill>
-                  <a:srgbClr val="FF6363"/>
-                </a:solidFill>
-                <a:effectLst/>
-                <a:latin typeface="Arial Unicode MS"/>
-                <a:ea typeface="JetBrains Mono"/>
-              </a:rPr>
-              <a:t>non_contextual_creation</a:t>
-            </a:r>
-            <a:r>
-              <a:rPr kumimoji="0" lang="ko-KR" altLang="ko-KR" sz="1300" b="0" i="0" u="none" strike="noStrike" cap="none" normalizeH="0" baseline="0" dirty="0">
-                <a:ln>
-                  <a:noFill/>
-                </a:ln>
-                <a:solidFill>
-                  <a:srgbClr val="FEDE5D"/>
-                </a:solidFill>
-                <a:effectLst/>
-                <a:latin typeface="Arial Unicode MS"/>
-                <a:ea typeface="JetBrains Mono"/>
-              </a:rPr>
-              <a:t>: </a:t>
-            </a:r>
-            <a:r>
-              <a:rPr kumimoji="0" lang="ko-KR" altLang="ko-KR" sz="1300" b="0" i="0" u="none" strike="noStrike" cap="none" normalizeH="0" baseline="0" dirty="0" err="1">
-                <a:ln>
-                  <a:noFill/>
-                </a:ln>
-                <a:solidFill>
-                  <a:srgbClr val="FFFFFF"/>
-                </a:solidFill>
-                <a:effectLst/>
-                <a:latin typeface="Arial Unicode MS"/>
-                <a:ea typeface="JetBrains Mono"/>
-              </a:rPr>
-              <a:t>true</a:t>
-            </a:r>
-            <a:br>
-              <a:rPr kumimoji="0" lang="ko-KR" altLang="ko-KR" sz="1300" b="0" i="0" u="none" strike="noStrike" cap="none" normalizeH="0" baseline="0" dirty="0">
-                <a:ln>
-                  <a:noFill/>
-                </a:ln>
-                <a:solidFill>
-                  <a:srgbClr val="FFFFFF"/>
-                </a:solidFill>
-                <a:effectLst/>
-                <a:latin typeface="Arial Unicode MS"/>
-                <a:ea typeface="JetBrains Mono"/>
-              </a:rPr>
-            </a:br>
-            <a:r>
-              <a:rPr kumimoji="0" lang="ko-KR" altLang="ko-KR" sz="1300" b="0" i="0" u="none" strike="noStrike" cap="none" normalizeH="0" baseline="0" dirty="0">
-                <a:ln>
-                  <a:noFill/>
-                </a:ln>
-                <a:solidFill>
-                  <a:srgbClr val="FFFFFF"/>
-                </a:solidFill>
-                <a:effectLst/>
-                <a:latin typeface="Arial Unicode MS"/>
-                <a:ea typeface="JetBrains Mono"/>
-              </a:rPr>
-              <a:t>        </a:t>
-            </a:r>
-            <a:r>
-              <a:rPr kumimoji="0" lang="ko-KR" altLang="ko-KR" sz="1300" b="0" i="0" u="none" strike="noStrike" cap="none" normalizeH="0" baseline="0" dirty="0" err="1">
-                <a:ln>
-                  <a:noFill/>
-                </a:ln>
-                <a:solidFill>
-                  <a:srgbClr val="FF6363"/>
-                </a:solidFill>
-                <a:effectLst/>
-                <a:latin typeface="Arial Unicode MS"/>
-                <a:ea typeface="JetBrains Mono"/>
-              </a:rPr>
-              <a:t>format_sql</a:t>
-            </a:r>
-            <a:r>
-              <a:rPr kumimoji="0" lang="ko-KR" altLang="ko-KR" sz="1300" b="0" i="0" u="none" strike="noStrike" cap="none" normalizeH="0" baseline="0" dirty="0">
-                <a:ln>
-                  <a:noFill/>
-                </a:ln>
-                <a:solidFill>
-                  <a:srgbClr val="FEDE5D"/>
-                </a:solidFill>
-                <a:effectLst/>
-                <a:latin typeface="Arial Unicode MS"/>
-                <a:ea typeface="JetBrains Mono"/>
-              </a:rPr>
-              <a:t>: </a:t>
-            </a:r>
-            <a:r>
-              <a:rPr kumimoji="0" lang="ko-KR" altLang="ko-KR" sz="1300" b="0" i="0" u="none" strike="noStrike" cap="none" normalizeH="0" baseline="0" dirty="0" err="1">
-                <a:ln>
-                  <a:noFill/>
-                </a:ln>
-                <a:solidFill>
-                  <a:srgbClr val="FFFFFF"/>
-                </a:solidFill>
-                <a:effectLst/>
-                <a:latin typeface="Arial Unicode MS"/>
-                <a:ea typeface="JetBrains Mono"/>
-              </a:rPr>
-              <a:t>true</a:t>
-            </a:r>
-            <a:br>
-              <a:rPr kumimoji="0" lang="ko-KR" altLang="ko-KR" sz="1300" b="0" i="0" u="none" strike="noStrike" cap="none" normalizeH="0" baseline="0" dirty="0">
-                <a:ln>
-                  <a:noFill/>
-                </a:ln>
-                <a:solidFill>
-                  <a:srgbClr val="FFFFFF"/>
-                </a:solidFill>
-                <a:effectLst/>
-                <a:latin typeface="Arial Unicode MS"/>
-                <a:ea typeface="JetBrains Mono"/>
-              </a:rPr>
-            </a:br>
-            <a:r>
-              <a:rPr kumimoji="0" lang="ko-KR" altLang="ko-KR" sz="1300" b="0" i="0" u="none" strike="noStrike" cap="none" normalizeH="0" baseline="0" dirty="0">
-                <a:ln>
-                  <a:noFill/>
-                </a:ln>
-                <a:solidFill>
-                  <a:srgbClr val="FFFFFF"/>
-                </a:solidFill>
-                <a:effectLst/>
-                <a:latin typeface="Arial Unicode MS"/>
-                <a:ea typeface="JetBrains Mono"/>
-              </a:rPr>
-              <a:t>    </a:t>
-            </a:r>
-            <a:r>
-              <a:rPr kumimoji="0" lang="ko-KR" altLang="ko-KR" sz="1300" b="0" i="0" u="none" strike="noStrike" cap="none" normalizeH="0" baseline="0" dirty="0" err="1">
-                <a:ln>
-                  <a:noFill/>
-                </a:ln>
-                <a:solidFill>
-                  <a:srgbClr val="FF6363"/>
-                </a:solidFill>
-                <a:effectLst/>
-                <a:latin typeface="Arial Unicode MS"/>
-                <a:ea typeface="JetBrains Mono"/>
-              </a:rPr>
-              <a:t>generate-ddl</a:t>
-            </a:r>
-            <a:r>
-              <a:rPr kumimoji="0" lang="ko-KR" altLang="ko-KR" sz="1300" b="0" i="0" u="none" strike="noStrike" cap="none" normalizeH="0" baseline="0" dirty="0">
-                <a:ln>
-                  <a:noFill/>
-                </a:ln>
-                <a:solidFill>
-                  <a:srgbClr val="FEDE5D"/>
-                </a:solidFill>
-                <a:effectLst/>
-                <a:latin typeface="Arial Unicode MS"/>
-                <a:ea typeface="JetBrains Mono"/>
-              </a:rPr>
-              <a:t>: </a:t>
-            </a:r>
-            <a:r>
-              <a:rPr kumimoji="0" lang="ko-KR" altLang="ko-KR" sz="1300" b="0" i="1" u="none" strike="noStrike" cap="none" normalizeH="0" baseline="0" dirty="0" err="1">
-                <a:ln>
-                  <a:noFill/>
-                </a:ln>
-                <a:solidFill>
-                  <a:srgbClr val="FEDE5D"/>
-                </a:solidFill>
-                <a:effectLst/>
-                <a:latin typeface="Arial Unicode MS"/>
-                <a:ea typeface="JetBrains Mono"/>
-              </a:rPr>
-              <a:t>false</a:t>
-            </a:r>
-            <a:endParaRPr kumimoji="0" lang="ko-KR" altLang="ko-KR" sz="1300" b="0" i="0" u="none" strike="noStrike" cap="none" normalizeH="0" baseline="0" dirty="0">
-              <a:ln>
-                <a:noFill/>
-              </a:ln>
-              <a:solidFill>
-                <a:schemeClr val="tx1"/>
-              </a:solidFill>
-              <a:effectLst/>
-              <a:latin typeface="Arial" panose="020B0604020202020204" pitchFamily="34" charset="0"/>
-            </a:endParaRPr>
-          </a:p>
-        </p:txBody>
-      </p:sp>
+      </p:pic>
     </p:spTree>
     <p:extLst>
       <p:ext uri="{BB962C8B-B14F-4D97-AF65-F5344CB8AC3E}">
@@ -9845,68 +7830,6 @@
     <p:extLst>
       <p:ext uri="{BB962C8B-B14F-4D97-AF65-F5344CB8AC3E}">
         <p14:creationId xmlns:p14="http://schemas.microsoft.com/office/powerpoint/2010/main" val="2154085614"/>
-      </p:ext>
-    </p:extLst>
-  </p:cSld>
-  <p:clrMapOvr>
-    <a:masterClrMapping/>
-  </p:clrMapOvr>
-  <p:transition>
-    <p:fade/>
-  </p:transition>
-</p:sld>
-</file>
-
-<file path=ppt/slides/slide15.xml><?xml version="1.0" encoding="utf-8"?>
-<p:sld xmlns:a="http://schemas.openxmlformats.org/drawingml/2006/main" xmlns:r="http://schemas.openxmlformats.org/officeDocument/2006/relationships" xmlns:p="http://schemas.openxmlformats.org/presentationml/2006/main">
-  <p:cSld>
-    <p:spTree>
-      <p:nvGrpSpPr>
-        <p:cNvPr id="1" name=""/>
-        <p:cNvGrpSpPr/>
-        <p:nvPr/>
-      </p:nvGrpSpPr>
-      <p:grpSpPr>
-        <a:xfrm>
-          <a:off x="0" y="0"/>
-          <a:ext cx="0" cy="0"/>
-          <a:chOff x="0" y="0"/>
-          <a:chExt cx="0" cy="0"/>
-        </a:xfrm>
-      </p:grpSpPr>
-      <p:sp>
-        <p:nvSpPr>
-          <p:cNvPr id="2" name="제목 1">
-            <a:extLst>
-              <a:ext uri="{FF2B5EF4-FFF2-40B4-BE49-F238E27FC236}">
-                <a16:creationId xmlns:a16="http://schemas.microsoft.com/office/drawing/2014/main" id="{6DA2CADE-AB2D-4BBF-A0EE-CBB6BC35AC77}"/>
-              </a:ext>
-            </a:extLst>
-          </p:cNvPr>
-          <p:cNvSpPr>
-            <a:spLocks noGrp="1"/>
-          </p:cNvSpPr>
-          <p:nvPr>
-            <p:ph type="title"/>
-          </p:nvPr>
-        </p:nvSpPr>
-        <p:spPr/>
-        <p:txBody>
-          <a:bodyPr/>
-          <a:lstStyle/>
-          <a:p>
-            <a:r>
-              <a:rPr lang="en-US" altLang="ko-KR" dirty="0"/>
-              <a:t>Liquibase</a:t>
-            </a:r>
-            <a:endParaRPr lang="ko-KR" altLang="en-US" dirty="0"/>
-          </a:p>
-        </p:txBody>
-      </p:sp>
-    </p:spTree>
-    <p:extLst>
-      <p:ext uri="{BB962C8B-B14F-4D97-AF65-F5344CB8AC3E}">
-        <p14:creationId xmlns:p14="http://schemas.microsoft.com/office/powerpoint/2010/main" val="411589902"/>
       </p:ext>
     </p:extLst>
   </p:cSld>
@@ -9988,10 +7911,10 @@
       </p:pic>
       <p:sp>
         <p:nvSpPr>
-          <p:cNvPr id="3" name="Rectangle 60">
+          <p:cNvPr id="6" name="Rectangle 63">
             <a:extLst>
               <a:ext uri="{FF2B5EF4-FFF2-40B4-BE49-F238E27FC236}">
-                <a16:creationId xmlns:a16="http://schemas.microsoft.com/office/drawing/2014/main" id="{2303544A-7978-9245-AB11-76E37D8360B5}"/>
+                <a16:creationId xmlns:a16="http://schemas.microsoft.com/office/drawing/2014/main" id="{3ABFDD6B-D754-D14F-9941-2981516B231D}"/>
               </a:ext>
             </a:extLst>
           </p:cNvPr>
@@ -10002,8 +7925,8 @@
         </p:nvSpPr>
         <p:spPr bwMode="auto">
           <a:xfrm>
-            <a:off x="2124077" y="3106739"/>
-            <a:ext cx="6530975" cy="446087"/>
+            <a:off x="2124075" y="2474914"/>
+            <a:ext cx="6527800" cy="3114326"/>
           </a:xfrm>
           <a:prstGeom prst="roundRect">
             <a:avLst>
@@ -10027,76 +7950,81 @@
           <a:bodyPr lIns="683629" tIns="45696" rIns="91391" bIns="45696" anchor="ctr"/>
           <a:lstStyle/>
           <a:p>
-            <a:pPr>
+            <a:pPr marL="342900" indent="-342900">
+              <a:lnSpc>
+                <a:spcPct val="250000"/>
+              </a:lnSpc>
+              <a:buAutoNum type="arabicPeriod"/>
               <a:defRPr/>
             </a:pPr>
             <a:r>
-              <a:rPr lang="en-US" altLang="ko-KR" sz="1800" b="1" dirty="0">
+              <a:rPr lang="ko-KR" altLang="en-US" sz="1800" b="1" dirty="0">
                 <a:solidFill>
                   <a:srgbClr val="142C44"/>
                 </a:solidFill>
               </a:rPr>
-              <a:t>2. Flyway	</a:t>
-            </a:r>
-            <a:endParaRPr lang="ko-KR" altLang="en-US" sz="1800" b="1" dirty="0">
+              <a:t>개요</a:t>
+            </a:r>
+            <a:endParaRPr lang="en-US" altLang="ko-KR" sz="1800" b="1" dirty="0">
               <a:solidFill>
                 <a:srgbClr val="142C44"/>
               </a:solidFill>
             </a:endParaRPr>
           </a:p>
-        </p:txBody>
-      </p:sp>
-      <p:sp>
-        <p:nvSpPr>
-          <p:cNvPr id="6" name="Rectangle 63">
-            <a:extLst>
-              <a:ext uri="{FF2B5EF4-FFF2-40B4-BE49-F238E27FC236}">
-                <a16:creationId xmlns:a16="http://schemas.microsoft.com/office/drawing/2014/main" id="{3ABFDD6B-D754-D14F-9941-2981516B231D}"/>
-              </a:ext>
-            </a:extLst>
-          </p:cNvPr>
-          <p:cNvSpPr>
-            <a:spLocks noChangeArrowheads="1"/>
-          </p:cNvSpPr>
-          <p:nvPr/>
-        </p:nvSpPr>
-        <p:spPr bwMode="auto">
-          <a:xfrm>
-            <a:off x="2124075" y="2474914"/>
-            <a:ext cx="6527800" cy="446087"/>
-          </a:xfrm>
-          <a:prstGeom prst="roundRect">
-            <a:avLst>
-              <a:gd name="adj" fmla="val 16667"/>
-            </a:avLst>
-          </a:prstGeom>
-          <a:noFill/>
-          <a:ln w="19050" algn="ctr">
-            <a:noFill/>
-            <a:round/>
-            <a:headEnd/>
-            <a:tailEnd/>
-          </a:ln>
-          <a:effectLst>
-            <a:outerShdw dist="17961" dir="18900000" algn="ctr" rotWithShape="0">
-              <a:srgbClr val="C0C0C0"/>
-            </a:outerShdw>
-          </a:effectLst>
-        </p:spPr>
-        <p:txBody>
-          <a:bodyPr lIns="683629" tIns="45696" rIns="91391" bIns="45696" anchor="ctr"/>
-          <a:lstStyle/>
-          <a:p>
-            <a:pPr>
+          <a:p>
+            <a:pPr marL="342900" indent="-342900">
+              <a:lnSpc>
+                <a:spcPct val="250000"/>
+              </a:lnSpc>
+              <a:buAutoNum type="arabicPeriod"/>
               <a:defRPr/>
             </a:pPr>
             <a:r>
+              <a:rPr lang="ko-KR" altLang="en-US" sz="1800" b="1" dirty="0">
+                <a:solidFill>
+                  <a:srgbClr val="142C44"/>
+                </a:solidFill>
+              </a:rPr>
+              <a:t>코드로 데이터 베이스 스키마를 관리하는 방법</a:t>
+            </a:r>
+            <a:endParaRPr lang="en-US" altLang="ko-KR" sz="1800" b="1" dirty="0">
+              <a:solidFill>
+                <a:srgbClr val="142C44"/>
+              </a:solidFill>
+            </a:endParaRPr>
+          </a:p>
+          <a:p>
+            <a:pPr marL="342900" indent="-342900">
+              <a:lnSpc>
+                <a:spcPct val="250000"/>
+              </a:lnSpc>
+              <a:buAutoNum type="arabicPeriod"/>
+              <a:defRPr/>
+            </a:pPr>
+            <a:r>
               <a:rPr lang="en-US" altLang="ko-KR" sz="1800" b="1" dirty="0">
                 <a:solidFill>
                   <a:srgbClr val="142C44"/>
                 </a:solidFill>
               </a:rPr>
-              <a:t>1. </a:t>
+              <a:t>Database Migration Tool</a:t>
+            </a:r>
+          </a:p>
+          <a:p>
+            <a:pPr marL="342900" indent="-342900">
+              <a:lnSpc>
+                <a:spcPct val="250000"/>
+              </a:lnSpc>
+              <a:buAutoNum type="arabicPeriod"/>
+              <a:defRPr/>
+            </a:pPr>
+            <a:r>
+              <a:rPr lang="en-US" altLang="ko-KR" sz="1800" b="1" dirty="0">
+                <a:solidFill>
+                  <a:srgbClr val="142C44"/>
+                </a:solidFill>
+              </a:rPr>
+              <a:t>Flyway </a:t>
             </a:r>
             <a:r>
               <a:rPr lang="ko-KR" altLang="en-US" sz="1800" b="1" dirty="0">
@@ -10104,7 +8032,7 @@
                   <a:srgbClr val="142C44"/>
                 </a:solidFill>
               </a:rPr>
-              <a:t>개요</a:t>
+              <a:t>적용 방법</a:t>
             </a:r>
             <a:r>
               <a:rPr lang="en-US" altLang="ko-KR" sz="1800" b="1" dirty="0">
@@ -10228,85 +8156,6 @@
           <a:lstStyle/>
           <a:p>
             <a:endParaRPr lang="ko-Kore-KR" altLang="en-US"/>
-          </a:p>
-        </p:txBody>
-      </p:sp>
-      <p:sp>
-        <p:nvSpPr>
-          <p:cNvPr id="19" name="Rectangle 61">
-            <a:extLst>
-              <a:ext uri="{FF2B5EF4-FFF2-40B4-BE49-F238E27FC236}">
-                <a16:creationId xmlns:a16="http://schemas.microsoft.com/office/drawing/2014/main" id="{0E38913E-EE21-434F-ADD3-054F4C4F0F25}"/>
-              </a:ext>
-            </a:extLst>
-          </p:cNvPr>
-          <p:cNvSpPr>
-            <a:spLocks noChangeArrowheads="1"/>
-          </p:cNvSpPr>
-          <p:nvPr/>
-        </p:nvSpPr>
-        <p:spPr bwMode="auto">
-          <a:xfrm>
-            <a:off x="2130426" y="3740151"/>
-            <a:ext cx="6530975" cy="446088"/>
-          </a:xfrm>
-          <a:prstGeom prst="roundRect">
-            <a:avLst>
-              <a:gd name="adj" fmla="val 16667"/>
-            </a:avLst>
-          </a:prstGeom>
-          <a:noFill/>
-          <a:ln w="19050" algn="ctr">
-            <a:noFill/>
-            <a:round/>
-            <a:headEnd/>
-            <a:tailEnd/>
-          </a:ln>
-          <a:effectLst>
-            <a:outerShdw dist="17961" dir="18900000" algn="ctr" rotWithShape="0">
-              <a:srgbClr val="C0C0C0"/>
-            </a:outerShdw>
-          </a:effectLst>
-        </p:spPr>
-        <p:txBody>
-          <a:bodyPr lIns="683629" tIns="45696" rIns="91391" bIns="45696" anchor="ctr"/>
-          <a:lstStyle/>
-          <a:p>
-            <a:pPr>
-              <a:defRPr/>
-            </a:pPr>
-            <a:r>
-              <a:rPr lang="en-US" altLang="ko-KR" sz="1800" b="1" dirty="0">
-                <a:solidFill>
-                  <a:srgbClr val="142C44"/>
-                </a:solidFill>
-              </a:rPr>
-              <a:t>3. </a:t>
-            </a:r>
-            <a:r>
-              <a:rPr lang="en-US" altLang="ko-KR" sz="1800" b="1" dirty="0" err="1">
-                <a:solidFill>
-                  <a:srgbClr val="142C44"/>
-                </a:solidFill>
-              </a:rPr>
-              <a:t>LiquiBase</a:t>
-            </a:r>
-            <a:r>
-              <a:rPr lang="en-US" altLang="ko-KR" sz="1800" b="1" dirty="0">
-                <a:solidFill>
-                  <a:srgbClr val="142C44"/>
-                </a:solidFill>
-              </a:rPr>
-              <a:t> </a:t>
-            </a:r>
-            <a:r>
-              <a:rPr lang="ko-KR" altLang="en-US" sz="1800" b="1" dirty="0">
-                <a:solidFill>
-                  <a:srgbClr val="142C44"/>
-                </a:solidFill>
-              </a:rPr>
-              <a:t>  </a:t>
-            </a:r>
           </a:p>
         </p:txBody>
       </p:sp>
@@ -10445,7 +8294,7 @@
                 <a:latin typeface="나눔고딕" panose="020D0604000000000000" pitchFamily="50" charset="-127"/>
                 <a:ea typeface="나눔고딕" panose="020D0604000000000000" pitchFamily="50" charset="-127"/>
               </a:rPr>
-              <a:t>문제 상황</a:t>
+              <a:t>실무에서 겪을 수 있는 문제 상황</a:t>
             </a:r>
             <a:endParaRPr lang="en-US" altLang="ko-KR" sz="2400" b="1" dirty="0">
               <a:latin typeface="나눔고딕" panose="020D0604000000000000" pitchFamily="50" charset="-127"/>
@@ -10798,7 +8647,7 @@
         <p:spPr>
           <a:xfrm>
             <a:off x="249769" y="1052736"/>
-            <a:ext cx="11606876" cy="3476336"/>
+            <a:ext cx="11606876" cy="4938018"/>
           </a:xfrm>
           <a:prstGeom prst="rect">
             <a:avLst/>
@@ -10811,24 +8660,6 @@
           </a:bodyPr>
           <a:lstStyle/>
           <a:p>
-            <a:pPr>
-              <a:lnSpc>
-                <a:spcPct val="150000"/>
-              </a:lnSpc>
-            </a:pPr>
-            <a:r>
-              <a:rPr lang="ko-KR" altLang="en-US" sz="2400" b="1" dirty="0">
-                <a:latin typeface="나눔고딕" panose="020D0604000000000000" pitchFamily="50" charset="-127"/>
-                <a:ea typeface="나눔고딕" panose="020D0604000000000000" pitchFamily="50" charset="-127"/>
-              </a:rPr>
-              <a:t>해결 방법</a:t>
-            </a:r>
-            <a:endParaRPr lang="en-US" altLang="ko-KR" sz="1600" b="1" dirty="0">
-              <a:latin typeface="나눔고딕" panose="020D0604000000000000" pitchFamily="50" charset="-127"/>
-              <a:ea typeface="나눔고딕" panose="020D0604000000000000" pitchFamily="50" charset="-127"/>
-            </a:endParaRPr>
-          </a:p>
-          <a:p>
             <a:pPr marL="342900" indent="-342900">
               <a:lnSpc>
                 <a:spcPct val="150000"/>
@@ -10868,47 +8699,233 @@
               </a:lnSpc>
             </a:pPr>
             <a:r>
-              <a:rPr lang="ko-KR" altLang="en-US" sz="1600" b="1" dirty="0">
+              <a:rPr lang="ko-KR" altLang="en-US" sz="1200" dirty="0">
                 <a:latin typeface="나눔고딕" panose="020D0604000000000000" pitchFamily="50" charset="-127"/>
                 <a:ea typeface="나눔고딕" panose="020D0604000000000000" pitchFamily="50" charset="-127"/>
               </a:rPr>
               <a:t>일반적인 개발 환경에서 많이 사용되는 방법이지만</a:t>
             </a:r>
             <a:r>
-              <a:rPr lang="en-US" altLang="ko-KR" sz="1600" b="1" dirty="0">
+              <a:rPr lang="en-US" altLang="ko-KR" sz="1200" dirty="0">
                 <a:latin typeface="나눔고딕" panose="020D0604000000000000" pitchFamily="50" charset="-127"/>
                 <a:ea typeface="나눔고딕" panose="020D0604000000000000" pitchFamily="50" charset="-127"/>
               </a:rPr>
               <a:t>, </a:t>
             </a:r>
             <a:r>
-              <a:rPr lang="ko-KR" altLang="en-US" sz="1600" b="1" dirty="0">
+              <a:rPr lang="ko-KR" altLang="en-US" sz="1200" dirty="0">
                 <a:latin typeface="나눔고딕" panose="020D0604000000000000" pitchFamily="50" charset="-127"/>
                 <a:ea typeface="나눔고딕" panose="020D0604000000000000" pitchFamily="50" charset="-127"/>
               </a:rPr>
               <a:t>운영 및 </a:t>
             </a:r>
             <a:r>
-              <a:rPr lang="ko-KR" altLang="en-US" sz="1600" b="1" dirty="0" err="1">
+              <a:rPr lang="ko-KR" altLang="en-US" sz="1200" dirty="0" err="1">
                 <a:latin typeface="나눔고딕" panose="020D0604000000000000" pitchFamily="50" charset="-127"/>
                 <a:ea typeface="나눔고딕" panose="020D0604000000000000" pitchFamily="50" charset="-127"/>
               </a:rPr>
               <a:t>스테이징</a:t>
             </a:r>
             <a:r>
-              <a:rPr lang="ko-KR" altLang="en-US" sz="1600" b="1" dirty="0">
+              <a:rPr lang="ko-KR" altLang="en-US" sz="1200" dirty="0">
                 <a:latin typeface="나눔고딕" panose="020D0604000000000000" pitchFamily="50" charset="-127"/>
                 <a:ea typeface="나눔고딕" panose="020D0604000000000000" pitchFamily="50" charset="-127"/>
               </a:rPr>
               <a:t> 환경에서는 사용하지 않는다</a:t>
             </a:r>
             <a:r>
-              <a:rPr lang="en-US" altLang="ko-KR" sz="1600" b="1" dirty="0">
+              <a:rPr lang="en-US" altLang="ko-KR" sz="1200" dirty="0">
                 <a:latin typeface="나눔고딕" panose="020D0604000000000000" pitchFamily="50" charset="-127"/>
                 <a:ea typeface="나눔고딕" panose="020D0604000000000000" pitchFamily="50" charset="-127"/>
               </a:rPr>
               <a:t>.</a:t>
             </a:r>
+          </a:p>
+          <a:p>
+            <a:pPr>
+              <a:lnSpc>
+                <a:spcPct val="150000"/>
+              </a:lnSpc>
+            </a:pPr>
+            <a:r>
+              <a:rPr lang="ko-KR" altLang="en-US" sz="1200" dirty="0">
+                <a:latin typeface="나눔고딕" panose="020D0604000000000000" pitchFamily="50" charset="-127"/>
+                <a:ea typeface="나눔고딕" panose="020D0604000000000000" pitchFamily="50" charset="-127"/>
+              </a:rPr>
+              <a:t>몇가지 이유들에 대해 말해보자면 </a:t>
+            </a:r>
+            <a:r>
+              <a:rPr lang="ko-KR" altLang="en-US" sz="1200" dirty="0" err="1">
+                <a:latin typeface="나눔고딕" panose="020D0604000000000000" pitchFamily="50" charset="-127"/>
+                <a:ea typeface="나눔고딕" panose="020D0604000000000000" pitchFamily="50" charset="-127"/>
+              </a:rPr>
+              <a:t>하이버네이트의</a:t>
+            </a:r>
+            <a:r>
+              <a:rPr lang="ko-KR" altLang="en-US" sz="1200" dirty="0">
+                <a:latin typeface="나눔고딕" panose="020D0604000000000000" pitchFamily="50" charset="-127"/>
+                <a:ea typeface="나눔고딕" panose="020D0604000000000000" pitchFamily="50" charset="-127"/>
+              </a:rPr>
+              <a:t> </a:t>
+            </a:r>
+            <a:r>
+              <a:rPr lang="en-US" altLang="ko-KR" sz="1200" dirty="0">
+                <a:latin typeface="나눔고딕" panose="020D0604000000000000" pitchFamily="50" charset="-127"/>
+                <a:ea typeface="나눔고딕" panose="020D0604000000000000" pitchFamily="50" charset="-127"/>
+              </a:rPr>
+              <a:t>dialect</a:t>
+            </a:r>
+            <a:r>
+              <a:rPr lang="ko-KR" altLang="en-US" sz="1200" dirty="0">
+                <a:latin typeface="나눔고딕" panose="020D0604000000000000" pitchFamily="50" charset="-127"/>
+                <a:ea typeface="나눔고딕" panose="020D0604000000000000" pitchFamily="50" charset="-127"/>
+              </a:rPr>
+              <a:t>가 객체 설정에 지정된 </a:t>
+            </a:r>
+            <a:r>
+              <a:rPr lang="ko-KR" altLang="en-US" sz="1200" dirty="0" err="1">
+                <a:latin typeface="나눔고딕" panose="020D0604000000000000" pitchFamily="50" charset="-127"/>
+                <a:ea typeface="나눔고딕" panose="020D0604000000000000" pitchFamily="50" charset="-127"/>
+              </a:rPr>
+              <a:t>하이버네이트</a:t>
+            </a:r>
+            <a:r>
+              <a:rPr lang="ko-KR" altLang="en-US" sz="1200" dirty="0">
+                <a:latin typeface="나눔고딕" panose="020D0604000000000000" pitchFamily="50" charset="-127"/>
+                <a:ea typeface="나눔고딕" panose="020D0604000000000000" pitchFamily="50" charset="-127"/>
+              </a:rPr>
+              <a:t> 타입이나 자바타입에 최적화된 </a:t>
+            </a:r>
+            <a:r>
+              <a:rPr lang="en-US" altLang="ko-KR" sz="1200" dirty="0">
+                <a:latin typeface="나눔고딕" panose="020D0604000000000000" pitchFamily="50" charset="-127"/>
+                <a:ea typeface="나눔고딕" panose="020D0604000000000000" pitchFamily="50" charset="-127"/>
+              </a:rPr>
+              <a:t>DB </a:t>
+            </a:r>
+            <a:r>
+              <a:rPr lang="ko-KR" altLang="en-US" sz="1200" dirty="0">
+                <a:latin typeface="나눔고딕" panose="020D0604000000000000" pitchFamily="50" charset="-127"/>
+                <a:ea typeface="나눔고딕" panose="020D0604000000000000" pitchFamily="50" charset="-127"/>
+              </a:rPr>
+              <a:t>컬럼 타입을 알아서 선정해 주기는 하지만 항상 원하는 타입으로 선정하는지에 대한 보장이 없다</a:t>
+            </a:r>
+            <a:r>
+              <a:rPr lang="en-US" altLang="ko-KR" sz="1200" dirty="0">
+                <a:latin typeface="나눔고딕" panose="020D0604000000000000" pitchFamily="50" charset="-127"/>
+                <a:ea typeface="나눔고딕" panose="020D0604000000000000" pitchFamily="50" charset="-127"/>
+              </a:rPr>
+              <a:t>.</a:t>
+            </a:r>
+          </a:p>
+          <a:p>
+            <a:pPr>
+              <a:lnSpc>
+                <a:spcPct val="150000"/>
+              </a:lnSpc>
+            </a:pPr>
+            <a:r>
+              <a:rPr lang="ko-KR" altLang="en-US" sz="1200" dirty="0">
+                <a:latin typeface="나눔고딕" panose="020D0604000000000000" pitchFamily="50" charset="-127"/>
+                <a:ea typeface="나눔고딕" panose="020D0604000000000000" pitchFamily="50" charset="-127"/>
+              </a:rPr>
+              <a:t>또한</a:t>
+            </a:r>
+            <a:r>
+              <a:rPr lang="en-US" altLang="ko-KR" sz="1200" dirty="0">
+                <a:latin typeface="나눔고딕" panose="020D0604000000000000" pitchFamily="50" charset="-127"/>
+                <a:ea typeface="나눔고딕" panose="020D0604000000000000" pitchFamily="50" charset="-127"/>
+              </a:rPr>
+              <a:t>,</a:t>
+            </a:r>
+            <a:r>
+              <a:rPr lang="ko-KR" altLang="en-US" sz="1200" dirty="0">
+                <a:latin typeface="나눔고딕" panose="020D0604000000000000" pitchFamily="50" charset="-127"/>
+                <a:ea typeface="나눔고딕" panose="020D0604000000000000" pitchFamily="50" charset="-127"/>
+              </a:rPr>
+              <a:t> </a:t>
+            </a:r>
+            <a:r>
+              <a:rPr lang="ko-KR" altLang="en-US" sz="1200" dirty="0" err="1">
+                <a:latin typeface="나눔고딕" panose="020D0604000000000000" pitchFamily="50" charset="-127"/>
+                <a:ea typeface="나눔고딕" panose="020D0604000000000000" pitchFamily="50" charset="-127"/>
+              </a:rPr>
+              <a:t>하이버네이트는</a:t>
+            </a:r>
+            <a:r>
+              <a:rPr lang="ko-KR" altLang="en-US" sz="1200" dirty="0">
+                <a:latin typeface="나눔고딕" panose="020D0604000000000000" pitchFamily="50" charset="-127"/>
+                <a:ea typeface="나눔고딕" panose="020D0604000000000000" pitchFamily="50" charset="-127"/>
+              </a:rPr>
+              <a:t> 도메인의 필드와 칼럼의 타입이 달라도 변환 가능하다면 오류를 내지 않고 동작한다</a:t>
+            </a:r>
+            <a:r>
+              <a:rPr lang="en-US" altLang="ko-KR" sz="1200" dirty="0">
+                <a:latin typeface="나눔고딕" panose="020D0604000000000000" pitchFamily="50" charset="-127"/>
+                <a:ea typeface="나눔고딕" panose="020D0604000000000000" pitchFamily="50" charset="-127"/>
+              </a:rPr>
+              <a:t>.(DB </a:t>
+            </a:r>
+            <a:r>
+              <a:rPr lang="ko-KR" altLang="en-US" sz="1200" dirty="0">
+                <a:latin typeface="나눔고딕" panose="020D0604000000000000" pitchFamily="50" charset="-127"/>
+                <a:ea typeface="나눔고딕" panose="020D0604000000000000" pitchFamily="50" charset="-127"/>
+              </a:rPr>
+              <a:t>컬럼 </a:t>
+            </a:r>
+            <a:r>
+              <a:rPr lang="en-US" altLang="ko-KR" sz="1200" dirty="0">
+                <a:latin typeface="나눔고딕" panose="020D0604000000000000" pitchFamily="50" charset="-127"/>
+                <a:ea typeface="나눔고딕" panose="020D0604000000000000" pitchFamily="50" charset="-127"/>
+              </a:rPr>
+              <a:t> varchar , </a:t>
+            </a:r>
+            <a:r>
+              <a:rPr lang="ko-KR" altLang="en-US" sz="1200" dirty="0">
+                <a:latin typeface="나눔고딕" panose="020D0604000000000000" pitchFamily="50" charset="-127"/>
+                <a:ea typeface="나눔고딕" panose="020D0604000000000000" pitchFamily="50" charset="-127"/>
+              </a:rPr>
+              <a:t>도메인 객체 필드 </a:t>
+            </a:r>
+            <a:r>
+              <a:rPr lang="en-US" altLang="ko-KR" sz="1200" dirty="0">
+                <a:latin typeface="나눔고딕" panose="020D0604000000000000" pitchFamily="50" charset="-127"/>
+                <a:ea typeface="나눔고딕" panose="020D0604000000000000" pitchFamily="50" charset="-127"/>
+              </a:rPr>
+              <a:t>int) </a:t>
+            </a:r>
+          </a:p>
+          <a:p>
+            <a:pPr>
+              <a:lnSpc>
+                <a:spcPct val="150000"/>
+              </a:lnSpc>
+            </a:pPr>
+            <a:r>
+              <a:rPr lang="ko-KR" altLang="en-US" sz="1200" dirty="0">
+                <a:latin typeface="나눔고딕" panose="020D0604000000000000" pitchFamily="50" charset="-127"/>
+                <a:ea typeface="나눔고딕" panose="020D0604000000000000" pitchFamily="50" charset="-127"/>
+              </a:rPr>
+              <a:t>이러한 이유 등으로 변경 작업이 안전하지 못하기에 운영 환경에서는 사용하면 안된다</a:t>
+            </a:r>
+            <a:r>
+              <a:rPr lang="en-US" altLang="ko-KR" sz="1200" dirty="0">
+                <a:latin typeface="나눔고딕" panose="020D0604000000000000" pitchFamily="50" charset="-127"/>
+                <a:ea typeface="나눔고딕" panose="020D0604000000000000" pitchFamily="50" charset="-127"/>
+              </a:rPr>
+              <a:t>.</a:t>
+            </a:r>
+            <a:r>
+              <a:rPr lang="ko-KR" altLang="en-US" sz="1200" dirty="0">
+                <a:latin typeface="나눔고딕" panose="020D0604000000000000" pitchFamily="50" charset="-127"/>
+                <a:ea typeface="나눔고딕" panose="020D0604000000000000" pitchFamily="50" charset="-127"/>
+              </a:rPr>
+              <a:t> </a:t>
+            </a:r>
+            <a:endParaRPr lang="en-US" altLang="ko-KR" sz="1200" dirty="0">
+              <a:latin typeface="나눔고딕" panose="020D0604000000000000" pitchFamily="50" charset="-127"/>
+              <a:ea typeface="나눔고딕" panose="020D0604000000000000" pitchFamily="50" charset="-127"/>
+            </a:endParaRPr>
           </a:p>
           <a:p>
             <a:pPr>
@@ -10927,10 +8944,27 @@
                 <a:spcPct val="150000"/>
               </a:lnSpc>
             </a:pPr>
-            <a:endParaRPr lang="en-US" altLang="ko-KR" sz="1600" b="1" dirty="0">
-              <a:latin typeface="나눔고딕" panose="020D0604000000000000" pitchFamily="50" charset="-127"/>
-              <a:ea typeface="나눔고딕" panose="020D0604000000000000" pitchFamily="50" charset="-127"/>
-            </a:endParaRPr>
+            <a:r>
+              <a:rPr lang="en-US" altLang="ko-KR" sz="1600" b="1" dirty="0">
+                <a:latin typeface="나눔고딕" panose="020D0604000000000000" pitchFamily="50" charset="-127"/>
+                <a:ea typeface="나눔고딕" panose="020D0604000000000000" pitchFamily="50" charset="-127"/>
+              </a:rPr>
+              <a:t>2. </a:t>
+            </a:r>
+            <a:r>
+              <a:rPr lang="ko-KR" altLang="en-US" sz="1600" b="1" dirty="0">
+                <a:latin typeface="나눔고딕" panose="020D0604000000000000" pitchFamily="50" charset="-127"/>
+                <a:ea typeface="나눔고딕" panose="020D0604000000000000" pitchFamily="50" charset="-127"/>
+              </a:rPr>
+              <a:t>연관된 모든 데이터 베이스에 일일이 반영한다</a:t>
+            </a:r>
+            <a:r>
+              <a:rPr lang="en-US" altLang="ko-KR" sz="1600" b="1" dirty="0">
+                <a:latin typeface="나눔고딕" panose="020D0604000000000000" pitchFamily="50" charset="-127"/>
+                <a:ea typeface="나눔고딕" panose="020D0604000000000000" pitchFamily="50" charset="-127"/>
+              </a:rPr>
+              <a:t>. </a:t>
+            </a:r>
           </a:p>
           <a:p>
             <a:pPr>
@@ -10939,21 +8973,28 @@
               </a:lnSpc>
             </a:pPr>
             <a:r>
-              <a:rPr lang="en-US" altLang="ko-KR" sz="1600" b="1" dirty="0">
+              <a:rPr lang="ko-KR" altLang="en-US" sz="1200" dirty="0">
                 <a:latin typeface="나눔고딕" panose="020D0604000000000000" pitchFamily="50" charset="-127"/>
                 <a:ea typeface="나눔고딕" panose="020D0604000000000000" pitchFamily="50" charset="-127"/>
               </a:rPr>
-              <a:t>2. </a:t>
-            </a:r>
-            <a:r>
-              <a:rPr lang="ko-KR" altLang="en-US" sz="1600" b="1" dirty="0">
+              <a:t>간단하지만 매번 연관된 </a:t>
+            </a:r>
+            <a:r>
+              <a:rPr lang="en-US" altLang="ko-KR" sz="1200" dirty="0">
                 <a:latin typeface="나눔고딕" panose="020D0604000000000000" pitchFamily="50" charset="-127"/>
                 <a:ea typeface="나눔고딕" panose="020D0604000000000000" pitchFamily="50" charset="-127"/>
               </a:rPr>
-              <a:t>연관된 모든 데이터 베이스에 일일이 반영한다</a:t>
-            </a:r>
-            <a:r>
-              <a:rPr lang="en-US" altLang="ko-KR" sz="1600" b="1" dirty="0">
+              <a:t>DB</a:t>
+            </a:r>
+            <a:r>
+              <a:rPr lang="ko-KR" altLang="en-US" sz="1200" dirty="0">
+                <a:latin typeface="나눔고딕" panose="020D0604000000000000" pitchFamily="50" charset="-127"/>
+                <a:ea typeface="나눔고딕" panose="020D0604000000000000" pitchFamily="50" charset="-127"/>
+              </a:rPr>
+              <a:t>마다 반영하는 것은 너무나도 번거롭다</a:t>
+            </a:r>
+            <a:r>
+              <a:rPr lang="en-US" altLang="ko-KR" sz="1200" dirty="0">
                 <a:latin typeface="나눔고딕" panose="020D0604000000000000" pitchFamily="50" charset="-127"/>
                 <a:ea typeface="나눔고딕" panose="020D0604000000000000" pitchFamily="50" charset="-127"/>
               </a:rPr>
@@ -10967,16 +9008,140 @@
               </a:lnSpc>
             </a:pPr>
             <a:r>
-              <a:rPr lang="ko-KR" altLang="en-US" sz="1600" b="1" dirty="0">
+              <a:rPr lang="ko-KR" altLang="en-US" sz="1200" dirty="0">
                 <a:latin typeface="나눔고딕" panose="020D0604000000000000" pitchFamily="50" charset="-127"/>
                 <a:ea typeface="나눔고딕" panose="020D0604000000000000" pitchFamily="50" charset="-127"/>
               </a:rPr>
-              <a:t> </a:t>
-            </a:r>
-            <a:endParaRPr lang="en-US" altLang="ko-KR" sz="1600" b="1" dirty="0">
-              <a:latin typeface="나눔고딕" panose="020D0604000000000000" pitchFamily="50" charset="-127"/>
+              <a:t>또한</a:t>
+            </a:r>
+            <a:r>
+              <a:rPr lang="en-US" altLang="ko-KR" sz="1200" dirty="0">
+                <a:latin typeface="나눔고딕" panose="020D0604000000000000" pitchFamily="50" charset="-127"/>
+                <a:ea typeface="나눔고딕" panose="020D0604000000000000" pitchFamily="50" charset="-127"/>
+              </a:rPr>
+              <a:t>, </a:t>
+            </a:r>
+            <a:r>
+              <a:rPr lang="ko-KR" altLang="en-US" sz="1200" b="0" i="0" dirty="0">
+                <a:solidFill>
+                  <a:srgbClr val="303A3E"/>
+                </a:solidFill>
+                <a:effectLst/>
+                <a:latin typeface="Georgia" panose="02040502050405020303" pitchFamily="18" charset="0"/>
+              </a:rPr>
+              <a:t>휴먼 에러가 발생할 가능성이 커진다</a:t>
+            </a:r>
+            <a:r>
+              <a:rPr lang="en-US" altLang="ko-KR" sz="1200" b="0" i="0" dirty="0">
+                <a:solidFill>
+                  <a:srgbClr val="303A3E"/>
+                </a:solidFill>
+                <a:effectLst/>
+                <a:latin typeface="Georgia" panose="02040502050405020303" pitchFamily="18" charset="0"/>
+              </a:rPr>
+              <a:t>. </a:t>
+            </a:r>
+            <a:r>
+              <a:rPr lang="ko-KR" altLang="en-US" sz="1200" b="0" i="0" dirty="0">
+                <a:solidFill>
+                  <a:srgbClr val="303A3E"/>
+                </a:solidFill>
+                <a:effectLst/>
+                <a:latin typeface="Georgia" panose="02040502050405020303" pitchFamily="18" charset="0"/>
+              </a:rPr>
+              <a:t>오타를 낼 수도 있고</a:t>
+            </a:r>
+            <a:r>
+              <a:rPr lang="en-US" altLang="ko-KR" sz="1200" b="0" i="0" dirty="0">
+                <a:solidFill>
+                  <a:srgbClr val="303A3E"/>
+                </a:solidFill>
+                <a:effectLst/>
+                <a:latin typeface="Georgia" panose="02040502050405020303" pitchFamily="18" charset="0"/>
+              </a:rPr>
+              <a:t>, </a:t>
+            </a:r>
+            <a:r>
+              <a:rPr lang="ko-KR" altLang="en-US" sz="1200" b="0" i="0" dirty="0">
+                <a:solidFill>
+                  <a:srgbClr val="303A3E"/>
+                </a:solidFill>
+                <a:effectLst/>
+                <a:latin typeface="Georgia" panose="02040502050405020303" pitchFamily="18" charset="0"/>
+              </a:rPr>
+              <a:t>실수로 명령어를 하나 빼먹을 수도 있다</a:t>
+            </a:r>
+            <a:r>
+              <a:rPr lang="en-US" altLang="ko-KR" sz="1200" b="0" i="0" dirty="0">
+                <a:solidFill>
+                  <a:srgbClr val="303A3E"/>
+                </a:solidFill>
+                <a:effectLst/>
+                <a:latin typeface="Georgia" panose="02040502050405020303" pitchFamily="18" charset="0"/>
+              </a:rPr>
+              <a:t>.</a:t>
+            </a:r>
+          </a:p>
+          <a:p>
+            <a:pPr>
+              <a:lnSpc>
+                <a:spcPct val="150000"/>
+              </a:lnSpc>
+            </a:pPr>
+            <a:endParaRPr lang="en-US" altLang="ko-KR" sz="1200" dirty="0">
+              <a:solidFill>
+                <a:srgbClr val="303A3E"/>
+              </a:solidFill>
+              <a:latin typeface="Georgia" panose="02040502050405020303" pitchFamily="18" charset="0"/>
               <a:ea typeface="나눔고딕" panose="020D0604000000000000" pitchFamily="50" charset="-127"/>
             </a:endParaRPr>
+          </a:p>
+          <a:p>
+            <a:pPr>
+              <a:lnSpc>
+                <a:spcPct val="150000"/>
+              </a:lnSpc>
+            </a:pPr>
+            <a:r>
+              <a:rPr lang="ko-KR" altLang="en-US" sz="1200" dirty="0">
+                <a:solidFill>
+                  <a:srgbClr val="303A3E"/>
+                </a:solidFill>
+                <a:latin typeface="Georgia" panose="02040502050405020303" pitchFamily="18" charset="0"/>
+                <a:ea typeface="나눔고딕" panose="020D0604000000000000" pitchFamily="50" charset="-127"/>
+              </a:rPr>
+              <a:t>위의 두 가지 방법 중 하나를  적용한다고 하더라도 데이터베이스 스키마의 이력 관리가 되지 않아</a:t>
+            </a:r>
+            <a:r>
+              <a:rPr lang="en-US" altLang="ko-KR" sz="1200" dirty="0">
+                <a:solidFill>
+                  <a:srgbClr val="303A3E"/>
+                </a:solidFill>
+                <a:latin typeface="Georgia" panose="02040502050405020303" pitchFamily="18" charset="0"/>
+                <a:ea typeface="나눔고딕" panose="020D0604000000000000" pitchFamily="50" charset="-127"/>
+              </a:rPr>
+              <a:t> </a:t>
+            </a:r>
+            <a:r>
+              <a:rPr lang="ko-KR" altLang="en-US" sz="1200" dirty="0">
+                <a:solidFill>
+                  <a:srgbClr val="303A3E"/>
+                </a:solidFill>
+                <a:latin typeface="Georgia" panose="02040502050405020303" pitchFamily="18" charset="0"/>
+                <a:ea typeface="나눔고딕" panose="020D0604000000000000" pitchFamily="50" charset="-127"/>
+              </a:rPr>
+              <a:t>추후에 데이터베이스 스키마에 문제가 발견되더라도 해결하기에 많은 시간과 노력이 소요될 것이다</a:t>
+            </a:r>
+            <a:r>
+              <a:rPr lang="en-US" altLang="ko-KR" sz="1200" dirty="0">
+                <a:solidFill>
+                  <a:srgbClr val="303A3E"/>
+                </a:solidFill>
+                <a:latin typeface="Georgia" panose="02040502050405020303" pitchFamily="18" charset="0"/>
+                <a:ea typeface="나눔고딕" panose="020D0604000000000000" pitchFamily="50" charset="-127"/>
+              </a:rPr>
+              <a:t>.</a:t>
+            </a:r>
           </a:p>
           <a:p>
             <a:pPr>
@@ -10995,7 +9160,56 @@
                 <a:spcPct val="150000"/>
               </a:lnSpc>
             </a:pPr>
-            <a:endParaRPr lang="en-US" altLang="ko-KR" sz="1200" b="1" dirty="0">
+            <a:r>
+              <a:rPr lang="ko-KR" altLang="en-US" sz="1600" b="1" dirty="0">
+                <a:latin typeface="나눔고딕" panose="020D0604000000000000" pitchFamily="50" charset="-127"/>
+                <a:ea typeface="나눔고딕" panose="020D0604000000000000" pitchFamily="50" charset="-127"/>
+              </a:rPr>
+              <a:t>이러한 방법들의 단점들을 보완하기 위해 </a:t>
+            </a:r>
+            <a:r>
+              <a:rPr lang="en-US" altLang="ko-KR" sz="1600" b="1" dirty="0">
+                <a:latin typeface="나눔고딕" panose="020D0604000000000000" pitchFamily="50" charset="-127"/>
+                <a:ea typeface="나눔고딕" panose="020D0604000000000000" pitchFamily="50" charset="-127"/>
+              </a:rPr>
+              <a:t>“</a:t>
+            </a:r>
+            <a:r>
+              <a:rPr lang="ko-KR" altLang="en-US" sz="1600" b="1" dirty="0">
+                <a:latin typeface="나눔고딕" panose="020D0604000000000000" pitchFamily="50" charset="-127"/>
+                <a:ea typeface="나눔고딕" panose="020D0604000000000000" pitchFamily="50" charset="-127"/>
+              </a:rPr>
+              <a:t>코드로 데이터베이스 스키마를 관리하는 방법</a:t>
+            </a:r>
+            <a:r>
+              <a:rPr lang="en-US" altLang="ko-KR" sz="1600" b="1" dirty="0">
+                <a:latin typeface="나눔고딕" panose="020D0604000000000000" pitchFamily="50" charset="-127"/>
+                <a:ea typeface="나눔고딕" panose="020D0604000000000000" pitchFamily="50" charset="-127"/>
+              </a:rPr>
+              <a:t>”</a:t>
+            </a:r>
+            <a:r>
+              <a:rPr lang="ko-KR" altLang="en-US" sz="1600" b="1" dirty="0">
+                <a:latin typeface="나눔고딕" panose="020D0604000000000000" pitchFamily="50" charset="-127"/>
+                <a:ea typeface="나눔고딕" panose="020D0604000000000000" pitchFamily="50" charset="-127"/>
+              </a:rPr>
+              <a:t>을 택했다</a:t>
+            </a:r>
+            <a:r>
+              <a:rPr lang="en-US" altLang="ko-KR" sz="1600" b="1" dirty="0">
+                <a:latin typeface="나눔고딕" panose="020D0604000000000000" pitchFamily="50" charset="-127"/>
+                <a:ea typeface="나눔고딕" panose="020D0604000000000000" pitchFamily="50" charset="-127"/>
+              </a:rPr>
+              <a:t>.</a:t>
+            </a:r>
+          </a:p>
+          <a:p>
+            <a:pPr>
+              <a:lnSpc>
+                <a:spcPct val="150000"/>
+              </a:lnSpc>
+            </a:pPr>
+            <a:endParaRPr lang="en-US" altLang="ko-KR" sz="1200" dirty="0">
               <a:latin typeface="나눔고딕" panose="020D0604000000000000" pitchFamily="50" charset="-127"/>
               <a:ea typeface="나눔고딕" panose="020D0604000000000000" pitchFamily="50" charset="-127"/>
             </a:endParaRPr>
@@ -11058,63 +9272,11 @@
           <a:p>
             <a:r>
               <a:rPr lang="ko-KR" altLang="en-US" dirty="0"/>
-              <a:t>데이터 베이스 마이그레이션 툴이란</a:t>
-            </a:r>
-            <a:r>
-              <a:rPr lang="en-US" altLang="ko-KR" dirty="0"/>
-              <a:t>?</a:t>
-            </a:r>
-            <a:endParaRPr lang="ko-KR" altLang="en-US" dirty="0"/>
+              <a:t>코드로 데이터베이스 스키마를 관리하는 방법</a:t>
+            </a:r>
           </a:p>
         </p:txBody>
       </p:sp>
-      <p:pic>
-        <p:nvPicPr>
-          <p:cNvPr id="7" name="Picture 2" descr="flyway">
-            <a:extLst>
-              <a:ext uri="{FF2B5EF4-FFF2-40B4-BE49-F238E27FC236}">
-                <a16:creationId xmlns:a16="http://schemas.microsoft.com/office/drawing/2014/main" id="{497DBD34-3FD2-D7C8-EA9B-E9B5B21686F3}"/>
-              </a:ext>
-            </a:extLst>
-          </p:cNvPr>
-          <p:cNvPicPr>
-            <a:picLocks noChangeAspect="1" noChangeArrowheads="1"/>
-          </p:cNvPicPr>
-          <p:nvPr/>
-        </p:nvPicPr>
-        <p:blipFill>
-          <a:blip r:embed="rId2">
-            <a:extLst>
-              <a:ext uri="{28A0092B-C50C-407E-A947-70E740481C1C}">
-                <a14:useLocalDpi xmlns:a14="http://schemas.microsoft.com/office/drawing/2010/main" val="0"/>
-              </a:ext>
-            </a:extLst>
-          </a:blip>
-          <a:srcRect/>
-          <a:stretch>
-            <a:fillRect/>
-          </a:stretch>
-        </p:blipFill>
-        <p:spPr bwMode="auto">
-          <a:xfrm>
-            <a:off x="6672064" y="3140968"/>
-            <a:ext cx="4982140" cy="3313091"/>
-          </a:xfrm>
-          <a:prstGeom prst="rect">
-            <a:avLst/>
-          </a:prstGeom>
-          <a:noFill/>
-          <a:extLst>
-            <a:ext uri="{909E8E84-426E-40DD-AFC4-6F175D3DCCD1}">
-              <a14:hiddenFill xmlns:a14="http://schemas.microsoft.com/office/drawing/2010/main">
-                <a:solidFill>
-                  <a:srgbClr val="FFFFFF"/>
-                </a:solidFill>
-              </a14:hiddenFill>
-            </a:ext>
-          </a:extLst>
-        </p:spPr>
-      </p:pic>
       <p:sp>
         <p:nvSpPr>
           <p:cNvPr id="5" name="TextBox 4">
@@ -11129,8 +9291,8 @@
         </p:nvSpPr>
         <p:spPr>
           <a:xfrm>
-            <a:off x="623392" y="1052736"/>
-            <a:ext cx="4982140" cy="3539430"/>
+            <a:off x="249769" y="764704"/>
+            <a:ext cx="6121583" cy="6124754"/>
           </a:xfrm>
           <a:prstGeom prst="rect">
             <a:avLst/>
@@ -11143,158 +9305,376 @@
           </a:bodyPr>
           <a:lstStyle/>
           <a:p>
-            <a:r>
-              <a:rPr lang="ko-KR" altLang="en-US" b="1" dirty="0"/>
-              <a:t>데이터 베이스 마이그레이션 툴이란</a:t>
-            </a:r>
-            <a:r>
-              <a:rPr lang="en-US" altLang="ko-KR" b="1" dirty="0"/>
-              <a:t>?</a:t>
-            </a:r>
-          </a:p>
-          <a:p>
-            <a:r>
-              <a:rPr lang="ko-KR" altLang="en-US" dirty="0"/>
-              <a:t>데이터 베이스의 변경 사항을 추적하고</a:t>
-            </a:r>
-            <a:r>
-              <a:rPr lang="en-US" altLang="ko-KR" dirty="0"/>
-              <a:t>, </a:t>
-            </a:r>
-            <a:r>
-              <a:rPr lang="ko-KR" altLang="en-US" dirty="0"/>
-              <a:t>업데이트나 롤백을 보다 쉽게 할 수 있도록 도와주는 도구이다</a:t>
-            </a:r>
-            <a:r>
-              <a:rPr lang="en-US" altLang="ko-KR" dirty="0"/>
+            <a:pPr>
+              <a:lnSpc>
+                <a:spcPct val="150000"/>
+              </a:lnSpc>
+            </a:pPr>
+            <a:r>
+              <a:rPr lang="en-US" altLang="ko-KR" sz="1200" b="1" dirty="0"/>
+              <a:t>Ruby </a:t>
+            </a:r>
+            <a:r>
+              <a:rPr lang="ko-KR" altLang="en-US" sz="1200" b="1" dirty="0"/>
+              <a:t>와 </a:t>
+            </a:r>
+            <a:r>
+              <a:rPr lang="en-US" altLang="ko-KR" sz="1200" b="1" dirty="0"/>
+              <a:t>Elixir </a:t>
+            </a:r>
+            <a:r>
+              <a:rPr lang="ko-KR" altLang="en-US" sz="1200" b="1" dirty="0"/>
+              <a:t>는 데이터베이스 스키마 이력을 코드로 관리 했다</a:t>
+            </a:r>
+            <a:r>
+              <a:rPr lang="en-US" altLang="ko-KR" sz="1200" b="1" dirty="0"/>
               <a:t>.</a:t>
             </a:r>
           </a:p>
           <a:p>
             <a:pPr>
+              <a:lnSpc>
+                <a:spcPct val="150000"/>
+              </a:lnSpc>
+            </a:pPr>
+            <a:endParaRPr lang="en-US" altLang="ko-KR" sz="1200" b="1" dirty="0"/>
+          </a:p>
+          <a:p>
+            <a:pPr>
+              <a:lnSpc>
+                <a:spcPct val="150000"/>
+              </a:lnSpc>
+            </a:pPr>
+            <a:r>
+              <a:rPr lang="ko-KR" altLang="en-US" sz="1200" b="1" dirty="0"/>
+              <a:t>데이터베이스 스키마를 코드로 관리했을 때 얻을 수 있는 이점</a:t>
+            </a:r>
+            <a:r>
+              <a:rPr lang="en-US" altLang="ko-KR" sz="1200" b="1" dirty="0"/>
+              <a:t>.</a:t>
+            </a:r>
+          </a:p>
+          <a:p>
+            <a:pPr marL="342900" indent="-342900">
+              <a:lnSpc>
+                <a:spcPct val="150000"/>
+              </a:lnSpc>
+              <a:buAutoNum type="arabicPeriod"/>
+            </a:pPr>
+            <a:r>
+              <a:rPr lang="ko-KR" altLang="en-US" sz="1200" b="1" dirty="0"/>
+              <a:t>변경 이력이 남는다</a:t>
+            </a:r>
+            <a:r>
+              <a:rPr lang="en-US" altLang="ko-KR" sz="1200" b="1" dirty="0"/>
+              <a:t>.</a:t>
+            </a:r>
+          </a:p>
+          <a:p>
+            <a:pPr marL="800089" lvl="1" indent="-342900">
+              <a:lnSpc>
+                <a:spcPct val="150000"/>
+              </a:lnSpc>
               <a:buFont typeface="Arial" panose="020B0604020202020204" pitchFamily="34" charset="0"/>
               <a:buChar char="•"/>
             </a:pPr>
             <a:r>
-              <a:rPr lang="ko-KR" altLang="en-US" dirty="0"/>
-              <a:t> 그럼 데이터 베이스 마이그레이션을 왜 해야 할까</a:t>
-            </a:r>
-            <a:r>
-              <a:rPr lang="en-US" altLang="ko-KR" dirty="0"/>
-              <a:t>?</a:t>
-            </a:r>
-          </a:p>
-          <a:p>
-            <a:pPr marL="742950" lvl="1" indent="-285750">
+              <a:rPr lang="ko-KR" altLang="en-US" sz="1200" dirty="0"/>
+              <a:t>코드로 데이터 베이스 스키마를 관리하게 되면</a:t>
+            </a:r>
+            <a:r>
+              <a:rPr lang="en-US" altLang="ko-KR" sz="1200" dirty="0"/>
+              <a:t>, </a:t>
+            </a:r>
+            <a:r>
+              <a:rPr lang="ko-KR" altLang="en-US" sz="1200" dirty="0"/>
+              <a:t>코드를 작성한 파일을 </a:t>
+            </a:r>
+            <a:r>
+              <a:rPr lang="en-US" altLang="ko-KR" sz="1200" dirty="0"/>
+              <a:t>Git</a:t>
+            </a:r>
+            <a:r>
+              <a:rPr lang="ko-KR" altLang="en-US" sz="1200" dirty="0"/>
+              <a:t>을 이용해 관리할 수 있어서 변경 이력이 존재한다</a:t>
+            </a:r>
+            <a:r>
+              <a:rPr lang="en-US" altLang="ko-KR" sz="1200" dirty="0"/>
+              <a:t>.</a:t>
+            </a:r>
+          </a:p>
+          <a:p>
+            <a:pPr marL="800089" lvl="1" indent="-342900">
+              <a:lnSpc>
+                <a:spcPct val="150000"/>
+              </a:lnSpc>
               <a:buFont typeface="Arial" panose="020B0604020202020204" pitchFamily="34" charset="0"/>
               <a:buChar char="•"/>
             </a:pPr>
-            <a:r>
-              <a:rPr lang="ko-KR" altLang="en-US" dirty="0"/>
-              <a:t>제품을 개발하는 과정에서 아래와 같이 여러 환경에 데이터 베이스가 존재하게 된다</a:t>
-            </a:r>
-            <a:r>
-              <a:rPr lang="en-US" altLang="ko-KR" dirty="0"/>
+            <a:endParaRPr lang="en-US" altLang="ko-KR" sz="1200" dirty="0"/>
+          </a:p>
+          <a:p>
+            <a:pPr marL="228600" indent="-228600">
+              <a:lnSpc>
+                <a:spcPct val="150000"/>
+              </a:lnSpc>
+              <a:buFont typeface="+mj-lt"/>
+              <a:buAutoNum type="arabicPeriod"/>
+            </a:pPr>
+            <a:r>
+              <a:rPr lang="en-US" altLang="ko-KR" sz="1200" b="1" dirty="0"/>
+              <a:t> </a:t>
+            </a:r>
+            <a:r>
+              <a:rPr lang="ko-KR" altLang="en-US" sz="1200" b="1" dirty="0"/>
+              <a:t>데이터베이스 스키마 변경 작업이 더 </a:t>
+            </a:r>
+            <a:r>
+              <a:rPr lang="ko-KR" altLang="en-US" sz="1200" b="1" dirty="0" err="1"/>
+              <a:t>안전해진다</a:t>
+            </a:r>
+            <a:r>
+              <a:rPr lang="en-US" altLang="ko-KR" sz="1200" b="1" dirty="0"/>
               <a:t>.</a:t>
             </a:r>
           </a:p>
           <a:p>
-            <a:pPr marL="1143000" lvl="2" indent="-228600">
+            <a:pPr marL="742939" lvl="1" indent="-285750">
+              <a:lnSpc>
+                <a:spcPct val="150000"/>
+              </a:lnSpc>
               <a:buFont typeface="Arial" panose="020B0604020202020204" pitchFamily="34" charset="0"/>
               <a:buChar char="•"/>
             </a:pPr>
             <a:r>
-              <a:rPr lang="ko-KR" altLang="en-US" dirty="0"/>
-              <a:t>개발자 개인 로컬 환경에서 개발 및 테스트를 진행하기 위해 데이터 베이스가 존재하고</a:t>
-            </a:r>
-            <a:r>
-              <a:rPr lang="en-US" altLang="ko-KR" dirty="0"/>
-              <a:t>, </a:t>
-            </a:r>
-            <a:r>
-              <a:rPr lang="ko-KR" altLang="en-US" dirty="0"/>
-              <a:t>테스트 및 운영 서버에도 각각 별도의 데이터 베이스가 존재한다</a:t>
-            </a:r>
-            <a:r>
-              <a:rPr lang="en-US" altLang="ko-KR" dirty="0"/>
-              <a:t>.</a:t>
-            </a:r>
-          </a:p>
-          <a:p>
-            <a:pPr marL="1143000" lvl="2" indent="-228600">
+              <a:rPr lang="ko-KR" altLang="en-US" sz="1200" dirty="0"/>
+              <a:t>코드로 관리한다는 것은 프로그래밍을 할 수 있다는 것이다</a:t>
+            </a:r>
+            <a:r>
+              <a:rPr lang="en-US" altLang="ko-KR" sz="1200" dirty="0"/>
+              <a:t>. </a:t>
+            </a:r>
+          </a:p>
+          <a:p>
+            <a:pPr marL="742939" lvl="1" indent="-285750">
+              <a:lnSpc>
+                <a:spcPct val="150000"/>
+              </a:lnSpc>
               <a:buFont typeface="Arial" panose="020B0604020202020204" pitchFamily="34" charset="0"/>
               <a:buChar char="•"/>
             </a:pPr>
             <a:r>
-              <a:rPr lang="ko-KR" altLang="en-US" dirty="0"/>
-              <a:t>이때</a:t>
-            </a:r>
-            <a:r>
-              <a:rPr lang="en-US" altLang="ko-KR" dirty="0"/>
-              <a:t>, </a:t>
-            </a:r>
-            <a:r>
-              <a:rPr lang="ko-KR" altLang="en-US" dirty="0"/>
-              <a:t>한 개발자가 엔티티를 변경하게 되면 이로 인해 데이터베이스의 스키마가 변경된다</a:t>
-            </a:r>
-            <a:r>
-              <a:rPr lang="en-US" altLang="ko-KR" dirty="0"/>
-              <a:t>.</a:t>
-            </a:r>
-          </a:p>
-          <a:p>
-            <a:pPr marL="742950" lvl="1" indent="-285750">
+              <a:rPr lang="ko-KR" altLang="en-US" sz="1200" dirty="0"/>
+              <a:t>그래서 단순히 이력을 남기는 것에 그치지 않고 데이터베이스 마이그레이션 작업 자체를 코드로 할 수 있게 된다</a:t>
+            </a:r>
+            <a:r>
+              <a:rPr lang="en-US" altLang="ko-KR" sz="1200" dirty="0"/>
+              <a:t>. </a:t>
+            </a:r>
+          </a:p>
+          <a:p>
+            <a:pPr marL="742939" lvl="1" indent="-285750">
+              <a:lnSpc>
+                <a:spcPct val="150000"/>
+              </a:lnSpc>
               <a:buFont typeface="Arial" panose="020B0604020202020204" pitchFamily="34" charset="0"/>
               <a:buChar char="•"/>
             </a:pPr>
             <a:r>
-              <a:rPr lang="ko-KR" altLang="en-US" dirty="0"/>
-              <a:t>소프트웨어의 소스 코드 같은 경우에는 </a:t>
-            </a:r>
-            <a:r>
-              <a:rPr lang="en-US" altLang="ko-KR" dirty="0"/>
-              <a:t>Git</a:t>
-            </a:r>
-            <a:r>
-              <a:rPr lang="ko-KR" altLang="en-US" dirty="0"/>
-              <a:t>과 같은 형상관리 툴을 사용하여 이런 문제</a:t>
-            </a:r>
-            <a:r>
-              <a:rPr lang="en-US" altLang="ko-KR" dirty="0"/>
-              <a:t>(</a:t>
-            </a:r>
-            <a:r>
-              <a:rPr lang="ko-KR" altLang="en-US" dirty="0"/>
-              <a:t>코드가 변경되었을 때의 영향 범위</a:t>
-            </a:r>
-            <a:r>
-              <a:rPr lang="en-US" altLang="ko-KR" dirty="0"/>
-              <a:t>)</a:t>
-            </a:r>
-            <a:r>
-              <a:rPr lang="ko-KR" altLang="en-US" dirty="0"/>
-              <a:t>를 잘 해결해왔지만</a:t>
-            </a:r>
-            <a:r>
-              <a:rPr lang="en-US" altLang="ko-KR" dirty="0"/>
+              <a:rPr lang="ko-KR" altLang="en-US" sz="1200" dirty="0"/>
+              <a:t>사람이 직접 </a:t>
+            </a:r>
+            <a:r>
+              <a:rPr lang="en-US" altLang="ko-KR" sz="1200" dirty="0"/>
+              <a:t>DB </a:t>
+            </a:r>
+            <a:r>
+              <a:rPr lang="ko-KR" altLang="en-US" sz="1200" dirty="0"/>
+              <a:t>에 작업하는 대신 코드로 실행하기 때문에 코드를 누락하거나 실수할 여지가 줄어들고</a:t>
+            </a:r>
+            <a:r>
+              <a:rPr lang="en-US" altLang="ko-KR" sz="1200" dirty="0"/>
               <a:t>, </a:t>
             </a:r>
             <a:r>
-              <a:rPr lang="ko-KR" altLang="en-US" dirty="0"/>
-              <a:t>데이터베이스는 그렇지 못 했다</a:t>
-            </a:r>
-            <a:r>
-              <a:rPr lang="en-US" altLang="ko-KR" dirty="0"/>
+              <a:rPr lang="ko-KR" altLang="en-US" sz="1200" dirty="0"/>
+              <a:t>배포 시에 자동화도 가능하다</a:t>
+            </a:r>
+            <a:r>
+              <a:rPr lang="en-US" altLang="ko-KR" sz="1200" dirty="0"/>
               <a:t>.</a:t>
             </a:r>
-            <a:endParaRPr lang="ko-KR" altLang="en-US" dirty="0"/>
+          </a:p>
+          <a:p>
+            <a:pPr marL="742939" lvl="1" indent="-285750">
+              <a:lnSpc>
+                <a:spcPct val="150000"/>
+              </a:lnSpc>
+              <a:buFont typeface="Arial" panose="020B0604020202020204" pitchFamily="34" charset="0"/>
+              <a:buChar char="•"/>
+            </a:pPr>
+            <a:endParaRPr lang="en-US" altLang="ko-KR" sz="1200" dirty="0"/>
+          </a:p>
+          <a:p>
+            <a:pPr marL="228600" indent="-228600">
+              <a:lnSpc>
+                <a:spcPct val="150000"/>
+              </a:lnSpc>
+              <a:buFont typeface="+mj-lt"/>
+              <a:buAutoNum type="arabicPeriod"/>
+            </a:pPr>
+            <a:r>
+              <a:rPr lang="ko-KR" altLang="en-US" sz="1200" b="1" dirty="0"/>
+              <a:t>더 많은 사람과 협업이 </a:t>
+            </a:r>
+            <a:r>
+              <a:rPr lang="ko-KR" altLang="en-US" sz="1200" b="1" dirty="0" err="1"/>
+              <a:t>수월해진다</a:t>
+            </a:r>
+            <a:r>
+              <a:rPr lang="en-US" altLang="ko-KR" sz="1200" b="1" dirty="0"/>
+              <a:t>.</a:t>
+            </a:r>
+            <a:r>
+              <a:rPr lang="ko-KR" altLang="en-US" sz="1200" b="1" dirty="0"/>
+              <a:t> </a:t>
+            </a:r>
+            <a:endParaRPr lang="en-US" altLang="ko-KR" sz="1200" b="1" dirty="0"/>
+          </a:p>
+          <a:p>
+            <a:pPr marL="742939" lvl="1" indent="-285750">
+              <a:lnSpc>
+                <a:spcPct val="150000"/>
+              </a:lnSpc>
+              <a:buFont typeface="Arial" panose="020B0604020202020204" pitchFamily="34" charset="0"/>
+              <a:buChar char="•"/>
+            </a:pPr>
+            <a:r>
+              <a:rPr lang="ko-KR" altLang="en-US" sz="1200" dirty="0"/>
+              <a:t>코드로 관리가 되기 때문에 서로 리뷰를 받을 수 있어 미리 문제를 파악하기 좋고</a:t>
+            </a:r>
+            <a:r>
+              <a:rPr lang="en-US" altLang="ko-KR" sz="1200" dirty="0"/>
+              <a:t>, </a:t>
+            </a:r>
+            <a:r>
+              <a:rPr lang="ko-KR" altLang="en-US" sz="1200" dirty="0"/>
+              <a:t>실제 환경과 동일한 </a:t>
+            </a:r>
+            <a:r>
+              <a:rPr lang="en-US" altLang="ko-KR" sz="1200" dirty="0"/>
+              <a:t>local </a:t>
+            </a:r>
+            <a:r>
+              <a:rPr lang="ko-KR" altLang="en-US" sz="1200" dirty="0"/>
+              <a:t>환경을 구축하기 쉬워져서 </a:t>
+            </a:r>
+            <a:r>
+              <a:rPr lang="en-US" altLang="ko-KR" sz="1200" dirty="0"/>
+              <a:t>local </a:t>
+            </a:r>
+            <a:r>
+              <a:rPr lang="ko-KR" altLang="en-US" sz="1200" dirty="0"/>
+              <a:t>에서 개발하기가 훨씬 </a:t>
+            </a:r>
+            <a:r>
+              <a:rPr lang="ko-KR" altLang="en-US" sz="1200" dirty="0" err="1"/>
+              <a:t>수월해진다</a:t>
+            </a:r>
+            <a:r>
+              <a:rPr lang="en-US" altLang="ko-KR" sz="1200" dirty="0"/>
+              <a:t>.</a:t>
+            </a:r>
+          </a:p>
+          <a:p>
+            <a:pPr marL="742939" lvl="1" indent="-285750">
+              <a:lnSpc>
+                <a:spcPct val="150000"/>
+              </a:lnSpc>
+              <a:buFont typeface="Arial" panose="020B0604020202020204" pitchFamily="34" charset="0"/>
+              <a:buChar char="•"/>
+            </a:pPr>
+            <a:endParaRPr lang="en-US" altLang="ko-KR" sz="1200" dirty="0"/>
+          </a:p>
+          <a:p>
+            <a:pPr>
+              <a:lnSpc>
+                <a:spcPct val="150000"/>
+              </a:lnSpc>
+            </a:pPr>
+            <a:r>
+              <a:rPr lang="ko-KR" altLang="en-US" sz="1200" dirty="0"/>
+              <a:t>그러나</a:t>
+            </a:r>
+            <a:r>
+              <a:rPr lang="en-US" altLang="ko-KR" sz="1200" dirty="0"/>
+              <a:t>, Java</a:t>
+            </a:r>
+            <a:r>
+              <a:rPr lang="ko-KR" altLang="en-US" sz="1200" dirty="0"/>
+              <a:t>나 </a:t>
+            </a:r>
+            <a:r>
+              <a:rPr lang="en-US" altLang="ko-KR" sz="1200" dirty="0"/>
+              <a:t>Spring</a:t>
+            </a:r>
+            <a:r>
+              <a:rPr lang="ko-KR" altLang="en-US" sz="1200" dirty="0"/>
+              <a:t>에서는 코드로 데이터베이스 스키마를 직접 관리하는 부분에 대해 구축 되어있지 않았으므로</a:t>
+            </a:r>
+            <a:r>
+              <a:rPr lang="en-US" altLang="ko-KR" sz="1200" dirty="0"/>
+              <a:t>, Database Migration Tool</a:t>
+            </a:r>
+            <a:r>
+              <a:rPr lang="ko-KR" altLang="en-US" sz="1200" dirty="0"/>
+              <a:t>을 이용하여 관리한다</a:t>
+            </a:r>
+            <a:r>
+              <a:rPr lang="en-US" altLang="ko-KR" sz="1200" dirty="0"/>
+              <a:t>.</a:t>
+            </a:r>
+            <a:endParaRPr lang="en-US" altLang="ko-KR" sz="1200" b="1" dirty="0"/>
+          </a:p>
+          <a:p>
+            <a:endParaRPr lang="en-US" altLang="ko-KR" b="1" dirty="0"/>
           </a:p>
         </p:txBody>
       </p:sp>
+      <p:pic>
+        <p:nvPicPr>
+          <p:cNvPr id="6" name="그림 5">
+            <a:extLst>
+              <a:ext uri="{FF2B5EF4-FFF2-40B4-BE49-F238E27FC236}">
+                <a16:creationId xmlns:a16="http://schemas.microsoft.com/office/drawing/2014/main" id="{6FEE54AC-AE58-BE4B-5080-45C53EB63BB1}"/>
+              </a:ext>
+            </a:extLst>
+          </p:cNvPr>
+          <p:cNvPicPr>
+            <a:picLocks noChangeAspect="1"/>
+          </p:cNvPicPr>
+          <p:nvPr/>
+        </p:nvPicPr>
+        <p:blipFill>
+          <a:blip r:embed="rId2"/>
+          <a:stretch>
+            <a:fillRect/>
+          </a:stretch>
+        </p:blipFill>
+        <p:spPr>
+          <a:xfrm>
+            <a:off x="7026773" y="989934"/>
+            <a:ext cx="4941786" cy="5535409"/>
+          </a:xfrm>
+          <a:prstGeom prst="rect">
+            <a:avLst/>
+          </a:prstGeom>
+        </p:spPr>
+      </p:pic>
     </p:spTree>
     <p:extLst>
       <p:ext uri="{BB962C8B-B14F-4D97-AF65-F5344CB8AC3E}">
-        <p14:creationId xmlns:p14="http://schemas.microsoft.com/office/powerpoint/2010/main" val="3565413402"/>
+        <p14:creationId xmlns:p14="http://schemas.microsoft.com/office/powerpoint/2010/main" val="1398949394"/>
       </p:ext>
     </p:extLst>
   </p:cSld>
@@ -11346,65 +9726,19 @@
           <a:lstStyle/>
           <a:p>
             <a:r>
-              <a:rPr lang="ko-KR" altLang="en-US" dirty="0"/>
-              <a:t>개요</a:t>
-            </a:r>
+              <a:rPr lang="en-US" altLang="ko-KR" dirty="0"/>
+              <a:t>Database Migration Tool</a:t>
+            </a:r>
+            <a:endParaRPr lang="ko-KR" altLang="en-US" dirty="0"/>
           </a:p>
         </p:txBody>
       </p:sp>
-      <p:pic>
-        <p:nvPicPr>
-          <p:cNvPr id="7" name="Picture 2" descr="flyway">
+      <p:sp>
+        <p:nvSpPr>
+          <p:cNvPr id="5" name="TextBox 4">
             <a:extLst>
               <a:ext uri="{FF2B5EF4-FFF2-40B4-BE49-F238E27FC236}">
-                <a16:creationId xmlns:a16="http://schemas.microsoft.com/office/drawing/2014/main" id="{497DBD34-3FD2-D7C8-EA9B-E9B5B21686F3}"/>
-              </a:ext>
-            </a:extLst>
-          </p:cNvPr>
-          <p:cNvPicPr>
-            <a:picLocks noChangeAspect="1" noChangeArrowheads="1"/>
-          </p:cNvPicPr>
-          <p:nvPr/>
-        </p:nvPicPr>
-        <p:blipFill>
-          <a:blip r:embed="rId2">
-            <a:extLst>
-              <a:ext uri="{28A0092B-C50C-407E-A947-70E740481C1C}">
-                <a14:useLocalDpi xmlns:a14="http://schemas.microsoft.com/office/drawing/2010/main" val="0"/>
-              </a:ext>
-            </a:extLst>
-          </a:blip>
-          <a:srcRect/>
-          <a:stretch>
-            <a:fillRect/>
-          </a:stretch>
-        </p:blipFill>
-        <p:spPr bwMode="auto">
-          <a:xfrm>
-            <a:off x="6672064" y="3140968"/>
-            <a:ext cx="4982140" cy="3313091"/>
-          </a:xfrm>
-          <a:prstGeom prst="rect">
-            <a:avLst/>
-          </a:prstGeom>
-          <a:noFill/>
-          <a:extLst>
-            <a:ext uri="{909E8E84-426E-40DD-AFC4-6F175D3DCCD1}">
-              <a14:hiddenFill xmlns:a14="http://schemas.microsoft.com/office/drawing/2010/main">
-                <a:solidFill>
-                  <a:srgbClr val="FFFFFF"/>
-                </a:solidFill>
-              </a14:hiddenFill>
-            </a:ext>
-          </a:extLst>
-        </p:spPr>
-      </p:pic>
-      <p:sp>
-        <p:nvSpPr>
-          <p:cNvPr id="4" name="TextBox 3">
-            <a:extLst>
-              <a:ext uri="{FF2B5EF4-FFF2-40B4-BE49-F238E27FC236}">
-                <a16:creationId xmlns:a16="http://schemas.microsoft.com/office/drawing/2014/main" id="{9E2017C2-9684-B840-2967-63C546BF36A5}"/>
+                <a16:creationId xmlns:a16="http://schemas.microsoft.com/office/drawing/2014/main" id="{AFC9B829-EF4F-64F7-1578-CFECBC395002}"/>
               </a:ext>
             </a:extLst>
           </p:cNvPr>
@@ -11413,8 +9747,8 @@
         </p:nvSpPr>
         <p:spPr>
           <a:xfrm>
-            <a:off x="258968" y="1268760"/>
-            <a:ext cx="6094562" cy="3108543"/>
+            <a:off x="226750" y="836712"/>
+            <a:ext cx="11692467" cy="1600438"/>
           </a:xfrm>
           <a:prstGeom prst="rect">
             <a:avLst/>
@@ -11422,18 +9756,39 @@
           <a:noFill/>
         </p:spPr>
         <p:txBody>
-          <a:bodyPr wrap="square">
+          <a:bodyPr wrap="square" rtlCol="0">
             <a:spAutoFit/>
           </a:bodyPr>
           <a:lstStyle/>
           <a:p>
             <a:r>
+              <a:rPr lang="en-US" altLang="ko-KR" b="1" dirty="0"/>
+              <a:t>Database Migration Tool</a:t>
+            </a:r>
+            <a:r>
+              <a:rPr lang="ko-KR" altLang="en-US" b="1" dirty="0"/>
+              <a:t>이란</a:t>
+            </a:r>
+            <a:r>
+              <a:rPr lang="en-US" altLang="ko-KR" b="1" dirty="0"/>
+              <a:t>?</a:t>
+            </a:r>
+          </a:p>
+          <a:p>
+            <a:endParaRPr lang="en-US" altLang="ko-KR" b="1" dirty="0"/>
+          </a:p>
+          <a:p>
+            <a:r>
+              <a:rPr lang="ko-KR" altLang="en-US" dirty="0"/>
+              <a:t>데이터 베이스의 변경 사항을 추적하고</a:t>
+            </a:r>
+            <a:r>
               <a:rPr lang="en-US" altLang="ko-KR" dirty="0"/>
-              <a:t>DB schema </a:t>
+              <a:t>, </a:t>
             </a:r>
             <a:r>
               <a:rPr lang="ko-KR" altLang="en-US" dirty="0"/>
-              <a:t>를 코드로 관리했을 때 얻을 수 있는 이점은 아래와 같습니다</a:t>
+              <a:t>업데이트나 롤백을 보다 쉽게 할 수 있도록 도와주는 도구이다</a:t>
             </a:r>
             <a:r>
               <a:rPr lang="en-US" altLang="ko-KR" dirty="0"/>
@@ -11441,47 +9796,40 @@
             </a:r>
           </a:p>
           <a:p>
+            <a:endParaRPr lang="en-US" altLang="ko-KR" dirty="0"/>
+          </a:p>
+          <a:p>
             <a:r>
               <a:rPr lang="en-US" altLang="ko-KR" dirty="0"/>
-              <a:t>DB schema </a:t>
+              <a:t>Spring Boot</a:t>
             </a:r>
             <a:r>
               <a:rPr lang="ko-KR" altLang="en-US" dirty="0"/>
-              <a:t>의 변경 이력이 남는다</a:t>
-            </a:r>
-          </a:p>
-          <a:p>
+              <a:t>에서는 기본적으로 </a:t>
+            </a:r>
             <a:r>
               <a:rPr lang="en-US" altLang="ko-KR" dirty="0"/>
-              <a:t>DB schema </a:t>
+              <a:t>Flyway</a:t>
             </a:r>
             <a:r>
               <a:rPr lang="ko-KR" altLang="en-US" dirty="0"/>
-              <a:t>도 어플리케이션 코드처럼 이력이 관리되어야 할 대상입니다</a:t>
+              <a:t>와 </a:t>
             </a:r>
             <a:r>
               <a:rPr lang="en-US" altLang="ko-KR" dirty="0"/>
-              <a:t>. </a:t>
+              <a:t>Liquibase</a:t>
             </a:r>
             <a:r>
               <a:rPr lang="ko-KR" altLang="en-US" dirty="0"/>
-              <a:t>예를 들어 뒤늦게 </a:t>
+              <a:t>라는 고수준의 </a:t>
             </a:r>
             <a:r>
               <a:rPr lang="en-US" altLang="ko-KR" dirty="0"/>
-              <a:t>DB schema </a:t>
+              <a:t>Database Migration Tool</a:t>
             </a:r>
             <a:r>
               <a:rPr lang="ko-KR" altLang="en-US" dirty="0"/>
-              <a:t>에서 어떤 문제가 발견되었다면</a:t>
-            </a:r>
-            <a:r>
-              <a:rPr lang="en-US" altLang="ko-KR" dirty="0"/>
-              <a:t>, </a:t>
-            </a:r>
-            <a:r>
-              <a:rPr lang="ko-KR" altLang="en-US" dirty="0"/>
-              <a:t>이력이 남아있지 않을 때와 남아있을 때의 문제 해결 난이도는 많이 다를 것입니다</a:t>
+              <a:t>을 지원한다</a:t>
             </a:r>
             <a:r>
               <a:rPr lang="en-US" altLang="ko-KR" dirty="0"/>
@@ -11489,125 +9837,77 @@
             </a:r>
           </a:p>
           <a:p>
-            <a:r>
-              <a:rPr lang="en-US" altLang="ko-KR" dirty="0"/>
-              <a:t>DB schema </a:t>
-            </a:r>
-            <a:r>
-              <a:rPr lang="ko-KR" altLang="en-US" dirty="0"/>
-              <a:t>변경 작업이 더 </a:t>
-            </a:r>
-            <a:r>
-              <a:rPr lang="ko-KR" altLang="en-US" dirty="0" err="1"/>
-              <a:t>안전해진다</a:t>
-            </a:r>
+            <a:endParaRPr lang="en-US" altLang="ko-KR" dirty="0"/>
+          </a:p>
+          <a:p>
             <a:endParaRPr lang="ko-KR" altLang="en-US" dirty="0"/>
-          </a:p>
-          <a:p>
-            <a:r>
-              <a:rPr lang="ko-KR" altLang="en-US" dirty="0"/>
-              <a:t>코드로 관리한다는 것은 프로그래밍을 할 수 있다는 것입니다</a:t>
-            </a:r>
-            <a:r>
-              <a:rPr lang="en-US" altLang="ko-KR" dirty="0"/>
-              <a:t>. </a:t>
-            </a:r>
-            <a:r>
-              <a:rPr lang="ko-KR" altLang="en-US" dirty="0"/>
-              <a:t>그래서 단순히 이력을 남기는 것에 그치지 않고 </a:t>
-            </a:r>
-            <a:r>
-              <a:rPr lang="en-US" altLang="ko-KR" dirty="0"/>
-              <a:t>DB migration </a:t>
-            </a:r>
-            <a:r>
-              <a:rPr lang="ko-KR" altLang="en-US" dirty="0"/>
-              <a:t>작업 자체를 코드로 할 수 있게 됩니다</a:t>
-            </a:r>
-            <a:r>
-              <a:rPr lang="en-US" altLang="ko-KR" dirty="0"/>
-              <a:t>. </a:t>
-            </a:r>
-            <a:r>
-              <a:rPr lang="ko-KR" altLang="en-US" dirty="0"/>
-              <a:t>사람이 직접 </a:t>
-            </a:r>
-            <a:r>
-              <a:rPr lang="en-US" altLang="ko-KR" dirty="0"/>
-              <a:t>DB </a:t>
-            </a:r>
-            <a:r>
-              <a:rPr lang="ko-KR" altLang="en-US" dirty="0"/>
-              <a:t>에 작업하는 대신 코드로 실행하기 때문에 빼먹거나 실수할 여지가 줄어들고</a:t>
-            </a:r>
-            <a:r>
-              <a:rPr lang="en-US" altLang="ko-KR" dirty="0"/>
-              <a:t>, </a:t>
-            </a:r>
-            <a:r>
-              <a:rPr lang="ko-KR" altLang="en-US" dirty="0"/>
-              <a:t>배포 시에 자동화도 가능합니다</a:t>
-            </a:r>
-            <a:r>
-              <a:rPr lang="en-US" altLang="ko-KR" dirty="0"/>
-              <a:t>.</a:t>
-            </a:r>
-          </a:p>
-          <a:p>
-            <a:r>
-              <a:rPr lang="ko-KR" altLang="en-US" dirty="0"/>
-              <a:t>더 많은 사람이 협업 하기에 </a:t>
-            </a:r>
-            <a:r>
-              <a:rPr lang="ko-KR" altLang="en-US" dirty="0" err="1"/>
-              <a:t>수월해진다</a:t>
-            </a:r>
-            <a:endParaRPr lang="ko-KR" altLang="en-US" dirty="0"/>
-          </a:p>
-          <a:p>
-            <a:r>
-              <a:rPr lang="ko-KR" altLang="en-US" dirty="0"/>
-              <a:t>코드로 관리가 되기 때문에 서로 리뷰를 받을 수 있어 미리 문제를 파악하기 좋고</a:t>
-            </a:r>
-            <a:r>
-              <a:rPr lang="en-US" altLang="ko-KR" dirty="0"/>
-              <a:t>, </a:t>
-            </a:r>
-            <a:r>
-              <a:rPr lang="ko-KR" altLang="en-US" dirty="0"/>
-              <a:t>실제 환경과 동일한 </a:t>
-            </a:r>
-            <a:r>
-              <a:rPr lang="en-US" altLang="ko-KR" dirty="0"/>
-              <a:t>local </a:t>
-            </a:r>
-            <a:r>
-              <a:rPr lang="ko-KR" altLang="en-US" dirty="0"/>
-              <a:t>환경을 구축하기 쉬워져서 </a:t>
-            </a:r>
-            <a:r>
-              <a:rPr lang="en-US" altLang="ko-KR" dirty="0"/>
-              <a:t>local </a:t>
-            </a:r>
-            <a:r>
-              <a:rPr lang="ko-KR" altLang="en-US" dirty="0"/>
-              <a:t>에서 개발하기가 훨씬 </a:t>
-            </a:r>
-            <a:r>
-              <a:rPr lang="ko-KR" altLang="en-US" dirty="0" err="1"/>
-              <a:t>수월해집니다</a:t>
-            </a:r>
-            <a:r>
-              <a:rPr lang="en-US" altLang="ko-KR" dirty="0"/>
-              <a:t>.</a:t>
-            </a:r>
           </a:p>
         </p:txBody>
       </p:sp>
+      <p:pic>
+        <p:nvPicPr>
+          <p:cNvPr id="6" name="그림 5">
+            <a:extLst>
+              <a:ext uri="{FF2B5EF4-FFF2-40B4-BE49-F238E27FC236}">
+                <a16:creationId xmlns:a16="http://schemas.microsoft.com/office/drawing/2014/main" id="{B0179164-8D52-2B5A-7C43-4F8CA9C3375C}"/>
+              </a:ext>
+            </a:extLst>
+          </p:cNvPr>
+          <p:cNvPicPr>
+            <a:picLocks noChangeAspect="1"/>
+          </p:cNvPicPr>
+          <p:nvPr/>
+        </p:nvPicPr>
+        <p:blipFill>
+          <a:blip r:embed="rId2"/>
+          <a:stretch>
+            <a:fillRect/>
+          </a:stretch>
+        </p:blipFill>
+        <p:spPr>
+          <a:xfrm>
+            <a:off x="275431" y="3284984"/>
+            <a:ext cx="5676553" cy="3045719"/>
+          </a:xfrm>
+          <a:prstGeom prst="rect">
+            <a:avLst/>
+          </a:prstGeom>
+        </p:spPr>
+      </p:pic>
+      <p:pic>
+        <p:nvPicPr>
+          <p:cNvPr id="9" name="그림 8">
+            <a:extLst>
+              <a:ext uri="{FF2B5EF4-FFF2-40B4-BE49-F238E27FC236}">
+                <a16:creationId xmlns:a16="http://schemas.microsoft.com/office/drawing/2014/main" id="{1038AB08-8A23-99DD-F57A-5268C86A164F}"/>
+              </a:ext>
+            </a:extLst>
+          </p:cNvPr>
+          <p:cNvPicPr>
+            <a:picLocks noChangeAspect="1"/>
+          </p:cNvPicPr>
+          <p:nvPr/>
+        </p:nvPicPr>
+        <p:blipFill>
+          <a:blip r:embed="rId3"/>
+          <a:stretch>
+            <a:fillRect/>
+          </a:stretch>
+        </p:blipFill>
+        <p:spPr>
+          <a:xfrm>
+            <a:off x="6096000" y="3483768"/>
+            <a:ext cx="5915109" cy="2855099"/>
+          </a:xfrm>
+          <a:prstGeom prst="rect">
+            <a:avLst/>
+          </a:prstGeom>
+        </p:spPr>
+      </p:pic>
     </p:spTree>
     <p:extLst>
       <p:ext uri="{BB962C8B-B14F-4D97-AF65-F5344CB8AC3E}">
-        <p14:creationId xmlns:p14="http://schemas.microsoft.com/office/powerpoint/2010/main" val="3533763785"/>
+        <p14:creationId xmlns:p14="http://schemas.microsoft.com/office/powerpoint/2010/main" val="3565413402"/>
       </p:ext>
     </p:extLst>
   </p:cSld>
@@ -11659,21 +9959,49 @@
           <a:lstStyle/>
           <a:p>
             <a:r>
-              <a:rPr lang="en-US" altLang="ko-KR" dirty="0">
-                <a:ea typeface="나눔고딕 ExtraBold" panose="020D0904000000000000" pitchFamily="50" charset="-127"/>
-              </a:rPr>
-              <a:t>Flyway</a:t>
+              <a:rPr lang="en-US" altLang="ko-KR" dirty="0"/>
+              <a:t>Database Migration Tool</a:t>
             </a:r>
             <a:endParaRPr lang="ko-KR" altLang="en-US" dirty="0"/>
           </a:p>
         </p:txBody>
       </p:sp>
+      <p:pic>
+        <p:nvPicPr>
+          <p:cNvPr id="4" name="그림 3">
+            <a:extLst>
+              <a:ext uri="{FF2B5EF4-FFF2-40B4-BE49-F238E27FC236}">
+                <a16:creationId xmlns:a16="http://schemas.microsoft.com/office/drawing/2014/main" id="{B4A42F9A-81F5-0515-6BB0-E412F2620FA9}"/>
+              </a:ext>
+            </a:extLst>
+          </p:cNvPr>
+          <p:cNvPicPr>
+            <a:picLocks noChangeAspect="1"/>
+          </p:cNvPicPr>
+          <p:nvPr/>
+        </p:nvPicPr>
+        <p:blipFill>
+          <a:blip r:embed="rId2"/>
+          <a:stretch>
+            <a:fillRect/>
+          </a:stretch>
+        </p:blipFill>
+        <p:spPr>
+          <a:xfrm>
+            <a:off x="7308829" y="836712"/>
+            <a:ext cx="4633407" cy="5733256"/>
+          </a:xfrm>
+          <a:prstGeom prst="rect">
+            <a:avLst/>
+          </a:prstGeom>
+        </p:spPr>
+      </p:pic>
       <p:sp>
         <p:nvSpPr>
-          <p:cNvPr id="4" name="TextBox 3">
+          <p:cNvPr id="7" name="TextBox 6">
             <a:extLst>
               <a:ext uri="{FF2B5EF4-FFF2-40B4-BE49-F238E27FC236}">
-                <a16:creationId xmlns:a16="http://schemas.microsoft.com/office/drawing/2014/main" id="{CE6B031B-ED7E-91FB-40D9-3ADFF7B4B950}"/>
+                <a16:creationId xmlns:a16="http://schemas.microsoft.com/office/drawing/2014/main" id="{97AB045F-813B-D930-D83A-BBE4788759C4}"/>
               </a:ext>
             </a:extLst>
           </p:cNvPr>
@@ -11682,8 +10010,8 @@
         </p:nvSpPr>
         <p:spPr>
           <a:xfrm>
-            <a:off x="249769" y="980728"/>
-            <a:ext cx="5630207" cy="1666546"/>
+            <a:off x="407368" y="1124744"/>
+            <a:ext cx="6840760" cy="2031325"/>
           </a:xfrm>
           <a:prstGeom prst="rect">
             <a:avLst/>
@@ -11696,221 +10024,301 @@
           </a:bodyPr>
           <a:lstStyle/>
           <a:p>
+            <a:pPr algn="l"/>
+            <a:r>
+              <a:rPr lang="en-US" altLang="ko-KR" b="1" i="0" dirty="0">
+                <a:solidFill>
+                  <a:srgbClr val="212529"/>
+                </a:solidFill>
+                <a:effectLst/>
+              </a:rPr>
+              <a:t>Flyway</a:t>
+            </a:r>
+          </a:p>
+          <a:p>
+            <a:endParaRPr lang="en-US" altLang="ko-KR" dirty="0"/>
+          </a:p>
+          <a:p>
             <a:pPr marL="285750" indent="-285750">
-              <a:lnSpc>
-                <a:spcPct val="150000"/>
-              </a:lnSpc>
               <a:buFont typeface="Arial" panose="020B0604020202020204" pitchFamily="34" charset="0"/>
               <a:buChar char="•"/>
             </a:pPr>
             <a:r>
               <a:rPr lang="en-US" altLang="ko-KR" dirty="0"/>
-              <a:t>Flyway</a:t>
+              <a:t>SQL </a:t>
             </a:r>
             <a:r>
               <a:rPr lang="ko-KR" altLang="en-US" dirty="0"/>
-              <a:t>란</a:t>
+              <a:t>또는 </a:t>
             </a:r>
             <a:r>
               <a:rPr lang="en-US" altLang="ko-KR" dirty="0"/>
-              <a:t>?</a:t>
-            </a:r>
-          </a:p>
-          <a:p>
-            <a:pPr marL="742939" lvl="1" indent="-285750">
-              <a:lnSpc>
-                <a:spcPct val="150000"/>
-              </a:lnSpc>
+              <a:t>Java </a:t>
+            </a:r>
+            <a:r>
+              <a:rPr lang="ko-KR" altLang="en-US" dirty="0"/>
+              <a:t>코드로 작성된 스크립트를 기반으로 하며</a:t>
+            </a:r>
+            <a:r>
+              <a:rPr lang="en-US" altLang="ko-KR" dirty="0"/>
+              <a:t>, Gradle, Maven, CLI, Java API </a:t>
+            </a:r>
+            <a:r>
+              <a:rPr lang="ko-KR" altLang="en-US" dirty="0"/>
+              <a:t>로 실행할 수 있다</a:t>
+            </a:r>
+            <a:r>
+              <a:rPr lang="en-US" altLang="ko-KR" dirty="0"/>
+              <a:t>.</a:t>
+            </a:r>
+          </a:p>
+          <a:p>
+            <a:pPr marL="285750" indent="-285750">
               <a:buFont typeface="Arial" panose="020B0604020202020204" pitchFamily="34" charset="0"/>
               <a:buChar char="•"/>
             </a:pPr>
             <a:r>
               <a:rPr lang="en-US" altLang="ko-KR" dirty="0"/>
-              <a:t>Flyway </a:t>
+              <a:t>BLOB, CLOB </a:t>
             </a:r>
             <a:r>
               <a:rPr lang="ko-KR" altLang="en-US" dirty="0"/>
-              <a:t>공식 문서에서는 </a:t>
-            </a:r>
-            <a:r>
-              <a:rPr lang="en-US" altLang="ko-KR" dirty="0"/>
-              <a:t>Flyway</a:t>
-            </a:r>
+              <a:t>변경 또는 고급 대량 데이터 변경과 같은 복잡한 마이그레이션을 지원</a:t>
+            </a:r>
+            <a:endParaRPr lang="en-US" altLang="ko-KR" dirty="0"/>
+          </a:p>
+          <a:p>
+            <a:pPr marL="285750" indent="-285750">
+              <a:buFont typeface="Arial" panose="020B0604020202020204" pitchFamily="34" charset="0"/>
+              <a:buChar char="•"/>
+            </a:pPr>
             <a:r>
               <a:rPr lang="ko-KR" altLang="en-US" dirty="0"/>
-              <a:t>를</a:t>
-            </a:r>
-            <a:r>
-              <a:rPr lang="en-US" altLang="ko-KR" dirty="0"/>
-              <a:t> “Flyway is an open-source database migration tool” </a:t>
-            </a:r>
+              <a:t>유료버전에서만 롤백을 지원</a:t>
+            </a:r>
+            <a:endParaRPr lang="en-US" altLang="ko-KR" dirty="0"/>
+          </a:p>
+          <a:p>
+            <a:pPr marL="285750" indent="-285750">
+              <a:buFont typeface="Arial" panose="020B0604020202020204" pitchFamily="34" charset="0"/>
+              <a:buChar char="•"/>
+            </a:pPr>
             <a:r>
               <a:rPr lang="ko-KR" altLang="en-US" dirty="0"/>
-              <a:t>이라고 정의한다</a:t>
+              <a:t>선형적으로 버전을 관리하여 변경사항의 순서가 스크립트 이름에 따라 다르기 때문에 스크립트 파일의 명명규칙을 따라야한다</a:t>
             </a:r>
             <a:r>
               <a:rPr lang="en-US" altLang="ko-KR" dirty="0"/>
               <a:t>.</a:t>
             </a:r>
           </a:p>
+        </p:txBody>
+      </p:sp>
+      <p:sp>
+        <p:nvSpPr>
+          <p:cNvPr id="8" name="TextBox 7">
+            <a:extLst>
+              <a:ext uri="{FF2B5EF4-FFF2-40B4-BE49-F238E27FC236}">
+                <a16:creationId xmlns:a16="http://schemas.microsoft.com/office/drawing/2014/main" id="{3A8B37C1-17CE-EABE-16D6-31C148A13539}"/>
+              </a:ext>
+            </a:extLst>
+          </p:cNvPr>
+          <p:cNvSpPr txBox="1"/>
+          <p:nvPr/>
+        </p:nvSpPr>
+        <p:spPr>
+          <a:xfrm>
+            <a:off x="465300" y="3256199"/>
+            <a:ext cx="6494796" cy="2677656"/>
+          </a:xfrm>
+          <a:prstGeom prst="rect">
+            <a:avLst/>
+          </a:prstGeom>
+          <a:noFill/>
+        </p:spPr>
+        <p:txBody>
+          <a:bodyPr wrap="square" rtlCol="0">
+            <a:spAutoFit/>
+          </a:bodyPr>
+          <a:lstStyle/>
+          <a:p>
+            <a:pPr algn="l"/>
+            <a:r>
+              <a:rPr lang="en-US" altLang="ko-KR" b="1" dirty="0">
+                <a:solidFill>
+                  <a:srgbClr val="212529"/>
+                </a:solidFill>
+              </a:rPr>
+              <a:t>Liquibase</a:t>
+            </a:r>
+          </a:p>
+          <a:p>
+            <a:pPr algn="l"/>
+            <a:endParaRPr lang="en-US" altLang="ko-KR" dirty="0"/>
+          </a:p>
+          <a:p>
+            <a:pPr marL="285750" indent="-285750">
+              <a:buFont typeface="Arial" panose="020B0604020202020204" pitchFamily="34" charset="0"/>
+              <a:buChar char="•"/>
+            </a:pPr>
+            <a:r>
+              <a:rPr lang="en-US" altLang="ko-KR" dirty="0"/>
+              <a:t>SQL, XML, YAML, JSON</a:t>
+            </a:r>
+            <a:r>
+              <a:rPr lang="ko-KR" altLang="en-US" dirty="0"/>
+              <a:t>으로 작성할 수 있는 변경 로그 및 변경 집합 파일을 기반으로 하며</a:t>
+            </a:r>
+            <a:r>
+              <a:rPr lang="en-US" altLang="ko-KR" dirty="0"/>
+              <a:t>, Gradle, Maven, CLI</a:t>
+            </a:r>
+            <a:r>
+              <a:rPr lang="ko-KR" altLang="en-US" dirty="0"/>
+              <a:t>로 실행할 수 있다</a:t>
+            </a:r>
+            <a:r>
+              <a:rPr lang="en-US" altLang="ko-KR" dirty="0"/>
+              <a:t>.</a:t>
+            </a:r>
+          </a:p>
+          <a:p>
+            <a:pPr marL="285750" indent="-285750">
+              <a:buFont typeface="Arial" panose="020B0604020202020204" pitchFamily="34" charset="0"/>
+              <a:buChar char="•"/>
+            </a:pPr>
+            <a:r>
+              <a:rPr lang="ko-KR" altLang="en-US" dirty="0"/>
+              <a:t>추상화를 제공하여 서로 다른 기본 데이터베이스가 서로 다른 환경에서 구동되는 경우에 적합하다</a:t>
+            </a:r>
+            <a:r>
+              <a:rPr lang="en-US" altLang="ko-KR" dirty="0"/>
+              <a:t>.</a:t>
+            </a:r>
+          </a:p>
+          <a:p>
+            <a:pPr marL="285750" indent="-285750">
+              <a:buFont typeface="Arial" panose="020B0604020202020204" pitchFamily="34" charset="0"/>
+              <a:buChar char="•"/>
+            </a:pPr>
+            <a:r>
+              <a:rPr lang="ko-KR" altLang="en-US" dirty="0"/>
+              <a:t>무료 버전에서 </a:t>
+            </a:r>
+            <a:r>
+              <a:rPr lang="en-US" altLang="ko-KR" dirty="0"/>
+              <a:t>Diff</a:t>
+            </a:r>
+            <a:r>
+              <a:rPr lang="ko-KR" altLang="en-US" dirty="0"/>
+              <a:t>를 생성할 수 있다</a:t>
+            </a:r>
+            <a:r>
+              <a:rPr lang="en-US" altLang="ko-KR" dirty="0"/>
+              <a:t>.(flyway</a:t>
+            </a:r>
+            <a:r>
+              <a:rPr lang="ko-KR" altLang="en-US" dirty="0"/>
+              <a:t>는 안됨</a:t>
+            </a:r>
+            <a:r>
+              <a:rPr lang="en-US" altLang="ko-KR" dirty="0"/>
+              <a:t>)</a:t>
+            </a:r>
+          </a:p>
           <a:p>
             <a:pPr marL="742939" lvl="1" indent="-285750">
-              <a:lnSpc>
-                <a:spcPct val="150000"/>
-              </a:lnSpc>
+              <a:buFont typeface="Arial" panose="020B0604020202020204" pitchFamily="34" charset="0"/>
+              <a:buChar char="•"/>
+            </a:pPr>
+            <a:r>
+              <a:rPr lang="ko-KR" altLang="en-US" dirty="0"/>
+              <a:t>그러나 </a:t>
+            </a:r>
+            <a:r>
+              <a:rPr lang="en-US" altLang="ko-KR" dirty="0" err="1"/>
+              <a:t>Intellij</a:t>
+            </a:r>
+            <a:r>
+              <a:rPr lang="ko-KR" altLang="en-US" dirty="0"/>
+              <a:t>의 </a:t>
+            </a:r>
+            <a:r>
+              <a:rPr lang="en-US" altLang="ko-KR" dirty="0"/>
+              <a:t>JPA Buddy </a:t>
+            </a:r>
+            <a:r>
+              <a:rPr lang="ko-KR" altLang="en-US" dirty="0"/>
+              <a:t>플러그인을 이용해 </a:t>
+            </a:r>
+            <a:r>
+              <a:rPr lang="en-US" altLang="ko-KR" dirty="0"/>
+              <a:t>flyway</a:t>
+            </a:r>
+            <a:r>
+              <a:rPr lang="ko-KR" altLang="en-US" dirty="0"/>
+              <a:t>의 </a:t>
+            </a:r>
+            <a:r>
+              <a:rPr lang="en-US" altLang="ko-KR" dirty="0"/>
+              <a:t>Diff </a:t>
+            </a:r>
+            <a:r>
+              <a:rPr lang="ko-KR" altLang="en-US" dirty="0"/>
+              <a:t>지원</a:t>
+            </a:r>
+            <a:endParaRPr lang="en-US" altLang="ko-KR" dirty="0"/>
+          </a:p>
+          <a:p>
+            <a:pPr marL="285750" indent="-285750">
+              <a:buFont typeface="Arial" panose="020B0604020202020204" pitchFamily="34" charset="0"/>
+              <a:buChar char="•"/>
+            </a:pPr>
+            <a:r>
+              <a:rPr lang="ko-KR" altLang="en-US" dirty="0"/>
+              <a:t>무료버전에서도 롤백을 지원</a:t>
+            </a:r>
+            <a:endParaRPr lang="en-US" altLang="ko-KR" dirty="0"/>
+          </a:p>
+          <a:p>
+            <a:pPr marL="285750" indent="-285750">
+              <a:buFont typeface="Arial" panose="020B0604020202020204" pitchFamily="34" charset="0"/>
+              <a:buChar char="•"/>
+            </a:pPr>
+            <a:r>
+              <a:rPr lang="ko-KR" altLang="en-US" b="0" i="0" dirty="0">
+                <a:solidFill>
+                  <a:srgbClr val="212529"/>
+                </a:solidFill>
+                <a:effectLst/>
+                <a:latin typeface="-apple-system"/>
+              </a:rPr>
+              <a:t>고유한 식별체계를 사용하여 변경로그를 이용해 데이터베이스 변경순서를 쉽게 관리할 수 있다</a:t>
+            </a:r>
+            <a:r>
+              <a:rPr lang="en-US" altLang="ko-KR" b="0" i="0" dirty="0">
+                <a:solidFill>
+                  <a:srgbClr val="212529"/>
+                </a:solidFill>
+                <a:effectLst/>
+                <a:latin typeface="-apple-system"/>
+              </a:rPr>
+              <a:t>.</a:t>
+            </a:r>
+          </a:p>
+          <a:p>
+            <a:pPr marL="285750" indent="-285750">
               <a:buFont typeface="Arial" panose="020B0604020202020204" pitchFamily="34" charset="0"/>
               <a:buChar char="•"/>
             </a:pPr>
             <a:endParaRPr lang="en-US" altLang="ko-KR" dirty="0"/>
           </a:p>
-          <a:p>
-            <a:pPr marL="742939" lvl="1" indent="-285750">
-              <a:lnSpc>
-                <a:spcPct val="150000"/>
-              </a:lnSpc>
-              <a:buFont typeface="Arial" panose="020B0604020202020204" pitchFamily="34" charset="0"/>
-              <a:buChar char="•"/>
-            </a:pPr>
-            <a:endParaRPr lang="en-US" altLang="ko-KR" dirty="0"/>
-          </a:p>
         </p:txBody>
       </p:sp>
-      <p:sp>
-        <p:nvSpPr>
-          <p:cNvPr id="13" name="Rectangle 7">
-            <a:extLst>
-              <a:ext uri="{FF2B5EF4-FFF2-40B4-BE49-F238E27FC236}">
-                <a16:creationId xmlns:a16="http://schemas.microsoft.com/office/drawing/2014/main" id="{02D53F0C-773F-26CE-B967-8C6EABC24ADD}"/>
-              </a:ext>
-            </a:extLst>
-          </p:cNvPr>
-          <p:cNvSpPr>
-            <a:spLocks noChangeArrowheads="1"/>
-          </p:cNvSpPr>
-          <p:nvPr/>
-        </p:nvSpPr>
-        <p:spPr bwMode="auto">
-          <a:xfrm>
-            <a:off x="0" y="-25315"/>
-            <a:ext cx="184731" cy="507831"/>
-          </a:xfrm>
-          <a:prstGeom prst="rect">
-            <a:avLst/>
-          </a:prstGeom>
-          <a:solidFill>
-            <a:srgbClr val="262335"/>
-          </a:solidFill>
-          <a:ln>
-            <a:noFill/>
-          </a:ln>
-          <a:effectLst/>
-          <a:extLst>
-            <a:ext uri="{91240B29-F687-4F45-9708-019B960494DF}">
-              <a14:hiddenLine xmlns:a14="http://schemas.microsoft.com/office/drawing/2010/main" w="9525">
-                <a:solidFill>
-                  <a:schemeClr val="tx1"/>
-                </a:solidFill>
-                <a:miter lim="800000"/>
-                <a:headEnd/>
-                <a:tailEnd/>
-              </a14:hiddenLine>
-            </a:ext>
-            <a:ext uri="{AF507438-7753-43E0-B8FC-AC1667EBCBE1}">
-              <a14:hiddenEffects xmlns:a14="http://schemas.microsoft.com/office/drawing/2010/main">
-                <a:effectLst>
-                  <a:outerShdw dist="35921" dir="2700000" algn="ctr" rotWithShape="0">
-                    <a:schemeClr val="bg2"/>
-                  </a:outerShdw>
-                </a:effectLst>
-              </a14:hiddenEffects>
-            </a:ext>
-          </a:extLst>
-        </p:spPr>
-        <p:txBody>
-          <a:bodyPr vert="horz" wrap="none" lIns="91440" tIns="45720" rIns="91440" bIns="45720" numCol="1" anchor="ctr" anchorCtr="0" compatLnSpc="1">
-            <a:prstTxWarp prst="textNoShape">
-              <a:avLst/>
-            </a:prstTxWarp>
-            <a:spAutoFit/>
-          </a:bodyPr>
-          <a:lstStyle/>
-          <a:p>
-            <a:pPr marL="0" marR="0" lvl="0" indent="0" algn="l" defTabSz="914400" rtl="0" eaLnBrk="0" fontAlgn="base" latinLnBrk="0" hangingPunct="0">
-              <a:lnSpc>
-                <a:spcPct val="100000"/>
-              </a:lnSpc>
-              <a:spcBef>
-                <a:spcPct val="0"/>
-              </a:spcBef>
-              <a:spcAft>
-                <a:spcPct val="0"/>
-              </a:spcAft>
-              <a:buClrTx/>
-              <a:buSzTx/>
-              <a:buFontTx/>
-              <a:buNone/>
-              <a:tabLst/>
-            </a:pPr>
-            <a:br>
-              <a:rPr kumimoji="0" lang="ko-KR" altLang="ko-KR" sz="900" b="0" i="0" u="none" strike="noStrike" cap="none" normalizeH="0" baseline="0" dirty="0">
-                <a:ln>
-                  <a:noFill/>
-                </a:ln>
-                <a:solidFill>
-                  <a:srgbClr val="FFFFFF"/>
-                </a:solidFill>
-                <a:effectLst/>
-                <a:latin typeface="Arial Unicode MS"/>
-                <a:ea typeface="JetBrains Mono"/>
-              </a:rPr>
-            </a:br>
-            <a:endParaRPr kumimoji="0" lang="ko-KR" altLang="ko-KR" sz="1800" b="0" i="0" u="none" strike="noStrike" cap="none" normalizeH="0" baseline="0" dirty="0">
-              <a:ln>
-                <a:noFill/>
-              </a:ln>
-              <a:solidFill>
-                <a:schemeClr val="tx1"/>
-              </a:solidFill>
-              <a:effectLst/>
-              <a:latin typeface="Arial" panose="020B0604020202020204" pitchFamily="34" charset="0"/>
-            </a:endParaRPr>
-          </a:p>
-        </p:txBody>
-      </p:sp>
-      <p:pic>
-        <p:nvPicPr>
-          <p:cNvPr id="15" name="그림 14">
-            <a:extLst>
-              <a:ext uri="{FF2B5EF4-FFF2-40B4-BE49-F238E27FC236}">
-                <a16:creationId xmlns:a16="http://schemas.microsoft.com/office/drawing/2014/main" id="{BAD827BC-1465-43EE-1835-0E2FDB9BE997}"/>
-              </a:ext>
-            </a:extLst>
-          </p:cNvPr>
-          <p:cNvPicPr>
-            <a:picLocks noChangeAspect="1"/>
-          </p:cNvPicPr>
-          <p:nvPr/>
-        </p:nvPicPr>
-        <p:blipFill>
-          <a:blip r:embed="rId3"/>
-          <a:stretch>
-            <a:fillRect/>
-          </a:stretch>
-        </p:blipFill>
-        <p:spPr>
-          <a:xfrm>
-            <a:off x="5879976" y="1044044"/>
-            <a:ext cx="6062260" cy="3252668"/>
-          </a:xfrm>
-          <a:prstGeom prst="rect">
-            <a:avLst/>
-          </a:prstGeom>
-        </p:spPr>
-      </p:pic>
     </p:spTree>
     <p:extLst>
       <p:ext uri="{BB962C8B-B14F-4D97-AF65-F5344CB8AC3E}">
-        <p14:creationId xmlns:p14="http://schemas.microsoft.com/office/powerpoint/2010/main" val="2684801044"/>
+        <p14:creationId xmlns:p14="http://schemas.microsoft.com/office/powerpoint/2010/main" val="3168175187"/>
       </p:ext>
     </p:extLst>
   </p:cSld>
@@ -11965,7 +10373,13 @@
               <a:rPr lang="en-US" altLang="ko-KR" dirty="0">
                 <a:ea typeface="나눔고딕 ExtraBold" panose="020D0904000000000000" pitchFamily="50" charset="-127"/>
               </a:rPr>
-              <a:t>Flyway</a:t>
+              <a:t>Flyway </a:t>
+            </a:r>
+            <a:r>
+              <a:rPr lang="ko-KR" altLang="en-US" dirty="0">
+                <a:ea typeface="나눔고딕 ExtraBold" panose="020D0904000000000000" pitchFamily="50" charset="-127"/>
+              </a:rPr>
+              <a:t>적용 방법</a:t>
             </a:r>
             <a:endParaRPr lang="ko-KR" altLang="en-US" dirty="0"/>
           </a:p>
@@ -11985,8 +10399,8 @@
         </p:nvSpPr>
         <p:spPr>
           <a:xfrm>
-            <a:off x="249769" y="980728"/>
-            <a:ext cx="11692467" cy="1923604"/>
+            <a:off x="248305" y="908720"/>
+            <a:ext cx="4911591" cy="2893100"/>
           </a:xfrm>
           <a:prstGeom prst="rect">
             <a:avLst/>
@@ -11999,6 +10413,18 @@
           </a:bodyPr>
           <a:lstStyle/>
           <a:p>
+            <a:pPr>
+              <a:lnSpc>
+                <a:spcPct val="150000"/>
+              </a:lnSpc>
+            </a:pPr>
+            <a:r>
+              <a:rPr lang="ko-KR" altLang="en-US" b="1" dirty="0"/>
+              <a:t>의존성 추가</a:t>
+            </a:r>
+            <a:endParaRPr lang="en-US" altLang="ko-KR" b="1" dirty="0"/>
+          </a:p>
+          <a:p>
             <a:pPr marL="285750" indent="-285750">
               <a:lnSpc>
                 <a:spcPct val="150000"/>
@@ -12006,11 +10432,36 @@
               <a:buFont typeface="Arial" panose="020B0604020202020204" pitchFamily="34" charset="0"/>
               <a:buChar char="•"/>
             </a:pPr>
+            <a:endParaRPr lang="en-US" altLang="ko-KR" dirty="0"/>
+          </a:p>
+          <a:p>
+            <a:pPr marL="285750" indent="-285750">
+              <a:lnSpc>
+                <a:spcPct val="150000"/>
+              </a:lnSpc>
+              <a:buFont typeface="Arial" panose="020B0604020202020204" pitchFamily="34" charset="0"/>
+              <a:buChar char="•"/>
+            </a:pPr>
+            <a:r>
+              <a:rPr lang="en-US" altLang="ko-KR" dirty="0" err="1"/>
+              <a:t>build.gradle</a:t>
+            </a:r>
             <a:r>
               <a:rPr lang="ko-KR" altLang="en-US" dirty="0"/>
-              <a:t>환경 설정</a:t>
-            </a:r>
-            <a:endParaRPr lang="en-US" altLang="ko-KR" dirty="0"/>
+              <a:t>의 </a:t>
+            </a:r>
+            <a:r>
+              <a:rPr lang="en-US" altLang="ko-KR" dirty="0"/>
+              <a:t>dependencies</a:t>
+            </a:r>
+            <a:r>
+              <a:rPr lang="ko-KR" altLang="en-US" dirty="0"/>
+              <a:t>에 아래에 대한 의존성을 추가한다</a:t>
+            </a:r>
+            <a:r>
+              <a:rPr lang="en-US" altLang="ko-KR" dirty="0"/>
+              <a:t>.</a:t>
+            </a:r>
           </a:p>
           <a:p>
             <a:pPr marL="742939" lvl="1" indent="-285750">
@@ -12090,8 +10541,8 @@
         </p:nvSpPr>
         <p:spPr bwMode="auto">
           <a:xfrm>
-            <a:off x="304396" y="3946585"/>
-            <a:ext cx="11661865" cy="2523768"/>
+            <a:off x="5337313" y="1628800"/>
+            <a:ext cx="6604923" cy="2031325"/>
           </a:xfrm>
           <a:prstGeom prst="rect">
             <a:avLst/>
@@ -12151,7 +10602,7 @@
               <a:tabLst/>
             </a:pPr>
             <a:r>
-              <a:rPr kumimoji="0" lang="ko-KR" altLang="ko-KR" sz="1300" b="0" i="0" u="none" strike="noStrike" cap="none" normalizeH="0" baseline="0" dirty="0" err="1">
+              <a:rPr kumimoji="0" lang="ko-KR" altLang="ko-KR" sz="1050" b="0" i="0" u="none" strike="noStrike" cap="none" normalizeH="0" baseline="0" dirty="0" err="1">
                 <a:ln>
                   <a:noFill/>
                 </a:ln>
@@ -12165,7 +10616,7 @@
               <a:t>dependencies</a:t>
             </a:r>
             <a:r>
-              <a:rPr kumimoji="0" lang="ko-KR" altLang="ko-KR" sz="1300" b="0" i="0" u="none" strike="noStrike" cap="none" normalizeH="0" baseline="0" dirty="0">
+              <a:rPr kumimoji="0" lang="ko-KR" altLang="ko-KR" sz="1050" b="0" i="0" u="none" strike="noStrike" cap="none" normalizeH="0" baseline="0" dirty="0">
                 <a:ln>
                   <a:noFill/>
                 </a:ln>
@@ -12179,7 +10630,7 @@
               <a:t> </a:t>
             </a:r>
             <a:r>
-              <a:rPr kumimoji="0" lang="ko-KR" altLang="ko-KR" sz="1300" b="0" i="0" u="none" strike="noStrike" cap="none" normalizeH="0" baseline="0" dirty="0">
+              <a:rPr kumimoji="0" lang="ko-KR" altLang="ko-KR" sz="1050" b="0" i="0" u="none" strike="noStrike" cap="none" normalizeH="0" baseline="0" dirty="0">
                 <a:ln>
                   <a:noFill/>
                 </a:ln>
@@ -12193,7 +10644,7 @@
               <a:t>{</a:t>
             </a:r>
             <a:br>
-              <a:rPr kumimoji="0" lang="ko-KR" altLang="ko-KR" sz="1300" b="0" i="0" u="none" strike="noStrike" cap="none" normalizeH="0" baseline="0" dirty="0">
+              <a:rPr kumimoji="0" lang="ko-KR" altLang="ko-KR" sz="1050" b="0" i="0" u="none" strike="noStrike" cap="none" normalizeH="0" baseline="0" dirty="0">
                 <a:ln>
                   <a:noFill/>
                 </a:ln>
@@ -12206,7 +10657,7 @@
               </a:rPr>
             </a:br>
             <a:r>
-              <a:rPr kumimoji="0" lang="ko-KR" altLang="ko-KR" sz="1300" b="0" i="0" u="none" strike="noStrike" cap="none" normalizeH="0" baseline="0" dirty="0">
+              <a:rPr kumimoji="0" lang="ko-KR" altLang="ko-KR" sz="1050" b="0" i="0" u="none" strike="noStrike" cap="none" normalizeH="0" baseline="0" dirty="0">
                 <a:ln>
                   <a:noFill/>
                 </a:ln>
@@ -12220,7 +10671,7 @@
               <a:t>    </a:t>
             </a:r>
             <a:r>
-              <a:rPr kumimoji="0" lang="ko-KR" altLang="ko-KR" sz="1300" b="0" i="0" u="none" strike="noStrike" cap="none" normalizeH="0" baseline="0" dirty="0" err="1">
+              <a:rPr kumimoji="0" lang="ko-KR" altLang="ko-KR" sz="1050" b="0" i="0" u="none" strike="noStrike" cap="none" normalizeH="0" baseline="0" dirty="0" err="1">
                 <a:ln>
                   <a:noFill/>
                 </a:ln>
@@ -12234,7 +10685,7 @@
               <a:t>implementation</a:t>
             </a:r>
             <a:r>
-              <a:rPr kumimoji="0" lang="ko-KR" altLang="ko-KR" sz="1300" b="0" i="0" u="none" strike="noStrike" cap="none" normalizeH="0" baseline="0" dirty="0">
+              <a:rPr kumimoji="0" lang="ko-KR" altLang="ko-KR" sz="1050" b="0" i="0" u="none" strike="noStrike" cap="none" normalizeH="0" baseline="0" dirty="0">
                 <a:ln>
                   <a:noFill/>
                 </a:ln>
@@ -12248,7 +10699,7 @@
               <a:t> </a:t>
             </a:r>
             <a:r>
-              <a:rPr kumimoji="0" lang="ko-KR" altLang="ko-KR" sz="1300" b="0" i="0" u="none" strike="noStrike" cap="none" normalizeH="0" baseline="0" dirty="0">
+              <a:rPr kumimoji="0" lang="ko-KR" altLang="ko-KR" sz="1050" b="0" i="0" u="none" strike="noStrike" cap="none" normalizeH="0" baseline="0" dirty="0">
                 <a:ln>
                   <a:noFill/>
                 </a:ln>
@@ -12262,7 +10713,7 @@
               <a:t>'</a:t>
             </a:r>
             <a:r>
-              <a:rPr kumimoji="0" lang="ko-KR" altLang="ko-KR" sz="1300" b="0" i="0" u="none" strike="noStrike" cap="none" normalizeH="0" baseline="0" dirty="0" err="1">
+              <a:rPr kumimoji="0" lang="ko-KR" altLang="ko-KR" sz="1050" b="0" i="0" u="none" strike="noStrike" cap="none" normalizeH="0" baseline="0" dirty="0" err="1">
                 <a:ln>
                   <a:noFill/>
                 </a:ln>
@@ -12276,7 +10727,7 @@
               <a:t>org.springframework.boot:spring-boot-starter-data-jdbc</a:t>
             </a:r>
             <a:r>
-              <a:rPr kumimoji="0" lang="ko-KR" altLang="ko-KR" sz="1300" b="0" i="0" u="none" strike="noStrike" cap="none" normalizeH="0" baseline="0" dirty="0">
+              <a:rPr kumimoji="0" lang="ko-KR" altLang="ko-KR" sz="1050" b="0" i="0" u="none" strike="noStrike" cap="none" normalizeH="0" baseline="0" dirty="0">
                 <a:ln>
                   <a:noFill/>
                 </a:ln>
@@ -12290,7 +10741,7 @@
               <a:t>'</a:t>
             </a:r>
             <a:br>
-              <a:rPr kumimoji="0" lang="ko-KR" altLang="ko-KR" sz="1300" b="0" i="0" u="none" strike="noStrike" cap="none" normalizeH="0" baseline="0" dirty="0">
+              <a:rPr kumimoji="0" lang="ko-KR" altLang="ko-KR" sz="1050" b="0" i="0" u="none" strike="noStrike" cap="none" normalizeH="0" baseline="0" dirty="0">
                 <a:ln>
                   <a:noFill/>
                 </a:ln>
@@ -12303,7 +10754,7 @@
               </a:rPr>
             </a:br>
             <a:r>
-              <a:rPr kumimoji="0" lang="ko-KR" altLang="ko-KR" sz="1300" b="0" i="0" u="none" strike="noStrike" cap="none" normalizeH="0" baseline="0" dirty="0">
+              <a:rPr kumimoji="0" lang="ko-KR" altLang="ko-KR" sz="1050" b="0" i="0" u="none" strike="noStrike" cap="none" normalizeH="0" baseline="0" dirty="0">
                 <a:ln>
                   <a:noFill/>
                 </a:ln>
@@ -12317,7 +10768,7 @@
               <a:t>    </a:t>
             </a:r>
             <a:r>
-              <a:rPr kumimoji="0" lang="ko-KR" altLang="ko-KR" sz="1300" b="0" i="0" u="none" strike="noStrike" cap="none" normalizeH="0" baseline="0" dirty="0" err="1">
+              <a:rPr kumimoji="0" lang="ko-KR" altLang="ko-KR" sz="1050" b="0" i="0" u="none" strike="noStrike" cap="none" normalizeH="0" baseline="0" dirty="0" err="1">
                 <a:ln>
                   <a:noFill/>
                 </a:ln>
@@ -12331,7 +10782,7 @@
               <a:t>implementation</a:t>
             </a:r>
             <a:r>
-              <a:rPr kumimoji="0" lang="ko-KR" altLang="ko-KR" sz="1300" b="0" i="0" u="none" strike="noStrike" cap="none" normalizeH="0" baseline="0" dirty="0">
+              <a:rPr kumimoji="0" lang="ko-KR" altLang="ko-KR" sz="1050" b="0" i="0" u="none" strike="noStrike" cap="none" normalizeH="0" baseline="0" dirty="0">
                 <a:ln>
                   <a:noFill/>
                 </a:ln>
@@ -12345,7 +10796,7 @@
               <a:t> </a:t>
             </a:r>
             <a:r>
-              <a:rPr kumimoji="0" lang="ko-KR" altLang="ko-KR" sz="1300" b="0" i="0" u="none" strike="noStrike" cap="none" normalizeH="0" baseline="0" dirty="0">
+              <a:rPr kumimoji="0" lang="ko-KR" altLang="ko-KR" sz="1050" b="0" i="0" u="none" strike="noStrike" cap="none" normalizeH="0" baseline="0" dirty="0">
                 <a:ln>
                   <a:noFill/>
                 </a:ln>
@@ -12359,7 +10810,7 @@
               <a:t>'</a:t>
             </a:r>
             <a:r>
-              <a:rPr kumimoji="0" lang="ko-KR" altLang="ko-KR" sz="1300" b="0" i="0" u="none" strike="noStrike" cap="none" normalizeH="0" baseline="0" dirty="0" err="1">
+              <a:rPr kumimoji="0" lang="ko-KR" altLang="ko-KR" sz="1050" b="0" i="0" u="none" strike="noStrike" cap="none" normalizeH="0" baseline="0" dirty="0" err="1">
                 <a:ln>
                   <a:noFill/>
                 </a:ln>
@@ -12373,7 +10824,7 @@
               <a:t>org.springframework.boot:spring-boot-starter-data-jpa</a:t>
             </a:r>
             <a:r>
-              <a:rPr kumimoji="0" lang="ko-KR" altLang="ko-KR" sz="1300" b="0" i="0" u="none" strike="noStrike" cap="none" normalizeH="0" baseline="0" dirty="0">
+              <a:rPr kumimoji="0" lang="ko-KR" altLang="ko-KR" sz="1050" b="0" i="0" u="none" strike="noStrike" cap="none" normalizeH="0" baseline="0" dirty="0">
                 <a:ln>
                   <a:noFill/>
                 </a:ln>
@@ -12386,7 +10837,7 @@
               </a:rPr>
               <a:t>’</a:t>
             </a:r>
-            <a:endParaRPr kumimoji="0" lang="en-US" altLang="ko-KR" sz="1300" b="0" i="0" u="none" strike="noStrike" cap="none" normalizeH="0" baseline="0" dirty="0">
+            <a:endParaRPr kumimoji="0" lang="en-US" altLang="ko-KR" sz="1050" b="0" i="0" u="none" strike="noStrike" cap="none" normalizeH="0" baseline="0" dirty="0">
               <a:ln>
                 <a:noFill/>
               </a:ln>
@@ -12415,7 +10866,7 @@
               <a:buNone/>
               <a:tabLst/>
             </a:pPr>
-            <a:endParaRPr kumimoji="0" lang="en-US" altLang="ko-KR" sz="1300" b="0" i="0" u="none" strike="noStrike" cap="none" normalizeH="0" baseline="0" dirty="0">
+            <a:endParaRPr kumimoji="0" lang="en-US" altLang="ko-KR" sz="1050" b="0" i="0" u="none" strike="noStrike" cap="none" normalizeH="0" baseline="0" dirty="0">
               <a:ln>
                 <a:noFill/>
               </a:ln>
@@ -12445,7 +10896,7 @@
               <a:tabLst/>
             </a:pPr>
             <a:r>
-              <a:rPr kumimoji="0" lang="ko-KR" altLang="ko-KR" sz="1300" b="0" i="0" u="none" strike="noStrike" cap="none" normalizeH="0" baseline="0" dirty="0">
+              <a:rPr kumimoji="0" lang="ko-KR" altLang="ko-KR" sz="1050" b="0" i="0" u="none" strike="noStrike" cap="none" normalizeH="0" baseline="0" dirty="0">
                 <a:ln>
                   <a:noFill/>
                 </a:ln>
@@ -12459,7 +10910,7 @@
               <a:t>    </a:t>
             </a:r>
             <a:r>
-              <a:rPr kumimoji="0" lang="ko-KR" altLang="ko-KR" sz="1300" b="0" i="1" u="none" strike="noStrike" cap="none" normalizeH="0" baseline="0" dirty="0">
+              <a:rPr kumimoji="0" lang="ko-KR" altLang="ko-KR" sz="1050" b="0" i="1" u="none" strike="noStrike" cap="none" normalizeH="0" baseline="0" dirty="0">
                 <a:ln>
                   <a:noFill/>
                 </a:ln>
@@ -12473,7 +10924,7 @@
               <a:t>// ....</a:t>
             </a:r>
             <a:br>
-              <a:rPr kumimoji="0" lang="ko-KR" altLang="ko-KR" sz="1300" b="0" i="1" u="none" strike="noStrike" cap="none" normalizeH="0" baseline="0" dirty="0">
+              <a:rPr kumimoji="0" lang="ko-KR" altLang="ko-KR" sz="1050" b="0" i="1" u="none" strike="noStrike" cap="none" normalizeH="0" baseline="0" dirty="0">
                 <a:ln>
                   <a:noFill/>
                 </a:ln>
@@ -12486,7 +10937,7 @@
               </a:rPr>
             </a:br>
             <a:r>
-              <a:rPr kumimoji="0" lang="ko-KR" altLang="ko-KR" sz="1300" b="0" i="1" u="none" strike="noStrike" cap="none" normalizeH="0" baseline="0" dirty="0">
+              <a:rPr kumimoji="0" lang="ko-KR" altLang="ko-KR" sz="1050" b="0" i="1" u="none" strike="noStrike" cap="none" normalizeH="0" baseline="0" dirty="0">
                 <a:ln>
                   <a:noFill/>
                 </a:ln>
@@ -12500,7 +10951,7 @@
               <a:t>    </a:t>
             </a:r>
             <a:r>
-              <a:rPr kumimoji="0" lang="ko-KR" altLang="ko-KR" sz="1300" b="0" i="0" u="none" strike="noStrike" cap="none" normalizeH="0" baseline="0" dirty="0" err="1">
+              <a:rPr kumimoji="0" lang="ko-KR" altLang="ko-KR" sz="1050" b="0" i="0" u="none" strike="noStrike" cap="none" normalizeH="0" baseline="0" dirty="0" err="1">
                 <a:ln>
                   <a:noFill/>
                 </a:ln>
@@ -12514,7 +10965,7 @@
               <a:t>implementation</a:t>
             </a:r>
             <a:r>
-              <a:rPr kumimoji="0" lang="ko-KR" altLang="ko-KR" sz="1300" b="0" i="0" u="none" strike="noStrike" cap="none" normalizeH="0" baseline="0" dirty="0">
+              <a:rPr kumimoji="0" lang="ko-KR" altLang="ko-KR" sz="1050" b="0" i="0" u="none" strike="noStrike" cap="none" normalizeH="0" baseline="0" dirty="0">
                 <a:ln>
                   <a:noFill/>
                 </a:ln>
@@ -12528,7 +10979,7 @@
               <a:t> </a:t>
             </a:r>
             <a:r>
-              <a:rPr kumimoji="0" lang="ko-KR" altLang="ko-KR" sz="1300" b="0" i="0" u="none" strike="noStrike" cap="none" normalizeH="0" baseline="0" dirty="0">
+              <a:rPr kumimoji="0" lang="ko-KR" altLang="ko-KR" sz="1050" b="0" i="0" u="none" strike="noStrike" cap="none" normalizeH="0" baseline="0" dirty="0">
                 <a:ln>
                   <a:noFill/>
                 </a:ln>
@@ -12542,7 +10993,7 @@
               <a:t>'</a:t>
             </a:r>
             <a:r>
-              <a:rPr kumimoji="0" lang="ko-KR" altLang="ko-KR" sz="1300" b="0" i="0" u="none" strike="noStrike" cap="none" normalizeH="0" baseline="0" dirty="0" err="1">
+              <a:rPr kumimoji="0" lang="ko-KR" altLang="ko-KR" sz="1050" b="0" i="0" u="none" strike="noStrike" cap="none" normalizeH="0" baseline="0" dirty="0" err="1">
                 <a:ln>
                   <a:noFill/>
                 </a:ln>
@@ -12556,7 +11007,7 @@
               <a:t>org.flywaydb:flyway-core</a:t>
             </a:r>
             <a:r>
-              <a:rPr kumimoji="0" lang="ko-KR" altLang="ko-KR" sz="1300" b="0" i="0" u="none" strike="noStrike" cap="none" normalizeH="0" baseline="0" dirty="0">
+              <a:rPr kumimoji="0" lang="ko-KR" altLang="ko-KR" sz="1050" b="0" i="0" u="none" strike="noStrike" cap="none" normalizeH="0" baseline="0" dirty="0">
                 <a:ln>
                   <a:noFill/>
                 </a:ln>
@@ -12570,7 +11021,7 @@
               <a:t>’</a:t>
             </a:r>
             <a:r>
-              <a:rPr kumimoji="0" lang="ko-KR" altLang="ko-KR" sz="1400" b="0" i="0" u="none" strike="noStrike" cap="none" normalizeH="0" baseline="0" dirty="0">
+              <a:rPr kumimoji="0" lang="ko-KR" altLang="ko-KR" sz="1050" b="0" i="0" u="none" strike="noStrike" cap="none" normalizeH="0" baseline="0" dirty="0">
                 <a:ln>
                   <a:noFill/>
                 </a:ln>
@@ -12583,7 +11034,7 @@
               </a:rPr>
               <a:t> </a:t>
             </a:r>
-            <a:endParaRPr kumimoji="0" lang="en-US" altLang="ko-KR" sz="1400" b="0" i="0" u="none" strike="noStrike" cap="none" normalizeH="0" baseline="0" dirty="0">
+            <a:endParaRPr kumimoji="0" lang="en-US" altLang="ko-KR" sz="1050" b="0" i="0" u="none" strike="noStrike" cap="none" normalizeH="0" baseline="0" dirty="0">
               <a:ln>
                 <a:noFill/>
               </a:ln>
@@ -12613,7 +11064,7 @@
               <a:tabLst/>
             </a:pPr>
             <a:r>
-              <a:rPr kumimoji="0" lang="en-US" altLang="ko-KR" dirty="0">
+              <a:rPr kumimoji="0" lang="en-US" altLang="ko-KR" sz="1050" dirty="0">
                 <a:solidFill>
                   <a:srgbClr val="36F9F6"/>
                 </a:solidFill>
@@ -12623,7 +11074,7 @@
               <a:t>    </a:t>
             </a:r>
             <a:r>
-              <a:rPr kumimoji="0" lang="ko-KR" altLang="ko-KR" sz="1400" b="0" i="0" u="none" strike="noStrike" cap="none" normalizeH="0" baseline="0" dirty="0" err="1">
+              <a:rPr kumimoji="0" lang="ko-KR" altLang="ko-KR" sz="1050" b="0" i="0" u="none" strike="noStrike" cap="none" normalizeH="0" baseline="0" dirty="0" err="1">
                 <a:ln>
                   <a:noFill/>
                 </a:ln>
@@ -12637,7 +11088,7 @@
               <a:t>implementation</a:t>
             </a:r>
             <a:r>
-              <a:rPr kumimoji="0" lang="ko-KR" altLang="ko-KR" sz="1400" b="0" i="0" u="none" strike="noStrike" cap="none" normalizeH="0" baseline="0" dirty="0">
+              <a:rPr kumimoji="0" lang="ko-KR" altLang="ko-KR" sz="1050" b="0" i="0" u="none" strike="noStrike" cap="none" normalizeH="0" baseline="0" dirty="0">
                 <a:ln>
                   <a:noFill/>
                 </a:ln>
@@ -12651,7 +11102,7 @@
               <a:t> </a:t>
             </a:r>
             <a:r>
-              <a:rPr kumimoji="0" lang="ko-KR" altLang="ko-KR" sz="1400" b="0" i="0" u="none" strike="noStrike" cap="none" normalizeH="0" baseline="0" dirty="0">
+              <a:rPr kumimoji="0" lang="ko-KR" altLang="ko-KR" sz="1050" b="0" i="0" u="none" strike="noStrike" cap="none" normalizeH="0" baseline="0" dirty="0">
                 <a:ln>
                   <a:noFill/>
                 </a:ln>
@@ -12665,7 +11116,7 @@
               <a:t>'</a:t>
             </a:r>
             <a:r>
-              <a:rPr kumimoji="0" lang="ko-KR" altLang="ko-KR" sz="1400" b="0" i="0" u="none" strike="noStrike" cap="none" normalizeH="0" baseline="0" dirty="0" err="1">
+              <a:rPr kumimoji="0" lang="ko-KR" altLang="ko-KR" sz="1050" b="0" i="0" u="none" strike="noStrike" cap="none" normalizeH="0" baseline="0" dirty="0" err="1">
                 <a:ln>
                   <a:noFill/>
                 </a:ln>
@@ -12679,7 +11130,7 @@
               <a:t>org.flywaydb:flyway-mysql</a:t>
             </a:r>
             <a:r>
-              <a:rPr kumimoji="0" lang="ko-KR" altLang="ko-KR" sz="1400" b="0" i="0" u="none" strike="noStrike" cap="none" normalizeH="0" baseline="0" dirty="0">
+              <a:rPr kumimoji="0" lang="ko-KR" altLang="ko-KR" sz="1050" b="0" i="0" u="none" strike="noStrike" cap="none" normalizeH="0" baseline="0" dirty="0">
                 <a:ln>
                   <a:noFill/>
                 </a:ln>
@@ -12693,7 +11144,7 @@
               <a:t>' </a:t>
             </a:r>
             <a:r>
-              <a:rPr kumimoji="0" lang="ko-KR" altLang="ko-KR" sz="1400" b="0" i="1" u="none" strike="noStrike" cap="none" normalizeH="0" baseline="0" dirty="0">
+              <a:rPr kumimoji="0" lang="ko-KR" altLang="ko-KR" sz="1050" b="0" i="1" u="none" strike="noStrike" cap="none" normalizeH="0" baseline="0" dirty="0">
                 <a:ln>
                   <a:noFill/>
                 </a:ln>
@@ -12707,7 +11158,7 @@
               <a:t>// </a:t>
             </a:r>
             <a:r>
-              <a:rPr kumimoji="0" lang="ko-KR" altLang="ko-KR" sz="1400" b="0" i="1" u="none" strike="noStrike" cap="none" normalizeH="0" baseline="0" dirty="0" err="1">
+              <a:rPr kumimoji="0" lang="ko-KR" altLang="ko-KR" sz="1050" b="0" i="1" u="none" strike="noStrike" cap="none" normalizeH="0" baseline="0" dirty="0" err="1">
                 <a:ln>
                   <a:noFill/>
                 </a:ln>
@@ -12721,7 +11172,7 @@
               <a:t>DB</a:t>
             </a:r>
             <a:r>
-              <a:rPr kumimoji="0" lang="ko-KR" altLang="ko-KR" sz="1400" b="0" i="1" u="none" strike="noStrike" cap="none" normalizeH="0" baseline="0" dirty="0" err="1">
+              <a:rPr kumimoji="0" lang="ko-KR" altLang="ko-KR" sz="1050" b="0" i="1" u="none" strike="noStrike" cap="none" normalizeH="0" baseline="0" dirty="0" err="1">
                 <a:ln>
                   <a:noFill/>
                 </a:ln>
@@ -12736,7 +11187,7 @@
               <a:t>가</a:t>
             </a:r>
             <a:r>
-              <a:rPr kumimoji="0" lang="ko-KR" altLang="ko-KR" sz="1400" b="0" i="1" u="none" strike="noStrike" cap="none" normalizeH="0" baseline="0" dirty="0">
+              <a:rPr kumimoji="0" lang="ko-KR" altLang="ko-KR" sz="1050" b="0" i="1" u="none" strike="noStrike" cap="none" normalizeH="0" baseline="0" dirty="0">
                 <a:ln>
                   <a:noFill/>
                 </a:ln>
@@ -12750,7 +11201,7 @@
               <a:t> </a:t>
             </a:r>
             <a:r>
-              <a:rPr kumimoji="0" lang="ko-KR" altLang="ko-KR" sz="1400" b="0" i="1" u="none" strike="noStrike" cap="none" normalizeH="0" baseline="0" dirty="0" err="1">
+              <a:rPr kumimoji="0" lang="ko-KR" altLang="ko-KR" sz="1050" b="0" i="1" u="none" strike="noStrike" cap="none" normalizeH="0" baseline="0" dirty="0" err="1">
                 <a:ln>
                   <a:noFill/>
                 </a:ln>
@@ -12764,7 +11215,7 @@
               <a:t>MySQL</a:t>
             </a:r>
             <a:r>
-              <a:rPr kumimoji="0" lang="ko-KR" altLang="ko-KR" sz="1400" b="0" i="1" u="none" strike="noStrike" cap="none" normalizeH="0" baseline="0" dirty="0">
+              <a:rPr kumimoji="0" lang="ko-KR" altLang="ko-KR" sz="1050" b="0" i="1" u="none" strike="noStrike" cap="none" normalizeH="0" baseline="0" dirty="0">
                 <a:ln>
                   <a:noFill/>
                 </a:ln>
@@ -12778,7 +11229,7 @@
               <a:t> 8.xx </a:t>
             </a:r>
             <a:r>
-              <a:rPr kumimoji="0" lang="ko-KR" altLang="ko-KR" sz="1400" b="0" i="1" u="none" strike="noStrike" cap="none" normalizeH="0" baseline="0" dirty="0">
+              <a:rPr kumimoji="0" lang="ko-KR" altLang="ko-KR" sz="1050" b="0" i="1" u="none" strike="noStrike" cap="none" normalizeH="0" baseline="0" dirty="0">
                 <a:ln>
                   <a:noFill/>
                 </a:ln>
@@ -12793,7 +11244,7 @@
               <a:t>버전이거나</a:t>
             </a:r>
             <a:r>
-              <a:rPr kumimoji="0" lang="ko-KR" altLang="ko-KR" sz="1400" b="0" i="1" u="none" strike="noStrike" cap="none" normalizeH="0" baseline="0" dirty="0">
+              <a:rPr kumimoji="0" lang="ko-KR" altLang="ko-KR" sz="1050" b="0" i="1" u="none" strike="noStrike" cap="none" normalizeH="0" baseline="0" dirty="0">
                 <a:ln>
                   <a:noFill/>
                 </a:ln>
@@ -12807,7 +11258,7 @@
               <a:t>, </a:t>
             </a:r>
             <a:r>
-              <a:rPr kumimoji="0" lang="ko-KR" altLang="ko-KR" sz="1400" b="0" i="1" u="none" strike="noStrike" cap="none" normalizeH="0" baseline="0" dirty="0" err="1">
+              <a:rPr kumimoji="0" lang="ko-KR" altLang="ko-KR" sz="1050" b="0" i="1" u="none" strike="noStrike" cap="none" normalizeH="0" baseline="0" dirty="0" err="1">
                 <a:ln>
                   <a:noFill/>
                 </a:ln>
@@ -12821,7 +11272,7 @@
               <a:t>MariaDB</a:t>
             </a:r>
             <a:r>
-              <a:rPr kumimoji="0" lang="ko-KR" altLang="ko-KR" sz="1400" b="0" i="1" u="none" strike="noStrike" cap="none" normalizeH="0" baseline="0" dirty="0" err="1">
+              <a:rPr kumimoji="0" lang="ko-KR" altLang="ko-KR" sz="1050" b="0" i="1" u="none" strike="noStrike" cap="none" normalizeH="0" baseline="0" dirty="0" err="1">
                 <a:ln>
                   <a:noFill/>
                 </a:ln>
@@ -12836,7 +11287,7 @@
               <a:t>를</a:t>
             </a:r>
             <a:r>
-              <a:rPr kumimoji="0" lang="ko-KR" altLang="ko-KR" sz="1400" b="0" i="1" u="none" strike="noStrike" cap="none" normalizeH="0" baseline="0" dirty="0">
+              <a:rPr kumimoji="0" lang="ko-KR" altLang="ko-KR" sz="1050" b="0" i="1" u="none" strike="noStrike" cap="none" normalizeH="0" baseline="0" dirty="0">
                 <a:ln>
                   <a:noFill/>
                 </a:ln>
@@ -12851,7 +11302,7 @@
               <a:t> 사용하는 경우</a:t>
             </a:r>
             <a:br>
-              <a:rPr kumimoji="0" lang="ko-KR" altLang="ko-KR" sz="1300" b="0" i="0" u="none" strike="noStrike" cap="none" normalizeH="0" baseline="0" dirty="0">
+              <a:rPr kumimoji="0" lang="ko-KR" altLang="ko-KR" sz="1050" b="0" i="0" u="none" strike="noStrike" cap="none" normalizeH="0" baseline="0" dirty="0">
                 <a:ln>
                   <a:noFill/>
                 </a:ln>
@@ -12864,7 +11315,7 @@
               </a:rPr>
             </a:br>
             <a:br>
-              <a:rPr kumimoji="0" lang="ko-KR" altLang="ko-KR" sz="1300" b="0" i="0" u="none" strike="noStrike" cap="none" normalizeH="0" baseline="0" dirty="0">
+              <a:rPr kumimoji="0" lang="ko-KR" altLang="ko-KR" sz="1050" b="0" i="0" u="none" strike="noStrike" cap="none" normalizeH="0" baseline="0" dirty="0">
                 <a:ln>
                   <a:noFill/>
                 </a:ln>
@@ -12877,7 +11328,7 @@
               </a:rPr>
             </a:br>
             <a:r>
-              <a:rPr kumimoji="0" lang="ko-KR" altLang="ko-KR" sz="1300" b="0" i="0" u="none" strike="noStrike" cap="none" normalizeH="0" baseline="0" dirty="0">
+              <a:rPr kumimoji="0" lang="ko-KR" altLang="ko-KR" sz="1050" b="0" i="0" u="none" strike="noStrike" cap="none" normalizeH="0" baseline="0" dirty="0">
                 <a:ln>
                   <a:noFill/>
                 </a:ln>
@@ -12891,7 +11342,7 @@
               <a:t>    </a:t>
             </a:r>
             <a:r>
-              <a:rPr kumimoji="0" lang="ko-KR" altLang="ko-KR" sz="1300" b="0" i="1" u="none" strike="noStrike" cap="none" normalizeH="0" baseline="0" dirty="0">
+              <a:rPr kumimoji="0" lang="ko-KR" altLang="ko-KR" sz="1050" b="0" i="1" u="none" strike="noStrike" cap="none" normalizeH="0" baseline="0" dirty="0">
                 <a:ln>
                   <a:noFill/>
                 </a:ln>
@@ -12905,7 +11356,7 @@
               <a:t>//....</a:t>
             </a:r>
             <a:br>
-              <a:rPr kumimoji="0" lang="ko-KR" altLang="ko-KR" sz="1300" b="0" i="1" u="none" strike="noStrike" cap="none" normalizeH="0" baseline="0" dirty="0">
+              <a:rPr kumimoji="0" lang="ko-KR" altLang="ko-KR" sz="1050" b="0" i="1" u="none" strike="noStrike" cap="none" normalizeH="0" baseline="0" dirty="0">
                 <a:ln>
                   <a:noFill/>
                 </a:ln>
@@ -12918,7 +11369,7 @@
               </a:rPr>
             </a:br>
             <a:r>
-              <a:rPr kumimoji="0" lang="ko-KR" altLang="ko-KR" sz="1300" b="0" i="1" u="none" strike="noStrike" cap="none" normalizeH="0" baseline="0" dirty="0">
+              <a:rPr kumimoji="0" lang="ko-KR" altLang="ko-KR" sz="1050" b="0" i="1" u="none" strike="noStrike" cap="none" normalizeH="0" baseline="0" dirty="0">
                 <a:ln>
                   <a:noFill/>
                 </a:ln>
@@ -12932,7 +11383,7 @@
               <a:t>    </a:t>
             </a:r>
             <a:r>
-              <a:rPr kumimoji="0" lang="ko-KR" altLang="ko-KR" sz="1300" b="0" i="0" u="none" strike="noStrike" cap="none" normalizeH="0" baseline="0" dirty="0" err="1">
+              <a:rPr kumimoji="0" lang="ko-KR" altLang="ko-KR" sz="1050" b="0" i="0" u="none" strike="noStrike" cap="none" normalizeH="0" baseline="0" dirty="0" err="1">
                 <a:ln>
                   <a:noFill/>
                 </a:ln>
@@ -12946,7 +11397,7 @@
               <a:t>implementation</a:t>
             </a:r>
             <a:r>
-              <a:rPr kumimoji="0" lang="ko-KR" altLang="ko-KR" sz="1300" b="0" i="0" u="none" strike="noStrike" cap="none" normalizeH="0" baseline="0" dirty="0">
+              <a:rPr kumimoji="0" lang="ko-KR" altLang="ko-KR" sz="1050" b="0" i="0" u="none" strike="noStrike" cap="none" normalizeH="0" baseline="0" dirty="0">
                 <a:ln>
                   <a:noFill/>
                 </a:ln>
@@ -12960,7 +11411,7 @@
               <a:t> </a:t>
             </a:r>
             <a:r>
-              <a:rPr kumimoji="0" lang="ko-KR" altLang="ko-KR" sz="1300" b="0" i="0" u="none" strike="noStrike" cap="none" normalizeH="0" baseline="0" dirty="0" err="1">
+              <a:rPr kumimoji="0" lang="ko-KR" altLang="ko-KR" sz="1050" b="0" i="0" u="none" strike="noStrike" cap="none" normalizeH="0" baseline="0" dirty="0" err="1">
                 <a:ln>
                   <a:noFill/>
                 </a:ln>
@@ -12974,7 +11425,7 @@
               <a:t>group</a:t>
             </a:r>
             <a:r>
-              <a:rPr kumimoji="0" lang="ko-KR" altLang="ko-KR" sz="1300" b="0" i="0" u="none" strike="noStrike" cap="none" normalizeH="0" baseline="0" dirty="0">
+              <a:rPr kumimoji="0" lang="ko-KR" altLang="ko-KR" sz="1050" b="0" i="0" u="none" strike="noStrike" cap="none" normalizeH="0" baseline="0" dirty="0">
                 <a:ln>
                   <a:noFill/>
                 </a:ln>
@@ -12988,7 +11439,7 @@
               <a:t>: </a:t>
             </a:r>
             <a:r>
-              <a:rPr kumimoji="0" lang="ko-KR" altLang="ko-KR" sz="1300" b="0" i="0" u="none" strike="noStrike" cap="none" normalizeH="0" baseline="0" dirty="0">
+              <a:rPr kumimoji="0" lang="ko-KR" altLang="ko-KR" sz="1050" b="0" i="0" u="none" strike="noStrike" cap="none" normalizeH="0" baseline="0" dirty="0">
                 <a:ln>
                   <a:noFill/>
                 </a:ln>
@@ -13002,7 +11453,7 @@
               <a:t>'</a:t>
             </a:r>
             <a:r>
-              <a:rPr kumimoji="0" lang="ko-KR" altLang="ko-KR" sz="1300" b="0" i="0" u="none" strike="noStrike" cap="none" normalizeH="0" baseline="0" dirty="0" err="1">
+              <a:rPr kumimoji="0" lang="ko-KR" altLang="ko-KR" sz="1050" b="0" i="0" u="none" strike="noStrike" cap="none" normalizeH="0" baseline="0" dirty="0" err="1">
                 <a:ln>
                   <a:noFill/>
                 </a:ln>
@@ -13016,7 +11467,7 @@
               <a:t>org.postgresql</a:t>
             </a:r>
             <a:r>
-              <a:rPr kumimoji="0" lang="ko-KR" altLang="ko-KR" sz="1300" b="0" i="0" u="none" strike="noStrike" cap="none" normalizeH="0" baseline="0" dirty="0">
+              <a:rPr kumimoji="0" lang="ko-KR" altLang="ko-KR" sz="1050" b="0" i="0" u="none" strike="noStrike" cap="none" normalizeH="0" baseline="0" dirty="0">
                 <a:ln>
                   <a:noFill/>
                 </a:ln>
@@ -13030,7 +11481,7 @@
               <a:t>'</a:t>
             </a:r>
             <a:r>
-              <a:rPr kumimoji="0" lang="ko-KR" altLang="ko-KR" sz="1300" b="0" i="0" u="none" strike="noStrike" cap="none" normalizeH="0" baseline="0" dirty="0">
+              <a:rPr kumimoji="0" lang="ko-KR" altLang="ko-KR" sz="1050" b="0" i="0" u="none" strike="noStrike" cap="none" normalizeH="0" baseline="0" dirty="0">
                 <a:ln>
                   <a:noFill/>
                 </a:ln>
@@ -13044,7 +11495,7 @@
               <a:t>, </a:t>
             </a:r>
             <a:r>
-              <a:rPr kumimoji="0" lang="ko-KR" altLang="ko-KR" sz="1300" b="0" i="0" u="none" strike="noStrike" cap="none" normalizeH="0" baseline="0" dirty="0" err="1">
+              <a:rPr kumimoji="0" lang="ko-KR" altLang="ko-KR" sz="1050" b="0" i="0" u="none" strike="noStrike" cap="none" normalizeH="0" baseline="0" dirty="0" err="1">
                 <a:ln>
                   <a:noFill/>
                 </a:ln>
@@ -13058,7 +11509,7 @@
               <a:t>name</a:t>
             </a:r>
             <a:r>
-              <a:rPr kumimoji="0" lang="ko-KR" altLang="ko-KR" sz="1300" b="0" i="0" u="none" strike="noStrike" cap="none" normalizeH="0" baseline="0" dirty="0">
+              <a:rPr kumimoji="0" lang="ko-KR" altLang="ko-KR" sz="1050" b="0" i="0" u="none" strike="noStrike" cap="none" normalizeH="0" baseline="0" dirty="0">
                 <a:ln>
                   <a:noFill/>
                 </a:ln>
@@ -13072,7 +11523,7 @@
               <a:t>: </a:t>
             </a:r>
             <a:r>
-              <a:rPr kumimoji="0" lang="ko-KR" altLang="ko-KR" sz="1300" b="0" i="0" u="none" strike="noStrike" cap="none" normalizeH="0" baseline="0" dirty="0">
+              <a:rPr kumimoji="0" lang="ko-KR" altLang="ko-KR" sz="1050" b="0" i="0" u="none" strike="noStrike" cap="none" normalizeH="0" baseline="0" dirty="0">
                 <a:ln>
                   <a:noFill/>
                 </a:ln>
@@ -13086,7 +11537,7 @@
               <a:t>'</a:t>
             </a:r>
             <a:r>
-              <a:rPr kumimoji="0" lang="ko-KR" altLang="ko-KR" sz="1300" b="0" i="0" u="none" strike="noStrike" cap="none" normalizeH="0" baseline="0" dirty="0" err="1">
+              <a:rPr kumimoji="0" lang="ko-KR" altLang="ko-KR" sz="1050" b="0" i="0" u="none" strike="noStrike" cap="none" normalizeH="0" baseline="0" dirty="0" err="1">
                 <a:ln>
                   <a:noFill/>
                 </a:ln>
@@ -13100,7 +11551,7 @@
               <a:t>postgresql</a:t>
             </a:r>
             <a:r>
-              <a:rPr kumimoji="0" lang="ko-KR" altLang="ko-KR" sz="1300" b="0" i="0" u="none" strike="noStrike" cap="none" normalizeH="0" baseline="0" dirty="0">
+              <a:rPr kumimoji="0" lang="ko-KR" altLang="ko-KR" sz="1050" b="0" i="0" u="none" strike="noStrike" cap="none" normalizeH="0" baseline="0" dirty="0">
                 <a:ln>
                   <a:noFill/>
                 </a:ln>
@@ -13114,7 +11565,7 @@
               <a:t>'</a:t>
             </a:r>
             <a:r>
-              <a:rPr kumimoji="0" lang="ko-KR" altLang="ko-KR" sz="1300" b="0" i="0" u="none" strike="noStrike" cap="none" normalizeH="0" baseline="0" dirty="0">
+              <a:rPr kumimoji="0" lang="ko-KR" altLang="ko-KR" sz="1050" b="0" i="0" u="none" strike="noStrike" cap="none" normalizeH="0" baseline="0" dirty="0">
                 <a:ln>
                   <a:noFill/>
                 </a:ln>
@@ -13128,7 +11579,7 @@
               <a:t>, </a:t>
             </a:r>
             <a:r>
-              <a:rPr kumimoji="0" lang="ko-KR" altLang="ko-KR" sz="1300" b="0" i="0" u="none" strike="noStrike" cap="none" normalizeH="0" baseline="0" dirty="0" err="1">
+              <a:rPr kumimoji="0" lang="ko-KR" altLang="ko-KR" sz="1050" b="0" i="0" u="none" strike="noStrike" cap="none" normalizeH="0" baseline="0" dirty="0" err="1">
                 <a:ln>
                   <a:noFill/>
                 </a:ln>
@@ -13142,7 +11593,7 @@
               <a:t>version</a:t>
             </a:r>
             <a:r>
-              <a:rPr kumimoji="0" lang="ko-KR" altLang="ko-KR" sz="1300" b="0" i="0" u="none" strike="noStrike" cap="none" normalizeH="0" baseline="0" dirty="0">
+              <a:rPr kumimoji="0" lang="ko-KR" altLang="ko-KR" sz="1050" b="0" i="0" u="none" strike="noStrike" cap="none" normalizeH="0" baseline="0" dirty="0">
                 <a:ln>
                   <a:noFill/>
                 </a:ln>
@@ -13156,7 +11607,7 @@
               <a:t>: </a:t>
             </a:r>
             <a:r>
-              <a:rPr kumimoji="0" lang="ko-KR" altLang="ko-KR" sz="1300" b="0" i="0" u="none" strike="noStrike" cap="none" normalizeH="0" baseline="0" dirty="0">
+              <a:rPr kumimoji="0" lang="ko-KR" altLang="ko-KR" sz="1050" b="0" i="0" u="none" strike="noStrike" cap="none" normalizeH="0" baseline="0" dirty="0">
                 <a:ln>
                   <a:noFill/>
                 </a:ln>
@@ -13170,7 +11621,7 @@
               <a:t>'42.2.23' </a:t>
             </a:r>
             <a:br>
-              <a:rPr kumimoji="0" lang="ko-KR" altLang="ko-KR" sz="1300" b="0" i="0" u="none" strike="noStrike" cap="none" normalizeH="0" baseline="0" dirty="0">
+              <a:rPr kumimoji="0" lang="ko-KR" altLang="ko-KR" sz="1050" b="0" i="0" u="none" strike="noStrike" cap="none" normalizeH="0" baseline="0" dirty="0">
                 <a:ln>
                   <a:noFill/>
                 </a:ln>
@@ -13183,7 +11634,7 @@
               </a:rPr>
             </a:br>
             <a:r>
-              <a:rPr kumimoji="0" lang="ko-KR" altLang="ko-KR" sz="1300" b="0" i="0" u="none" strike="noStrike" cap="none" normalizeH="0" baseline="0" dirty="0">
+              <a:rPr kumimoji="0" lang="ko-KR" altLang="ko-KR" sz="1050" b="0" i="0" u="none" strike="noStrike" cap="none" normalizeH="0" baseline="0" dirty="0">
                 <a:ln>
                   <a:noFill/>
                 </a:ln>
@@ -13197,7 +11648,7 @@
               <a:t>    </a:t>
             </a:r>
             <a:r>
-              <a:rPr kumimoji="0" lang="ko-KR" altLang="ko-KR" sz="1300" b="0" i="0" u="none" strike="noStrike" cap="none" normalizeH="0" baseline="0" dirty="0" err="1">
+              <a:rPr kumimoji="0" lang="ko-KR" altLang="ko-KR" sz="1050" b="0" i="0" u="none" strike="noStrike" cap="none" normalizeH="0" baseline="0" dirty="0" err="1">
                 <a:ln>
                   <a:noFill/>
                 </a:ln>
@@ -13211,7 +11662,7 @@
               <a:t>runtimeOnly</a:t>
             </a:r>
             <a:r>
-              <a:rPr kumimoji="0" lang="ko-KR" altLang="ko-KR" sz="1300" b="0" i="0" u="none" strike="noStrike" cap="none" normalizeH="0" baseline="0" dirty="0">
+              <a:rPr kumimoji="0" lang="ko-KR" altLang="ko-KR" sz="1050" b="0" i="0" u="none" strike="noStrike" cap="none" normalizeH="0" baseline="0" dirty="0">
                 <a:ln>
                   <a:noFill/>
                 </a:ln>
@@ -13225,7 +11676,7 @@
               <a:t> </a:t>
             </a:r>
             <a:r>
-              <a:rPr kumimoji="0" lang="ko-KR" altLang="ko-KR" sz="1300" b="0" i="0" u="none" strike="noStrike" cap="none" normalizeH="0" baseline="0" dirty="0">
+              <a:rPr kumimoji="0" lang="ko-KR" altLang="ko-KR" sz="1050" b="0" i="0" u="none" strike="noStrike" cap="none" normalizeH="0" baseline="0" dirty="0">
                 <a:ln>
                   <a:noFill/>
                 </a:ln>
@@ -13239,7 +11690,7 @@
               <a:t>'</a:t>
             </a:r>
             <a:r>
-              <a:rPr kumimoji="0" lang="ko-KR" altLang="ko-KR" sz="1300" b="0" i="0" u="none" strike="noStrike" cap="none" normalizeH="0" baseline="0" dirty="0" err="1">
+              <a:rPr kumimoji="0" lang="ko-KR" altLang="ko-KR" sz="1050" b="0" i="0" u="none" strike="noStrike" cap="none" normalizeH="0" baseline="0" dirty="0" err="1">
                 <a:ln>
                   <a:noFill/>
                 </a:ln>
@@ -13253,7 +11704,7 @@
               <a:t>org.postgresql:postgresql</a:t>
             </a:r>
             <a:r>
-              <a:rPr kumimoji="0" lang="ko-KR" altLang="ko-KR" sz="1300" b="0" i="0" u="none" strike="noStrike" cap="none" normalizeH="0" baseline="0" dirty="0">
+              <a:rPr kumimoji="0" lang="ko-KR" altLang="ko-KR" sz="1050" b="0" i="0" u="none" strike="noStrike" cap="none" normalizeH="0" baseline="0" dirty="0">
                 <a:ln>
                   <a:noFill/>
                 </a:ln>
@@ -13267,7 +11718,7 @@
               <a:t>'</a:t>
             </a:r>
             <a:br>
-              <a:rPr kumimoji="0" lang="ko-KR" altLang="ko-KR" sz="1300" b="0" i="0" u="none" strike="noStrike" cap="none" normalizeH="0" baseline="0" dirty="0">
+              <a:rPr kumimoji="0" lang="ko-KR" altLang="ko-KR" sz="1050" b="0" i="0" u="none" strike="noStrike" cap="none" normalizeH="0" baseline="0" dirty="0">
                 <a:ln>
                   <a:noFill/>
                 </a:ln>
@@ -13280,7 +11731,7 @@
               </a:rPr>
             </a:br>
             <a:r>
-              <a:rPr kumimoji="0" lang="ko-KR" altLang="ko-KR" sz="1300" b="0" i="0" u="none" strike="noStrike" cap="none" normalizeH="0" baseline="0" dirty="0">
+              <a:rPr kumimoji="0" lang="ko-KR" altLang="ko-KR" sz="1050" b="0" i="0" u="none" strike="noStrike" cap="none" normalizeH="0" baseline="0" dirty="0">
                 <a:ln>
                   <a:noFill/>
                 </a:ln>
@@ -13293,109 +11744,7 @@
               </a:rPr>
               <a:t>}</a:t>
             </a:r>
-            <a:endParaRPr kumimoji="0" lang="ko-KR" altLang="ko-KR" sz="1300" b="0" i="0" u="none" strike="noStrike" cap="none" normalizeH="0" baseline="0" dirty="0">
-              <a:ln>
-                <a:noFill/>
-              </a:ln>
-              <a:solidFill>
-                <a:schemeClr val="tx1"/>
-              </a:solidFill>
-              <a:effectLst/>
-              <a:latin typeface="Arial" panose="020B0604020202020204" pitchFamily="34" charset="0"/>
-            </a:endParaRPr>
-          </a:p>
-        </p:txBody>
-      </p:sp>
-      <p:sp>
-        <p:nvSpPr>
-          <p:cNvPr id="13" name="Rectangle 7">
-            <a:extLst>
-              <a:ext uri="{FF2B5EF4-FFF2-40B4-BE49-F238E27FC236}">
-                <a16:creationId xmlns:a16="http://schemas.microsoft.com/office/drawing/2014/main" id="{02D53F0C-773F-26CE-B967-8C6EABC24ADD}"/>
-              </a:ext>
-            </a:extLst>
-          </p:cNvPr>
-          <p:cNvSpPr>
-            <a:spLocks noChangeArrowheads="1"/>
-          </p:cNvSpPr>
-          <p:nvPr/>
-        </p:nvSpPr>
-        <p:spPr bwMode="auto">
-          <a:xfrm>
-            <a:off x="0" y="-25315"/>
-            <a:ext cx="184731" cy="507831"/>
-          </a:xfrm>
-          <a:prstGeom prst="rect">
-            <a:avLst/>
-          </a:prstGeom>
-          <a:solidFill>
-            <a:srgbClr val="262335"/>
-          </a:solidFill>
-          <a:ln>
-            <a:noFill/>
-          </a:ln>
-          <a:effectLst/>
-          <a:extLst>
-            <a:ext uri="{91240B29-F687-4F45-9708-019B960494DF}">
-              <a14:hiddenLine xmlns:a14="http://schemas.microsoft.com/office/drawing/2010/main" w="9525">
-                <a:solidFill>
-                  <a:schemeClr val="tx1"/>
-                </a:solidFill>
-                <a:miter lim="800000"/>
-                <a:headEnd/>
-                <a:tailEnd/>
-              </a14:hiddenLine>
-            </a:ext>
-            <a:ext uri="{AF507438-7753-43E0-B8FC-AC1667EBCBE1}">
-              <a14:hiddenEffects xmlns:a14="http://schemas.microsoft.com/office/drawing/2010/main">
-                <a:effectLst>
-                  <a:outerShdw dist="35921" dir="2700000" algn="ctr" rotWithShape="0">
-                    <a:schemeClr val="bg2"/>
-                  </a:outerShdw>
-                </a:effectLst>
-              </a14:hiddenEffects>
-            </a:ext>
-          </a:extLst>
-        </p:spPr>
-        <p:txBody>
-          <a:bodyPr vert="horz" wrap="none" lIns="91440" tIns="45720" rIns="91440" bIns="45720" numCol="1" anchor="ctr" anchorCtr="0" compatLnSpc="1">
-            <a:prstTxWarp prst="textNoShape">
-              <a:avLst/>
-            </a:prstTxWarp>
-            <a:spAutoFit/>
-          </a:bodyPr>
-          <a:lstStyle/>
-          <a:p>
-            <a:pPr marL="0" marR="0" lvl="0" indent="0" algn="l" defTabSz="914400" rtl="0" eaLnBrk="0" fontAlgn="base" latinLnBrk="0" hangingPunct="0">
-              <a:lnSpc>
-                <a:spcPct val="100000"/>
-              </a:lnSpc>
-              <a:spcBef>
-                <a:spcPct val="0"/>
-              </a:spcBef>
-              <a:spcAft>
-                <a:spcPct val="0"/>
-              </a:spcAft>
-              <a:buClrTx/>
-              <a:buSzTx/>
-              <a:buFontTx/>
-              <a:buNone/>
-              <a:tabLst/>
-            </a:pPr>
-            <a:br>
-              <a:rPr kumimoji="0" lang="ko-KR" altLang="ko-KR" sz="900" b="0" i="0" u="none" strike="noStrike" cap="none" normalizeH="0" baseline="0" dirty="0">
-                <a:ln>
-                  <a:noFill/>
-                </a:ln>
-                <a:solidFill>
-                  <a:srgbClr val="FFFFFF"/>
-                </a:solidFill>
-                <a:effectLst/>
-                <a:latin typeface="Arial Unicode MS"/>
-                <a:ea typeface="JetBrains Mono"/>
-              </a:rPr>
-            </a:br>
-            <a:endParaRPr kumimoji="0" lang="ko-KR" altLang="ko-KR" sz="1800" b="0" i="0" u="none" strike="noStrike" cap="none" normalizeH="0" baseline="0" dirty="0">
+            <a:endParaRPr kumimoji="0" lang="ko-KR" altLang="ko-KR" sz="1050" b="0" i="0" u="none" strike="noStrike" cap="none" normalizeH="0" baseline="0" dirty="0">
               <a:ln>
                 <a:noFill/>
               </a:ln>
@@ -13466,7 +11815,13 @@
               <a:rPr lang="en-US" altLang="ko-KR" dirty="0">
                 <a:ea typeface="나눔고딕 ExtraBold" panose="020D0904000000000000" pitchFamily="50" charset="-127"/>
               </a:rPr>
-              <a:t>Flyway</a:t>
+              <a:t>Flyway </a:t>
+            </a:r>
+            <a:r>
+              <a:rPr lang="ko-KR" altLang="en-US" dirty="0">
+                <a:ea typeface="나눔고딕 ExtraBold" panose="020D0904000000000000" pitchFamily="50" charset="-127"/>
+              </a:rPr>
+              <a:t>적용 방법</a:t>
             </a:r>
             <a:endParaRPr lang="ko-KR" altLang="en-US" dirty="0"/>
           </a:p>
@@ -13487,7 +11842,7 @@
         <p:spPr>
           <a:xfrm>
             <a:off x="249769" y="980728"/>
-            <a:ext cx="5846231" cy="1923604"/>
+            <a:ext cx="5990247" cy="1810945"/>
           </a:xfrm>
           <a:prstGeom prst="rect">
             <a:avLst/>
@@ -13500,6 +11855,50 @@
           </a:bodyPr>
           <a:lstStyle/>
           <a:p>
+            <a:pPr>
+              <a:lnSpc>
+                <a:spcPct val="150000"/>
+              </a:lnSpc>
+            </a:pPr>
+            <a:r>
+              <a:rPr lang="en-US" altLang="ko-KR" b="1" dirty="0" err="1"/>
+              <a:t>application.yaml</a:t>
+            </a:r>
+            <a:r>
+              <a:rPr lang="en-US" altLang="ko-KR" b="1" dirty="0"/>
+              <a:t> (</a:t>
+            </a:r>
+            <a:r>
+              <a:rPr lang="ko-KR" altLang="en-US" b="1" dirty="0"/>
+              <a:t>또는</a:t>
+            </a:r>
+            <a:r>
+              <a:rPr lang="en-US" altLang="ko-KR" b="1" dirty="0"/>
+              <a:t>, </a:t>
+            </a:r>
+            <a:r>
+              <a:rPr lang="en-US" altLang="ko-KR" b="1" dirty="0" err="1"/>
+              <a:t>application.properties</a:t>
+            </a:r>
+            <a:r>
+              <a:rPr lang="en-US" altLang="ko-KR" b="1" dirty="0"/>
+              <a:t>) </a:t>
+            </a:r>
+            <a:r>
+              <a:rPr lang="ko-KR" altLang="en-US" b="1" dirty="0"/>
+              <a:t>설정</a:t>
+            </a:r>
+            <a:endParaRPr lang="en-US" altLang="ko-KR" b="1" dirty="0"/>
+          </a:p>
+          <a:p>
+            <a:pPr>
+              <a:lnSpc>
+                <a:spcPct val="150000"/>
+              </a:lnSpc>
+            </a:pPr>
+            <a:endParaRPr lang="en-US" altLang="ko-KR" b="1" dirty="0"/>
+          </a:p>
+          <a:p>
             <a:pPr marL="285750" indent="-285750">
               <a:lnSpc>
                 <a:spcPct val="150000"/>
@@ -13508,10 +11907,67 @@
               <a:buChar char="•"/>
             </a:pPr>
             <a:r>
-              <a:rPr lang="ko-KR" altLang="en-US" dirty="0"/>
-              <a:t>환경 설정</a:t>
-            </a:r>
-            <a:endParaRPr lang="en-US" altLang="ko-KR" dirty="0"/>
+              <a:rPr lang="en-US" altLang="ko-KR" sz="1200" dirty="0"/>
+              <a:t>Spring Boot</a:t>
+            </a:r>
+            <a:r>
+              <a:rPr lang="ko-KR" altLang="en-US" sz="1200" dirty="0"/>
+              <a:t>에서 </a:t>
+            </a:r>
+            <a:r>
+              <a:rPr lang="en-US" altLang="ko-KR" sz="1200" dirty="0" err="1"/>
+              <a:t>Datasource</a:t>
+            </a:r>
+            <a:r>
+              <a:rPr lang="en-US" altLang="ko-KR" sz="1200" dirty="0"/>
+              <a:t> </a:t>
+            </a:r>
+            <a:r>
+              <a:rPr lang="ko-KR" altLang="en-US" sz="1200" dirty="0"/>
+              <a:t>설정으로 </a:t>
+            </a:r>
+            <a:r>
+              <a:rPr lang="en-US" altLang="ko-KR" sz="1200" dirty="0"/>
+              <a:t>Flyway</a:t>
+            </a:r>
+            <a:r>
+              <a:rPr lang="ko-KR" altLang="en-US" sz="1200" dirty="0"/>
+              <a:t>를 자동으로 연결하기 때문에 </a:t>
+            </a:r>
+            <a:r>
+              <a:rPr lang="en-US" altLang="ko-KR" sz="1200" dirty="0" err="1"/>
+              <a:t>Datasource</a:t>
+            </a:r>
+            <a:r>
+              <a:rPr lang="ko-KR" altLang="en-US" sz="1200" dirty="0"/>
+              <a:t>를 </a:t>
+            </a:r>
+            <a:r>
+              <a:rPr lang="ko-KR" altLang="en-US" sz="1200" dirty="0" err="1"/>
+              <a:t>정의해야한다</a:t>
+            </a:r>
+            <a:r>
+              <a:rPr lang="en-US" altLang="ko-KR" sz="1200" dirty="0"/>
+              <a:t>.</a:t>
+            </a:r>
+          </a:p>
+          <a:p>
+            <a:pPr marL="285750" indent="-285750">
+              <a:lnSpc>
+                <a:spcPct val="150000"/>
+              </a:lnSpc>
+              <a:buFont typeface="Arial" panose="020B0604020202020204" pitchFamily="34" charset="0"/>
+              <a:buChar char="•"/>
+            </a:pPr>
+            <a:r>
+              <a:rPr lang="en-US" altLang="ko-KR" sz="1200" dirty="0"/>
+              <a:t>Flyway </a:t>
+            </a:r>
+            <a:r>
+              <a:rPr lang="ko-KR" altLang="en-US" sz="1200" dirty="0"/>
+              <a:t>설정</a:t>
+            </a:r>
+            <a:endParaRPr lang="en-US" altLang="ko-KR" sz="1200" dirty="0"/>
           </a:p>
           <a:p>
             <a:pPr marL="742939" lvl="1" indent="-285750">
@@ -13522,65 +11978,22 @@
               <a:buChar char="•"/>
             </a:pPr>
             <a:r>
-              <a:rPr lang="en-US" altLang="ko-KR" dirty="0"/>
-              <a:t>Spring boot</a:t>
-            </a:r>
-          </a:p>
-          <a:p>
-            <a:pPr marL="742939" lvl="1" indent="-285750">
-              <a:lnSpc>
-                <a:spcPct val="150000"/>
-              </a:lnSpc>
-              <a:buFont typeface="Arial" panose="020B0604020202020204" pitchFamily="34" charset="0"/>
-              <a:buChar char="•"/>
-            </a:pPr>
-            <a:r>
-              <a:rPr lang="en-US" altLang="ko-KR" dirty="0"/>
-              <a:t>Spring Data </a:t>
-            </a:r>
-            <a:r>
-              <a:rPr lang="en-US" altLang="ko-KR" dirty="0" err="1"/>
-              <a:t>Jpa</a:t>
-            </a:r>
-            <a:endParaRPr lang="en-US" altLang="ko-KR" dirty="0"/>
-          </a:p>
-          <a:p>
-            <a:pPr marL="742939" lvl="1" indent="-285750">
-              <a:lnSpc>
-                <a:spcPct val="150000"/>
-              </a:lnSpc>
-              <a:buFont typeface="Arial" panose="020B0604020202020204" pitchFamily="34" charset="0"/>
-              <a:buChar char="•"/>
-            </a:pPr>
-            <a:r>
-              <a:rPr lang="en-US" altLang="ko-KR" dirty="0"/>
-              <a:t>PostgreSQL</a:t>
-            </a:r>
-          </a:p>
-          <a:p>
-            <a:pPr marL="742939" lvl="1" indent="-285750">
-              <a:lnSpc>
-                <a:spcPct val="150000"/>
-              </a:lnSpc>
-              <a:buFont typeface="Arial" panose="020B0604020202020204" pitchFamily="34" charset="0"/>
-              <a:buChar char="•"/>
-            </a:pPr>
-            <a:r>
-              <a:rPr lang="en-US" altLang="ko-KR" dirty="0"/>
-              <a:t>Flyway</a:t>
-            </a:r>
-          </a:p>
-          <a:p>
-            <a:endParaRPr lang="en-US" altLang="ko-KR" dirty="0"/>
+              <a:rPr lang="en-US" altLang="ko-KR" sz="1200" dirty="0" err="1"/>
+              <a:t>spring.flyway.enabled</a:t>
+            </a:r>
+            <a:r>
+              <a:rPr lang="en-US" altLang="ko-KR" sz="1200" dirty="0"/>
+              <a:t> : </a:t>
+            </a:r>
           </a:p>
         </p:txBody>
       </p:sp>
       <p:sp>
         <p:nvSpPr>
-          <p:cNvPr id="3" name="Rectangle 3">
+          <p:cNvPr id="6" name="Rectangle 3">
             <a:extLst>
               <a:ext uri="{FF2B5EF4-FFF2-40B4-BE49-F238E27FC236}">
-                <a16:creationId xmlns:a16="http://schemas.microsoft.com/office/drawing/2014/main" id="{CA77051A-F692-A801-F2CB-1640657309D7}"/>
+                <a16:creationId xmlns:a16="http://schemas.microsoft.com/office/drawing/2014/main" id="{62CE93D7-4647-A93D-E636-754E45DA642E}"/>
               </a:ext>
             </a:extLst>
           </p:cNvPr>
@@ -13591,8 +12004,8 @@
         </p:nvSpPr>
         <p:spPr bwMode="auto">
           <a:xfrm>
-            <a:off x="6744072" y="1891023"/>
-            <a:ext cx="5198164" cy="4693593"/>
+            <a:off x="6384032" y="1628800"/>
+            <a:ext cx="5558204" cy="5047536"/>
           </a:xfrm>
           <a:prstGeom prst="rect">
             <a:avLst/>
@@ -13649,7 +12062,7 @@
               <a:tabLst/>
             </a:pPr>
             <a:r>
-              <a:rPr kumimoji="0" lang="ko-KR" altLang="ko-KR" sz="1300" b="0" i="0" u="none" strike="noStrike" cap="none" normalizeH="0" baseline="0" dirty="0" err="1">
+              <a:rPr kumimoji="0" lang="ko-KR" altLang="ko-KR" b="0" i="0" u="none" strike="noStrike" cap="none" normalizeH="0" baseline="0" dirty="0" err="1">
                 <a:ln>
                   <a:noFill/>
                 </a:ln>
@@ -13663,7 +12076,7 @@
               <a:t>spring</a:t>
             </a:r>
             <a:r>
-              <a:rPr kumimoji="0" lang="ko-KR" altLang="ko-KR" sz="1300" b="0" i="0" u="none" strike="noStrike" cap="none" normalizeH="0" baseline="0" dirty="0">
+              <a:rPr kumimoji="0" lang="ko-KR" altLang="ko-KR" b="0" i="0" u="none" strike="noStrike" cap="none" normalizeH="0" baseline="0" dirty="0">
                 <a:ln>
                   <a:noFill/>
                 </a:ln>
@@ -13677,7 +12090,7 @@
               <a:t>:</a:t>
             </a:r>
             <a:br>
-              <a:rPr kumimoji="0" lang="ko-KR" altLang="ko-KR" sz="1300" b="0" i="0" u="none" strike="noStrike" cap="none" normalizeH="0" baseline="0" dirty="0">
+              <a:rPr kumimoji="0" lang="ko-KR" altLang="ko-KR" b="0" i="0" u="none" strike="noStrike" cap="none" normalizeH="0" baseline="0" dirty="0">
                 <a:ln>
                   <a:noFill/>
                 </a:ln>
@@ -13690,7 +12103,7 @@
               </a:rPr>
             </a:br>
             <a:r>
-              <a:rPr kumimoji="0" lang="ko-KR" altLang="ko-KR" sz="1300" b="0" i="0" u="none" strike="noStrike" cap="none" normalizeH="0" baseline="0" dirty="0">
+              <a:rPr kumimoji="0" lang="ko-KR" altLang="ko-KR" b="0" i="0" u="none" strike="noStrike" cap="none" normalizeH="0" baseline="0" dirty="0">
                 <a:ln>
                   <a:noFill/>
                 </a:ln>
@@ -13704,7 +12117,7 @@
               <a:t>  </a:t>
             </a:r>
             <a:r>
-              <a:rPr kumimoji="0" lang="ko-KR" altLang="ko-KR" sz="1300" b="0" i="0" u="none" strike="noStrike" cap="none" normalizeH="0" baseline="0" dirty="0" err="1">
+              <a:rPr kumimoji="0" lang="ko-KR" altLang="ko-KR" b="0" i="0" u="none" strike="noStrike" cap="none" normalizeH="0" baseline="0" dirty="0" err="1">
                 <a:ln>
                   <a:noFill/>
                 </a:ln>
@@ -13718,7 +12131,7 @@
               <a:t>datasource</a:t>
             </a:r>
             <a:r>
-              <a:rPr kumimoji="0" lang="ko-KR" altLang="ko-KR" sz="1300" b="0" i="0" u="none" strike="noStrike" cap="none" normalizeH="0" baseline="0" dirty="0">
+              <a:rPr kumimoji="0" lang="ko-KR" altLang="ko-KR" b="0" i="0" u="none" strike="noStrike" cap="none" normalizeH="0" baseline="0" dirty="0">
                 <a:ln>
                   <a:noFill/>
                 </a:ln>
@@ -13732,7 +12145,7 @@
               <a:t>:</a:t>
             </a:r>
             <a:br>
-              <a:rPr kumimoji="0" lang="ko-KR" altLang="ko-KR" sz="1300" b="0" i="0" u="none" strike="noStrike" cap="none" normalizeH="0" baseline="0" dirty="0">
+              <a:rPr kumimoji="0" lang="ko-KR" altLang="ko-KR" b="0" i="0" u="none" strike="noStrike" cap="none" normalizeH="0" baseline="0" dirty="0">
                 <a:ln>
                   <a:noFill/>
                 </a:ln>
@@ -13745,7 +12158,7 @@
               </a:rPr>
             </a:br>
             <a:r>
-              <a:rPr kumimoji="0" lang="ko-KR" altLang="ko-KR" sz="1300" b="0" i="0" u="none" strike="noStrike" cap="none" normalizeH="0" baseline="0" dirty="0">
+              <a:rPr kumimoji="0" lang="ko-KR" altLang="ko-KR" b="0" i="0" u="none" strike="noStrike" cap="none" normalizeH="0" baseline="0" dirty="0">
                 <a:ln>
                   <a:noFill/>
                 </a:ln>
@@ -13759,7 +12172,7 @@
               <a:t>    </a:t>
             </a:r>
             <a:r>
-              <a:rPr kumimoji="0" lang="ko-KR" altLang="ko-KR" sz="1300" b="0" i="0" u="none" strike="noStrike" cap="none" normalizeH="0" baseline="0" dirty="0">
+              <a:rPr kumimoji="0" lang="ko-KR" altLang="ko-KR" b="0" i="0" u="none" strike="noStrike" cap="none" normalizeH="0" baseline="0" dirty="0">
                 <a:ln>
                   <a:noFill/>
                 </a:ln>
@@ -13773,7 +12186,7 @@
               <a:t>url</a:t>
             </a:r>
             <a:r>
-              <a:rPr kumimoji="0" lang="ko-KR" altLang="ko-KR" sz="1300" b="0" i="0" u="none" strike="noStrike" cap="none" normalizeH="0" baseline="0" dirty="0">
+              <a:rPr kumimoji="0" lang="ko-KR" altLang="ko-KR" b="0" i="0" u="none" strike="noStrike" cap="none" normalizeH="0" baseline="0" dirty="0">
                 <a:ln>
                   <a:noFill/>
                 </a:ln>
@@ -13787,7 +12200,7 @@
               <a:t>: </a:t>
             </a:r>
             <a:r>
-              <a:rPr kumimoji="0" lang="ko-KR" altLang="ko-KR" sz="1300" b="0" i="0" u="none" strike="noStrike" cap="none" normalizeH="0" baseline="0" dirty="0" err="1">
+              <a:rPr kumimoji="0" lang="ko-KR" altLang="ko-KR" b="0" i="0" u="none" strike="noStrike" cap="none" normalizeH="0" baseline="0" dirty="0" err="1">
                 <a:ln>
                   <a:noFill/>
                 </a:ln>
@@ -13801,7 +12214,7 @@
               <a:t>jdbc:postgresql</a:t>
             </a:r>
             <a:r>
-              <a:rPr kumimoji="0" lang="ko-KR" altLang="ko-KR" sz="1300" b="0" i="0" u="none" strike="noStrike" cap="none" normalizeH="0" baseline="0" dirty="0">
+              <a:rPr kumimoji="0" lang="ko-KR" altLang="ko-KR" b="0" i="0" u="none" strike="noStrike" cap="none" normalizeH="0" baseline="0" dirty="0">
                 <a:ln>
                   <a:noFill/>
                 </a:ln>
@@ -13815,7 +12228,7 @@
               <a:t>://</a:t>
             </a:r>
             <a:r>
-              <a:rPr kumimoji="0" lang="en-US" altLang="ko-KR" sz="1300" b="0" i="0" u="none" strike="noStrike" cap="none" normalizeH="0" baseline="0" dirty="0" err="1">
+              <a:rPr kumimoji="0" lang="en-US" altLang="ko-KR" b="0" i="0" u="none" strike="noStrike" cap="none" normalizeH="0" baseline="0" dirty="0" err="1">
                 <a:ln>
                   <a:noFill/>
                 </a:ln>
@@ -13829,7 +12242,7 @@
               <a:t>db</a:t>
             </a:r>
             <a:r>
-              <a:rPr kumimoji="0" lang="ko-KR" altLang="ko-KR" sz="1300" b="0" i="0" u="none" strike="noStrike" cap="none" normalizeH="0" baseline="0" dirty="0">
+              <a:rPr kumimoji="0" lang="ko-KR" altLang="ko-KR" b="0" i="0" u="none" strike="noStrike" cap="none" normalizeH="0" baseline="0" dirty="0">
                 <a:ln>
                   <a:noFill/>
                 </a:ln>
@@ -13843,7 +12256,7 @@
               <a:t>:5432/</a:t>
             </a:r>
             <a:r>
-              <a:rPr kumimoji="0" lang="ko-KR" altLang="ko-KR" sz="1300" b="0" i="0" u="none" strike="noStrike" cap="none" normalizeH="0" baseline="0" dirty="0" err="1">
+              <a:rPr kumimoji="0" lang="ko-KR" altLang="ko-KR" b="0" i="0" u="none" strike="noStrike" cap="none" normalizeH="0" baseline="0" dirty="0" err="1">
                 <a:ln>
                   <a:noFill/>
                 </a:ln>
@@ -13857,7 +12270,7 @@
               <a:t>postgres</a:t>
             </a:r>
             <a:br>
-              <a:rPr kumimoji="0" lang="ko-KR" altLang="ko-KR" sz="1300" b="0" i="0" u="none" strike="noStrike" cap="none" normalizeH="0" baseline="0" dirty="0">
+              <a:rPr kumimoji="0" lang="ko-KR" altLang="ko-KR" b="0" i="0" u="none" strike="noStrike" cap="none" normalizeH="0" baseline="0" dirty="0">
                 <a:ln>
                   <a:noFill/>
                 </a:ln>
@@ -13870,7 +12283,7 @@
               </a:rPr>
             </a:br>
             <a:r>
-              <a:rPr kumimoji="0" lang="ko-KR" altLang="ko-KR" sz="1300" b="0" i="0" u="none" strike="noStrike" cap="none" normalizeH="0" baseline="0" dirty="0">
+              <a:rPr kumimoji="0" lang="ko-KR" altLang="ko-KR" b="0" i="0" u="none" strike="noStrike" cap="none" normalizeH="0" baseline="0" dirty="0">
                 <a:ln>
                   <a:noFill/>
                 </a:ln>
@@ -13884,7 +12297,7 @@
               <a:t>    </a:t>
             </a:r>
             <a:r>
-              <a:rPr kumimoji="0" lang="ko-KR" altLang="ko-KR" sz="1300" b="0" i="0" u="none" strike="noStrike" cap="none" normalizeH="0" baseline="0" dirty="0" err="1">
+              <a:rPr kumimoji="0" lang="ko-KR" altLang="ko-KR" b="0" i="0" u="none" strike="noStrike" cap="none" normalizeH="0" baseline="0" dirty="0" err="1">
                 <a:ln>
                   <a:noFill/>
                 </a:ln>
@@ -13898,7 +12311,7 @@
               <a:t>driver-class-name</a:t>
             </a:r>
             <a:r>
-              <a:rPr kumimoji="0" lang="ko-KR" altLang="ko-KR" sz="1300" b="0" i="0" u="none" strike="noStrike" cap="none" normalizeH="0" baseline="0" dirty="0">
+              <a:rPr kumimoji="0" lang="ko-KR" altLang="ko-KR" b="0" i="0" u="none" strike="noStrike" cap="none" normalizeH="0" baseline="0" dirty="0">
                 <a:ln>
                   <a:noFill/>
                 </a:ln>
@@ -13912,7 +12325,7 @@
               <a:t>: </a:t>
             </a:r>
             <a:r>
-              <a:rPr kumimoji="0" lang="ko-KR" altLang="ko-KR" sz="1300" b="0" i="0" u="none" strike="noStrike" cap="none" normalizeH="0" baseline="0" dirty="0" err="1">
+              <a:rPr kumimoji="0" lang="ko-KR" altLang="ko-KR" b="0" i="0" u="none" strike="noStrike" cap="none" normalizeH="0" baseline="0" dirty="0" err="1">
                 <a:ln>
                   <a:noFill/>
                 </a:ln>
@@ -13926,7 +12339,7 @@
               <a:t>org</a:t>
             </a:r>
             <a:r>
-              <a:rPr kumimoji="0" lang="ko-KR" altLang="ko-KR" sz="1300" b="0" i="0" u="none" strike="noStrike" cap="none" normalizeH="0" baseline="0" dirty="0" err="1">
+              <a:rPr kumimoji="0" lang="ko-KR" altLang="ko-KR" b="0" i="0" u="none" strike="noStrike" cap="none" normalizeH="0" baseline="0" dirty="0" err="1">
                 <a:ln>
                   <a:noFill/>
                 </a:ln>
@@ -13940,7 +12353,7 @@
               <a:t>.</a:t>
             </a:r>
             <a:r>
-              <a:rPr kumimoji="0" lang="ko-KR" altLang="ko-KR" sz="1300" b="0" i="0" u="none" strike="noStrike" cap="none" normalizeH="0" baseline="0" dirty="0" err="1">
+              <a:rPr kumimoji="0" lang="ko-KR" altLang="ko-KR" b="0" i="0" u="none" strike="noStrike" cap="none" normalizeH="0" baseline="0" dirty="0" err="1">
                 <a:ln>
                   <a:noFill/>
                 </a:ln>
@@ -13954,7 +12367,7 @@
               <a:t>postgresql</a:t>
             </a:r>
             <a:r>
-              <a:rPr kumimoji="0" lang="ko-KR" altLang="ko-KR" sz="1300" b="0" i="0" u="none" strike="noStrike" cap="none" normalizeH="0" baseline="0" dirty="0" err="1">
+              <a:rPr kumimoji="0" lang="ko-KR" altLang="ko-KR" b="0" i="0" u="none" strike="noStrike" cap="none" normalizeH="0" baseline="0" dirty="0" err="1">
                 <a:ln>
                   <a:noFill/>
                 </a:ln>
@@ -13968,7 +12381,7 @@
               <a:t>.</a:t>
             </a:r>
             <a:r>
-              <a:rPr kumimoji="0" lang="ko-KR" altLang="ko-KR" sz="1300" b="0" i="0" u="none" strike="noStrike" cap="none" normalizeH="0" baseline="0" dirty="0" err="1">
+              <a:rPr kumimoji="0" lang="ko-KR" altLang="ko-KR" b="0" i="0" u="none" strike="noStrike" cap="none" normalizeH="0" baseline="0" dirty="0" err="1">
                 <a:ln>
                   <a:noFill/>
                 </a:ln>
@@ -13982,7 +12395,7 @@
               <a:t>Driver</a:t>
             </a:r>
             <a:br>
-              <a:rPr kumimoji="0" lang="ko-KR" altLang="ko-KR" sz="1300" b="0" i="0" u="none" strike="noStrike" cap="none" normalizeH="0" baseline="0" dirty="0">
+              <a:rPr kumimoji="0" lang="ko-KR" altLang="ko-KR" b="0" i="0" u="none" strike="noStrike" cap="none" normalizeH="0" baseline="0" dirty="0">
                 <a:ln>
                   <a:noFill/>
                 </a:ln>
@@ -13995,7 +12408,7 @@
               </a:rPr>
             </a:br>
             <a:r>
-              <a:rPr kumimoji="0" lang="ko-KR" altLang="ko-KR" sz="1300" b="0" i="0" u="none" strike="noStrike" cap="none" normalizeH="0" baseline="0" dirty="0">
+              <a:rPr kumimoji="0" lang="ko-KR" altLang="ko-KR" b="0" i="0" u="none" strike="noStrike" cap="none" normalizeH="0" baseline="0" dirty="0">
                 <a:ln>
                   <a:noFill/>
                 </a:ln>
@@ -14009,7 +12422,7 @@
               <a:t>    </a:t>
             </a:r>
             <a:r>
-              <a:rPr kumimoji="0" lang="ko-KR" altLang="ko-KR" sz="1300" b="0" i="0" u="none" strike="noStrike" cap="none" normalizeH="0" baseline="0" dirty="0" err="1">
+              <a:rPr kumimoji="0" lang="ko-KR" altLang="ko-KR" b="0" i="0" u="none" strike="noStrike" cap="none" normalizeH="0" baseline="0" dirty="0" err="1">
                 <a:ln>
                   <a:noFill/>
                 </a:ln>
@@ -14023,7 +12436,7 @@
               <a:t>username</a:t>
             </a:r>
             <a:r>
-              <a:rPr kumimoji="0" lang="ko-KR" altLang="ko-KR" sz="1300" b="0" i="0" u="none" strike="noStrike" cap="none" normalizeH="0" baseline="0" dirty="0">
+              <a:rPr kumimoji="0" lang="ko-KR" altLang="ko-KR" b="0" i="0" u="none" strike="noStrike" cap="none" normalizeH="0" baseline="0" dirty="0">
                 <a:ln>
                   <a:noFill/>
                 </a:ln>
@@ -14037,7 +12450,7 @@
               <a:t>: </a:t>
             </a:r>
             <a:r>
-              <a:rPr kumimoji="0" lang="ko-KR" altLang="ko-KR" sz="1300" b="0" i="0" u="none" strike="noStrike" cap="none" normalizeH="0" baseline="0" dirty="0" err="1">
+              <a:rPr kumimoji="0" lang="ko-KR" altLang="ko-KR" b="0" i="0" u="none" strike="noStrike" cap="none" normalizeH="0" baseline="0" dirty="0" err="1">
                 <a:ln>
                   <a:noFill/>
                 </a:ln>
@@ -14051,7 +12464,7 @@
               <a:t>postgres</a:t>
             </a:r>
             <a:br>
-              <a:rPr kumimoji="0" lang="ko-KR" altLang="ko-KR" sz="1300" b="0" i="0" u="none" strike="noStrike" cap="none" normalizeH="0" baseline="0" dirty="0">
+              <a:rPr kumimoji="0" lang="ko-KR" altLang="ko-KR" b="0" i="0" u="none" strike="noStrike" cap="none" normalizeH="0" baseline="0" dirty="0">
                 <a:ln>
                   <a:noFill/>
                 </a:ln>
@@ -14064,7 +12477,7 @@
               </a:rPr>
             </a:br>
             <a:r>
-              <a:rPr kumimoji="0" lang="ko-KR" altLang="ko-KR" sz="1300" b="0" i="0" u="none" strike="noStrike" cap="none" normalizeH="0" baseline="0" dirty="0">
+              <a:rPr kumimoji="0" lang="ko-KR" altLang="ko-KR" b="0" i="0" u="none" strike="noStrike" cap="none" normalizeH="0" baseline="0" dirty="0">
                 <a:ln>
                   <a:noFill/>
                 </a:ln>
@@ -14078,7 +12491,7 @@
               <a:t>    </a:t>
             </a:r>
             <a:r>
-              <a:rPr kumimoji="0" lang="ko-KR" altLang="ko-KR" sz="1300" b="0" i="0" u="none" strike="noStrike" cap="none" normalizeH="0" baseline="0" dirty="0" err="1">
+              <a:rPr kumimoji="0" lang="ko-KR" altLang="ko-KR" b="0" i="0" u="none" strike="noStrike" cap="none" normalizeH="0" baseline="0" dirty="0" err="1">
                 <a:ln>
                   <a:noFill/>
                 </a:ln>
@@ -14092,7 +12505,7 @@
               <a:t>password</a:t>
             </a:r>
             <a:r>
-              <a:rPr kumimoji="0" lang="ko-KR" altLang="ko-KR" sz="1300" b="0" i="0" u="none" strike="noStrike" cap="none" normalizeH="0" baseline="0" dirty="0">
+              <a:rPr kumimoji="0" lang="ko-KR" altLang="ko-KR" b="0" i="0" u="none" strike="noStrike" cap="none" normalizeH="0" baseline="0" dirty="0">
                 <a:ln>
                   <a:noFill/>
                 </a:ln>
@@ -14106,7 +12519,7 @@
               <a:t>: </a:t>
             </a:r>
             <a:r>
-              <a:rPr kumimoji="0" lang="ko-KR" altLang="ko-KR" sz="1300" b="0" i="0" u="none" strike="noStrike" cap="none" normalizeH="0" baseline="0" dirty="0">
+              <a:rPr kumimoji="0" lang="ko-KR" altLang="ko-KR" b="0" i="0" u="none" strike="noStrike" cap="none" normalizeH="0" baseline="0" dirty="0">
                 <a:ln>
                   <a:noFill/>
                 </a:ln>
@@ -14120,7 +12533,7 @@
               <a:t>tmax1234</a:t>
             </a:r>
             <a:br>
-              <a:rPr kumimoji="0" lang="ko-KR" altLang="ko-KR" sz="1300" b="0" i="0" u="none" strike="noStrike" cap="none" normalizeH="0" baseline="0" dirty="0">
+              <a:rPr kumimoji="0" lang="ko-KR" altLang="ko-KR" b="0" i="0" u="none" strike="noStrike" cap="none" normalizeH="0" baseline="0" dirty="0">
                 <a:ln>
                   <a:noFill/>
                 </a:ln>
@@ -14133,7 +12546,7 @@
               </a:rPr>
             </a:br>
             <a:r>
-              <a:rPr kumimoji="0" lang="ko-KR" altLang="ko-KR" sz="1300" b="0" i="0" u="none" strike="noStrike" cap="none" normalizeH="0" baseline="0" dirty="0">
+              <a:rPr kumimoji="0" lang="ko-KR" altLang="ko-KR" b="0" i="0" u="none" strike="noStrike" cap="none" normalizeH="0" baseline="0" dirty="0">
                 <a:ln>
                   <a:noFill/>
                 </a:ln>
@@ -14147,7 +12560,7 @@
               <a:t>  </a:t>
             </a:r>
             <a:r>
-              <a:rPr kumimoji="0" lang="ko-KR" altLang="ko-KR" sz="1300" b="0" i="0" u="none" strike="noStrike" cap="none" normalizeH="0" baseline="0" dirty="0" err="1">
+              <a:rPr kumimoji="0" lang="ko-KR" altLang="ko-KR" b="0" i="0" u="none" strike="noStrike" cap="none" normalizeH="0" baseline="0" dirty="0" err="1">
                 <a:ln>
                   <a:noFill/>
                 </a:ln>
@@ -14161,7 +12574,7 @@
               <a:t>flyway</a:t>
             </a:r>
             <a:r>
-              <a:rPr kumimoji="0" lang="ko-KR" altLang="ko-KR" sz="1300" b="0" i="0" u="none" strike="noStrike" cap="none" normalizeH="0" baseline="0" dirty="0">
+              <a:rPr kumimoji="0" lang="ko-KR" altLang="ko-KR" b="0" i="0" u="none" strike="noStrike" cap="none" normalizeH="0" baseline="0" dirty="0">
                 <a:ln>
                   <a:noFill/>
                 </a:ln>
@@ -14175,7 +12588,7 @@
               <a:t>:</a:t>
             </a:r>
             <a:br>
-              <a:rPr kumimoji="0" lang="ko-KR" altLang="ko-KR" sz="1300" b="0" i="0" u="none" strike="noStrike" cap="none" normalizeH="0" baseline="0" dirty="0">
+              <a:rPr kumimoji="0" lang="ko-KR" altLang="ko-KR" b="0" i="0" u="none" strike="noStrike" cap="none" normalizeH="0" baseline="0" dirty="0">
                 <a:ln>
                   <a:noFill/>
                 </a:ln>
@@ -14188,7 +12601,7 @@
               </a:rPr>
             </a:br>
             <a:r>
-              <a:rPr kumimoji="0" lang="ko-KR" altLang="ko-KR" sz="1300" b="0" i="0" u="none" strike="noStrike" cap="none" normalizeH="0" baseline="0" dirty="0">
+              <a:rPr kumimoji="0" lang="ko-KR" altLang="ko-KR" b="0" i="0" u="none" strike="noStrike" cap="none" normalizeH="0" baseline="0" dirty="0">
                 <a:ln>
                   <a:noFill/>
                 </a:ln>
@@ -14202,7 +12615,7 @@
               <a:t>    </a:t>
             </a:r>
             <a:r>
-              <a:rPr kumimoji="0" lang="ko-KR" altLang="ko-KR" sz="1300" b="0" i="0" u="none" strike="noStrike" cap="none" normalizeH="0" baseline="0" dirty="0" err="1">
+              <a:rPr kumimoji="0" lang="ko-KR" altLang="ko-KR" b="0" i="0" u="none" strike="noStrike" cap="none" normalizeH="0" baseline="0" dirty="0" err="1">
                 <a:ln>
                   <a:noFill/>
                 </a:ln>
@@ -14216,7 +12629,7 @@
               <a:t>enabled</a:t>
             </a:r>
             <a:r>
-              <a:rPr kumimoji="0" lang="ko-KR" altLang="ko-KR" sz="1300" b="0" i="0" u="none" strike="noStrike" cap="none" normalizeH="0" baseline="0" dirty="0">
+              <a:rPr kumimoji="0" lang="ko-KR" altLang="ko-KR" b="0" i="0" u="none" strike="noStrike" cap="none" normalizeH="0" baseline="0" dirty="0">
                 <a:ln>
                   <a:noFill/>
                 </a:ln>
@@ -14230,7 +12643,7 @@
               <a:t>: </a:t>
             </a:r>
             <a:r>
-              <a:rPr kumimoji="0" lang="ko-KR" altLang="ko-KR" sz="1300" b="0" i="1" u="none" strike="noStrike" cap="none" normalizeH="0" baseline="0" dirty="0" err="1">
+              <a:rPr kumimoji="0" lang="ko-KR" altLang="ko-KR" b="0" i="1" u="none" strike="noStrike" cap="none" normalizeH="0" baseline="0" dirty="0" err="1">
                 <a:ln>
                   <a:noFill/>
                 </a:ln>
@@ -14244,7 +12657,7 @@
               <a:t>true</a:t>
             </a:r>
             <a:br>
-              <a:rPr kumimoji="0" lang="ko-KR" altLang="ko-KR" sz="1300" b="0" i="1" u="none" strike="noStrike" cap="none" normalizeH="0" baseline="0" dirty="0">
+              <a:rPr kumimoji="0" lang="ko-KR" altLang="ko-KR" b="0" i="1" u="none" strike="noStrike" cap="none" normalizeH="0" baseline="0" dirty="0">
                 <a:ln>
                   <a:noFill/>
                 </a:ln>
@@ -14257,7 +12670,7 @@
               </a:rPr>
             </a:br>
             <a:r>
-              <a:rPr kumimoji="0" lang="ko-KR" altLang="ko-KR" sz="1300" b="0" i="1" u="none" strike="noStrike" cap="none" normalizeH="0" baseline="0" dirty="0">
+              <a:rPr kumimoji="0" lang="ko-KR" altLang="ko-KR" b="0" i="1" u="none" strike="noStrike" cap="none" normalizeH="0" baseline="0" dirty="0">
                 <a:ln>
                   <a:noFill/>
                 </a:ln>
@@ -14271,7 +12684,7 @@
               <a:t>    </a:t>
             </a:r>
             <a:r>
-              <a:rPr kumimoji="0" lang="ko-KR" altLang="ko-KR" sz="1300" b="0" i="0" u="none" strike="noStrike" cap="none" normalizeH="0" baseline="0" dirty="0" err="1">
+              <a:rPr kumimoji="0" lang="ko-KR" altLang="ko-KR" b="0" i="0" u="none" strike="noStrike" cap="none" normalizeH="0" baseline="0" dirty="0" err="1">
                 <a:ln>
                   <a:noFill/>
                 </a:ln>
@@ -14285,7 +12698,7 @@
               <a:t>baseline-on-migrate</a:t>
             </a:r>
             <a:r>
-              <a:rPr kumimoji="0" lang="ko-KR" altLang="ko-KR" sz="1300" b="0" i="0" u="none" strike="noStrike" cap="none" normalizeH="0" baseline="0" dirty="0">
+              <a:rPr kumimoji="0" lang="ko-KR" altLang="ko-KR" b="0" i="0" u="none" strike="noStrike" cap="none" normalizeH="0" baseline="0" dirty="0">
                 <a:ln>
                   <a:noFill/>
                 </a:ln>
@@ -14299,7 +12712,7 @@
               <a:t>: </a:t>
             </a:r>
             <a:r>
-              <a:rPr kumimoji="0" lang="ko-KR" altLang="ko-KR" sz="1300" b="0" i="1" u="none" strike="noStrike" cap="none" normalizeH="0" baseline="0" dirty="0" err="1">
+              <a:rPr kumimoji="0" lang="ko-KR" altLang="ko-KR" b="0" i="1" u="none" strike="noStrike" cap="none" normalizeH="0" baseline="0" dirty="0" err="1">
                 <a:ln>
                   <a:noFill/>
                 </a:ln>
@@ -14313,7 +12726,7 @@
               <a:t>true</a:t>
             </a:r>
             <a:br>
-              <a:rPr kumimoji="0" lang="ko-KR" altLang="ko-KR" sz="1300" b="0" i="1" u="none" strike="noStrike" cap="none" normalizeH="0" baseline="0" dirty="0">
+              <a:rPr kumimoji="0" lang="ko-KR" altLang="ko-KR" b="0" i="1" u="none" strike="noStrike" cap="none" normalizeH="0" baseline="0" dirty="0">
                 <a:ln>
                   <a:noFill/>
                 </a:ln>
@@ -14326,7 +12739,7 @@
               </a:rPr>
             </a:br>
             <a:r>
-              <a:rPr kumimoji="0" lang="ko-KR" altLang="ko-KR" sz="1300" b="0" i="1" u="none" strike="noStrike" cap="none" normalizeH="0" baseline="0" dirty="0">
+              <a:rPr kumimoji="0" lang="ko-KR" altLang="ko-KR" b="0" i="1" u="none" strike="noStrike" cap="none" normalizeH="0" baseline="0" dirty="0">
                 <a:ln>
                   <a:noFill/>
                 </a:ln>
@@ -14340,7 +12753,7 @@
               <a:t>    </a:t>
             </a:r>
             <a:r>
-              <a:rPr kumimoji="0" lang="ko-KR" altLang="ko-KR" sz="1300" b="0" i="0" u="none" strike="noStrike" cap="none" normalizeH="0" baseline="0" dirty="0" err="1">
+              <a:rPr kumimoji="0" lang="ko-KR" altLang="ko-KR" b="0" i="0" u="none" strike="noStrike" cap="none" normalizeH="0" baseline="0" dirty="0" err="1">
                 <a:ln>
                   <a:noFill/>
                 </a:ln>
@@ -14354,7 +12767,7 @@
               <a:t>locations</a:t>
             </a:r>
             <a:r>
-              <a:rPr kumimoji="0" lang="ko-KR" altLang="ko-KR" sz="1300" b="0" i="0" u="none" strike="noStrike" cap="none" normalizeH="0" baseline="0" dirty="0">
+              <a:rPr kumimoji="0" lang="ko-KR" altLang="ko-KR" b="0" i="0" u="none" strike="noStrike" cap="none" normalizeH="0" baseline="0" dirty="0">
                 <a:ln>
                   <a:noFill/>
                 </a:ln>
@@ -14368,7 +12781,7 @@
               <a:t>: </a:t>
             </a:r>
             <a:r>
-              <a:rPr kumimoji="0" lang="ko-KR" altLang="ko-KR" sz="1300" b="0" i="0" u="none" strike="noStrike" cap="none" normalizeH="0" baseline="0" dirty="0" err="1">
+              <a:rPr kumimoji="0" lang="ko-KR" altLang="ko-KR" b="0" i="0" u="none" strike="noStrike" cap="none" normalizeH="0" baseline="0" dirty="0" err="1">
                 <a:ln>
                   <a:noFill/>
                 </a:ln>
@@ -14382,7 +12795,7 @@
               <a:t>classpath</a:t>
             </a:r>
             <a:r>
-              <a:rPr kumimoji="0" lang="ko-KR" altLang="ko-KR" sz="1300" b="0" i="0" u="none" strike="noStrike" cap="none" normalizeH="0" baseline="0" dirty="0">
+              <a:rPr kumimoji="0" lang="ko-KR" altLang="ko-KR" b="0" i="0" u="none" strike="noStrike" cap="none" normalizeH="0" baseline="0" dirty="0">
                 <a:ln>
                   <a:noFill/>
                 </a:ln>
@@ -14396,7 +12809,7 @@
               <a:t>:/</a:t>
             </a:r>
             <a:r>
-              <a:rPr kumimoji="0" lang="ko-KR" altLang="ko-KR" sz="1300" b="0" i="0" u="none" strike="noStrike" cap="none" normalizeH="0" baseline="0" dirty="0" err="1">
+              <a:rPr kumimoji="0" lang="ko-KR" altLang="ko-KR" b="0" i="0" u="none" strike="noStrike" cap="none" normalizeH="0" baseline="0" dirty="0" err="1">
                 <a:ln>
                   <a:noFill/>
                 </a:ln>
@@ -14410,7 +12823,7 @@
               <a:t>db</a:t>
             </a:r>
             <a:r>
-              <a:rPr kumimoji="0" lang="ko-KR" altLang="ko-KR" sz="1300" b="0" i="0" u="none" strike="noStrike" cap="none" normalizeH="0" baseline="0" dirty="0">
+              <a:rPr kumimoji="0" lang="ko-KR" altLang="ko-KR" b="0" i="0" u="none" strike="noStrike" cap="none" normalizeH="0" baseline="0" dirty="0">
                 <a:ln>
                   <a:noFill/>
                 </a:ln>
@@ -14424,7 +12837,7 @@
               <a:t>/</a:t>
             </a:r>
             <a:r>
-              <a:rPr kumimoji="0" lang="ko-KR" altLang="ko-KR" sz="1300" b="0" i="0" u="none" strike="noStrike" cap="none" normalizeH="0" baseline="0" dirty="0" err="1">
+              <a:rPr kumimoji="0" lang="ko-KR" altLang="ko-KR" b="0" i="0" u="none" strike="noStrike" cap="none" normalizeH="0" baseline="0" dirty="0" err="1">
                 <a:ln>
                   <a:noFill/>
                 </a:ln>
@@ -14438,7 +12851,7 @@
               <a:t>migration</a:t>
             </a:r>
             <a:br>
-              <a:rPr kumimoji="0" lang="ko-KR" altLang="ko-KR" sz="1300" b="0" i="0" u="none" strike="noStrike" cap="none" normalizeH="0" baseline="0" dirty="0">
+              <a:rPr kumimoji="0" lang="ko-KR" altLang="ko-KR" b="0" i="0" u="none" strike="noStrike" cap="none" normalizeH="0" baseline="0" dirty="0">
                 <a:ln>
                   <a:noFill/>
                 </a:ln>
@@ -14451,7 +12864,7 @@
               </a:rPr>
             </a:br>
             <a:r>
-              <a:rPr kumimoji="0" lang="ko-KR" altLang="ko-KR" sz="1300" b="0" i="0" u="none" strike="noStrike" cap="none" normalizeH="0" baseline="0" dirty="0">
+              <a:rPr kumimoji="0" lang="ko-KR" altLang="ko-KR" b="0" i="0" u="none" strike="noStrike" cap="none" normalizeH="0" baseline="0" dirty="0">
                 <a:ln>
                   <a:noFill/>
                 </a:ln>
@@ -14465,7 +12878,7 @@
               <a:t>  </a:t>
             </a:r>
             <a:r>
-              <a:rPr kumimoji="0" lang="ko-KR" altLang="ko-KR" sz="1300" b="0" i="0" u="none" strike="noStrike" cap="none" normalizeH="0" baseline="0" dirty="0" err="1">
+              <a:rPr kumimoji="0" lang="ko-KR" altLang="ko-KR" b="0" i="0" u="none" strike="noStrike" cap="none" normalizeH="0" baseline="0" dirty="0" err="1">
                 <a:ln>
                   <a:noFill/>
                 </a:ln>
@@ -14479,7 +12892,7 @@
               <a:t>jpa</a:t>
             </a:r>
             <a:r>
-              <a:rPr kumimoji="0" lang="ko-KR" altLang="ko-KR" sz="1300" b="0" i="0" u="none" strike="noStrike" cap="none" normalizeH="0" baseline="0" dirty="0">
+              <a:rPr kumimoji="0" lang="ko-KR" altLang="ko-KR" b="0" i="0" u="none" strike="noStrike" cap="none" normalizeH="0" baseline="0" dirty="0">
                 <a:ln>
                   <a:noFill/>
                 </a:ln>
@@ -14493,7 +12906,7 @@
               <a:t>:</a:t>
             </a:r>
             <a:br>
-              <a:rPr kumimoji="0" lang="ko-KR" altLang="ko-KR" sz="1300" b="0" i="0" u="none" strike="noStrike" cap="none" normalizeH="0" baseline="0" dirty="0">
+              <a:rPr kumimoji="0" lang="ko-KR" altLang="ko-KR" b="0" i="0" u="none" strike="noStrike" cap="none" normalizeH="0" baseline="0" dirty="0">
                 <a:ln>
                   <a:noFill/>
                 </a:ln>
@@ -14506,7 +12919,7 @@
               </a:rPr>
             </a:br>
             <a:r>
-              <a:rPr kumimoji="0" lang="ko-KR" altLang="ko-KR" sz="1300" b="0" i="0" u="none" strike="noStrike" cap="none" normalizeH="0" baseline="0" dirty="0">
+              <a:rPr kumimoji="0" lang="ko-KR" altLang="ko-KR" b="0" i="0" u="none" strike="noStrike" cap="none" normalizeH="0" baseline="0" dirty="0">
                 <a:ln>
                   <a:noFill/>
                 </a:ln>
@@ -14520,7 +12933,7 @@
               <a:t>    </a:t>
             </a:r>
             <a:r>
-              <a:rPr kumimoji="0" lang="ko-KR" altLang="ko-KR" sz="1300" b="0" i="0" u="none" strike="noStrike" cap="none" normalizeH="0" baseline="0" dirty="0" err="1">
+              <a:rPr kumimoji="0" lang="ko-KR" altLang="ko-KR" b="0" i="0" u="none" strike="noStrike" cap="none" normalizeH="0" baseline="0" dirty="0" err="1">
                 <a:ln>
                   <a:noFill/>
                 </a:ln>
@@ -14534,7 +12947,7 @@
               <a:t>hibernate</a:t>
             </a:r>
             <a:r>
-              <a:rPr kumimoji="0" lang="ko-KR" altLang="ko-KR" sz="1300" b="0" i="0" u="none" strike="noStrike" cap="none" normalizeH="0" baseline="0" dirty="0">
+              <a:rPr kumimoji="0" lang="ko-KR" altLang="ko-KR" b="0" i="0" u="none" strike="noStrike" cap="none" normalizeH="0" baseline="0" dirty="0">
                 <a:ln>
                   <a:noFill/>
                 </a:ln>
@@ -14548,7 +12961,7 @@
               <a:t>:</a:t>
             </a:r>
             <a:br>
-              <a:rPr kumimoji="0" lang="ko-KR" altLang="ko-KR" sz="1300" b="0" i="0" u="none" strike="noStrike" cap="none" normalizeH="0" baseline="0" dirty="0">
+              <a:rPr kumimoji="0" lang="ko-KR" altLang="ko-KR" b="0" i="0" u="none" strike="noStrike" cap="none" normalizeH="0" baseline="0" dirty="0">
                 <a:ln>
                   <a:noFill/>
                 </a:ln>
@@ -14561,7 +12974,7 @@
               </a:rPr>
             </a:br>
             <a:r>
-              <a:rPr kumimoji="0" lang="ko-KR" altLang="ko-KR" sz="1300" b="0" i="0" u="none" strike="noStrike" cap="none" normalizeH="0" baseline="0" dirty="0">
+              <a:rPr kumimoji="0" lang="ko-KR" altLang="ko-KR" b="0" i="0" u="none" strike="noStrike" cap="none" normalizeH="0" baseline="0" dirty="0">
                 <a:ln>
                   <a:noFill/>
                 </a:ln>
@@ -14575,7 +12988,7 @@
               <a:t>      </a:t>
             </a:r>
             <a:r>
-              <a:rPr kumimoji="0" lang="ko-KR" altLang="ko-KR" sz="1300" b="0" i="0" u="none" strike="noStrike" cap="none" normalizeH="0" baseline="0" dirty="0" err="1">
+              <a:rPr kumimoji="0" lang="ko-KR" altLang="ko-KR" b="0" i="0" u="none" strike="noStrike" cap="none" normalizeH="0" baseline="0" dirty="0" err="1">
                 <a:ln>
                   <a:noFill/>
                 </a:ln>
@@ -14589,7 +13002,7 @@
               <a:t>ddl-auto</a:t>
             </a:r>
             <a:r>
-              <a:rPr kumimoji="0" lang="ko-KR" altLang="ko-KR" sz="1300" b="0" i="0" u="none" strike="noStrike" cap="none" normalizeH="0" baseline="0" dirty="0">
+              <a:rPr kumimoji="0" lang="ko-KR" altLang="ko-KR" b="0" i="0" u="none" strike="noStrike" cap="none" normalizeH="0" baseline="0" dirty="0">
                 <a:ln>
                   <a:noFill/>
                 </a:ln>
@@ -14603,21 +13016,17 @@
               <a:t>: </a:t>
             </a:r>
             <a:r>
-              <a:rPr kumimoji="0" lang="ko-KR" altLang="ko-KR" sz="1300" b="0" i="0" u="none" strike="noStrike" cap="none" normalizeH="0" baseline="0" dirty="0" err="1">
-                <a:ln>
-                  <a:noFill/>
-                </a:ln>
+              <a:rPr kumimoji="0" lang="en-US" altLang="ko-KR" dirty="0">
                 <a:solidFill>
                   <a:srgbClr val="36F9F6"/>
                 </a:solidFill>
-                <a:effectLst/>
-                <a:latin typeface="Arial Unicode MS"/>
-                <a:ea typeface="JetBrains Mono"/>
-              </a:rPr>
-              <a:t>update</a:t>
+                <a:latin typeface="Arial Unicode MS"/>
+                <a:ea typeface="JetBrains Mono"/>
+              </a:rPr>
+              <a:t>validate</a:t>
             </a:r>
             <a:br>
-              <a:rPr kumimoji="0" lang="ko-KR" altLang="ko-KR" sz="1300" b="0" i="0" u="none" strike="noStrike" cap="none" normalizeH="0" baseline="0" dirty="0">
+              <a:rPr kumimoji="0" lang="ko-KR" altLang="ko-KR" b="0" i="0" u="none" strike="noStrike" cap="none" normalizeH="0" baseline="0" dirty="0">
                 <a:ln>
                   <a:noFill/>
                 </a:ln>
@@ -14630,7 +13039,7 @@
               </a:rPr>
             </a:br>
             <a:r>
-              <a:rPr kumimoji="0" lang="ko-KR" altLang="ko-KR" sz="1300" b="0" i="0" u="none" strike="noStrike" cap="none" normalizeH="0" baseline="0" dirty="0">
+              <a:rPr kumimoji="0" lang="ko-KR" altLang="ko-KR" b="0" i="0" u="none" strike="noStrike" cap="none" normalizeH="0" baseline="0" dirty="0">
                 <a:ln>
                   <a:noFill/>
                 </a:ln>
@@ -14644,7 +13053,7 @@
               <a:t>    </a:t>
             </a:r>
             <a:r>
-              <a:rPr kumimoji="0" lang="ko-KR" altLang="ko-KR" sz="1300" b="0" i="0" u="none" strike="noStrike" cap="none" normalizeH="0" baseline="0" dirty="0" err="1">
+              <a:rPr kumimoji="0" lang="ko-KR" altLang="ko-KR" b="0" i="0" u="none" strike="noStrike" cap="none" normalizeH="0" baseline="0" dirty="0" err="1">
                 <a:ln>
                   <a:noFill/>
                 </a:ln>
@@ -14658,7 +13067,7 @@
               <a:t>database</a:t>
             </a:r>
             <a:r>
-              <a:rPr kumimoji="0" lang="ko-KR" altLang="ko-KR" sz="1300" b="0" i="0" u="none" strike="noStrike" cap="none" normalizeH="0" baseline="0" dirty="0">
+              <a:rPr kumimoji="0" lang="ko-KR" altLang="ko-KR" b="0" i="0" u="none" strike="noStrike" cap="none" normalizeH="0" baseline="0" dirty="0">
                 <a:ln>
                   <a:noFill/>
                 </a:ln>
@@ -14672,7 +13081,7 @@
               <a:t>: </a:t>
             </a:r>
             <a:r>
-              <a:rPr kumimoji="0" lang="ko-KR" altLang="ko-KR" sz="1300" b="0" i="1" u="none" strike="noStrike" cap="none" normalizeH="0" baseline="0" dirty="0" err="1">
+              <a:rPr kumimoji="0" lang="ko-KR" altLang="ko-KR" b="0" i="1" u="none" strike="noStrike" cap="none" normalizeH="0" baseline="0" dirty="0" err="1">
                 <a:ln>
                   <a:noFill/>
                 </a:ln>
@@ -14686,7 +13095,7 @@
               <a:t>postgresql</a:t>
             </a:r>
             <a:br>
-              <a:rPr kumimoji="0" lang="ko-KR" altLang="ko-KR" sz="1300" b="0" i="1" u="none" strike="noStrike" cap="none" normalizeH="0" baseline="0" dirty="0">
+              <a:rPr kumimoji="0" lang="ko-KR" altLang="ko-KR" b="0" i="1" u="none" strike="noStrike" cap="none" normalizeH="0" baseline="0" dirty="0">
                 <a:ln>
                   <a:noFill/>
                 </a:ln>
@@ -14699,7 +13108,7 @@
               </a:rPr>
             </a:br>
             <a:r>
-              <a:rPr kumimoji="0" lang="ko-KR" altLang="ko-KR" sz="1300" b="0" i="1" u="none" strike="noStrike" cap="none" normalizeH="0" baseline="0" dirty="0">
+              <a:rPr kumimoji="0" lang="ko-KR" altLang="ko-KR" b="0" i="1" u="none" strike="noStrike" cap="none" normalizeH="0" baseline="0" dirty="0">
                 <a:ln>
                   <a:noFill/>
                 </a:ln>
@@ -14713,7 +13122,7 @@
               <a:t>    </a:t>
             </a:r>
             <a:r>
-              <a:rPr kumimoji="0" lang="ko-KR" altLang="ko-KR" sz="1300" b="0" i="0" u="none" strike="noStrike" cap="none" normalizeH="0" baseline="0" dirty="0" err="1">
+              <a:rPr kumimoji="0" lang="ko-KR" altLang="ko-KR" b="0" i="0" u="none" strike="noStrike" cap="none" normalizeH="0" baseline="0" dirty="0" err="1">
                 <a:ln>
                   <a:noFill/>
                 </a:ln>
@@ -14727,7 +13136,7 @@
               <a:t>database-platform</a:t>
             </a:r>
             <a:r>
-              <a:rPr kumimoji="0" lang="ko-KR" altLang="ko-KR" sz="1300" b="0" i="0" u="none" strike="noStrike" cap="none" normalizeH="0" baseline="0" dirty="0">
+              <a:rPr kumimoji="0" lang="ko-KR" altLang="ko-KR" b="0" i="0" u="none" strike="noStrike" cap="none" normalizeH="0" baseline="0" dirty="0">
                 <a:ln>
                   <a:noFill/>
                 </a:ln>
@@ -14741,7 +13150,7 @@
               <a:t>: </a:t>
             </a:r>
             <a:r>
-              <a:rPr kumimoji="0" lang="ko-KR" altLang="ko-KR" sz="1300" b="0" i="0" u="none" strike="noStrike" cap="none" normalizeH="0" baseline="0" dirty="0">
+              <a:rPr kumimoji="0" lang="ko-KR" altLang="ko-KR" b="0" i="0" u="none" strike="noStrike" cap="none" normalizeH="0" baseline="0" dirty="0">
                 <a:ln>
                   <a:noFill/>
                 </a:ln>
@@ -14755,7 +13164,7 @@
               <a:t>org.hibernate.dialect.PostgreSQL10Dialect</a:t>
             </a:r>
             <a:br>
-              <a:rPr kumimoji="0" lang="ko-KR" altLang="ko-KR" sz="1300" b="0" i="0" u="none" strike="noStrike" cap="none" normalizeH="0" baseline="0" dirty="0">
+              <a:rPr kumimoji="0" lang="ko-KR" altLang="ko-KR" b="0" i="0" u="none" strike="noStrike" cap="none" normalizeH="0" baseline="0" dirty="0">
                 <a:ln>
                   <a:noFill/>
                 </a:ln>
@@ -14768,7 +13177,7 @@
               </a:rPr>
             </a:br>
             <a:r>
-              <a:rPr kumimoji="0" lang="ko-KR" altLang="ko-KR" sz="1300" b="0" i="0" u="none" strike="noStrike" cap="none" normalizeH="0" baseline="0" dirty="0">
+              <a:rPr kumimoji="0" lang="ko-KR" altLang="ko-KR" b="0" i="0" u="none" strike="noStrike" cap="none" normalizeH="0" baseline="0" dirty="0">
                 <a:ln>
                   <a:noFill/>
                 </a:ln>
@@ -14782,7 +13191,7 @@
               <a:t>    </a:t>
             </a:r>
             <a:r>
-              <a:rPr kumimoji="0" lang="ko-KR" altLang="ko-KR" sz="1300" b="0" i="0" u="none" strike="noStrike" cap="none" normalizeH="0" baseline="0" dirty="0" err="1">
+              <a:rPr kumimoji="0" lang="ko-KR" altLang="ko-KR" b="0" i="0" u="none" strike="noStrike" cap="none" normalizeH="0" baseline="0" dirty="0" err="1">
                 <a:ln>
                   <a:noFill/>
                 </a:ln>
@@ -14796,7 +13205,7 @@
               <a:t>show-sql</a:t>
             </a:r>
             <a:r>
-              <a:rPr kumimoji="0" lang="ko-KR" altLang="ko-KR" sz="1300" b="0" i="0" u="none" strike="noStrike" cap="none" normalizeH="0" baseline="0" dirty="0">
+              <a:rPr kumimoji="0" lang="ko-KR" altLang="ko-KR" b="0" i="0" u="none" strike="noStrike" cap="none" normalizeH="0" baseline="0" dirty="0">
                 <a:ln>
                   <a:noFill/>
                 </a:ln>
@@ -14810,7 +13219,7 @@
               <a:t>: </a:t>
             </a:r>
             <a:r>
-              <a:rPr kumimoji="0" lang="ko-KR" altLang="ko-KR" sz="1300" b="0" i="1" u="none" strike="noStrike" cap="none" normalizeH="0" baseline="0" dirty="0" err="1">
+              <a:rPr kumimoji="0" lang="ko-KR" altLang="ko-KR" b="0" i="1" u="none" strike="noStrike" cap="none" normalizeH="0" baseline="0" dirty="0" err="1">
                 <a:ln>
                   <a:noFill/>
                 </a:ln>
@@ -14824,7 +13233,7 @@
               <a:t>true</a:t>
             </a:r>
             <a:br>
-              <a:rPr kumimoji="0" lang="ko-KR" altLang="ko-KR" sz="1300" b="0" i="1" u="none" strike="noStrike" cap="none" normalizeH="0" baseline="0" dirty="0">
+              <a:rPr kumimoji="0" lang="ko-KR" altLang="ko-KR" b="0" i="1" u="none" strike="noStrike" cap="none" normalizeH="0" baseline="0" dirty="0">
                 <a:ln>
                   <a:noFill/>
                 </a:ln>
@@ -14837,7 +13246,7 @@
               </a:rPr>
             </a:br>
             <a:r>
-              <a:rPr kumimoji="0" lang="ko-KR" altLang="ko-KR" sz="1300" b="0" i="1" u="none" strike="noStrike" cap="none" normalizeH="0" baseline="0" dirty="0">
+              <a:rPr kumimoji="0" lang="ko-KR" altLang="ko-KR" b="0" i="1" u="none" strike="noStrike" cap="none" normalizeH="0" baseline="0" dirty="0">
                 <a:ln>
                   <a:noFill/>
                 </a:ln>
@@ -14851,7 +13260,7 @@
               <a:t>    </a:t>
             </a:r>
             <a:r>
-              <a:rPr kumimoji="0" lang="ko-KR" altLang="ko-KR" sz="1300" b="0" i="0" u="none" strike="noStrike" cap="none" normalizeH="0" baseline="0" dirty="0" err="1">
+              <a:rPr kumimoji="0" lang="ko-KR" altLang="ko-KR" b="0" i="0" u="none" strike="noStrike" cap="none" normalizeH="0" baseline="0" dirty="0" err="1">
                 <a:ln>
                   <a:noFill/>
                 </a:ln>
@@ -14865,7 +13274,7 @@
               <a:t>properties</a:t>
             </a:r>
             <a:r>
-              <a:rPr kumimoji="0" lang="ko-KR" altLang="ko-KR" sz="1300" b="0" i="0" u="none" strike="noStrike" cap="none" normalizeH="0" baseline="0" dirty="0">
+              <a:rPr kumimoji="0" lang="ko-KR" altLang="ko-KR" b="0" i="0" u="none" strike="noStrike" cap="none" normalizeH="0" baseline="0" dirty="0">
                 <a:ln>
                   <a:noFill/>
                 </a:ln>
@@ -14879,7 +13288,7 @@
               <a:t>:</a:t>
             </a:r>
             <a:br>
-              <a:rPr kumimoji="0" lang="ko-KR" altLang="ko-KR" sz="1300" b="0" i="0" u="none" strike="noStrike" cap="none" normalizeH="0" baseline="0" dirty="0">
+              <a:rPr kumimoji="0" lang="ko-KR" altLang="ko-KR" b="0" i="0" u="none" strike="noStrike" cap="none" normalizeH="0" baseline="0" dirty="0">
                 <a:ln>
                   <a:noFill/>
                 </a:ln>
@@ -14892,7 +13301,7 @@
               </a:rPr>
             </a:br>
             <a:r>
-              <a:rPr kumimoji="0" lang="ko-KR" altLang="ko-KR" sz="1300" b="0" i="0" u="none" strike="noStrike" cap="none" normalizeH="0" baseline="0" dirty="0">
+              <a:rPr kumimoji="0" lang="ko-KR" altLang="ko-KR" b="0" i="0" u="none" strike="noStrike" cap="none" normalizeH="0" baseline="0" dirty="0">
                 <a:ln>
                   <a:noFill/>
                 </a:ln>
@@ -14906,7 +13315,7 @@
               <a:t>      </a:t>
             </a:r>
             <a:r>
-              <a:rPr kumimoji="0" lang="ko-KR" altLang="ko-KR" sz="1300" b="0" i="0" u="none" strike="noStrike" cap="none" normalizeH="0" baseline="0" dirty="0" err="1">
+              <a:rPr kumimoji="0" lang="ko-KR" altLang="ko-KR" b="0" i="0" u="none" strike="noStrike" cap="none" normalizeH="0" baseline="0" dirty="0" err="1">
                 <a:ln>
                   <a:noFill/>
                 </a:ln>
@@ -14920,7 +13329,7 @@
               <a:t>hibernate</a:t>
             </a:r>
             <a:r>
-              <a:rPr kumimoji="0" lang="ko-KR" altLang="ko-KR" sz="1300" b="0" i="0" u="none" strike="noStrike" cap="none" normalizeH="0" baseline="0" dirty="0">
+              <a:rPr kumimoji="0" lang="ko-KR" altLang="ko-KR" b="0" i="0" u="none" strike="noStrike" cap="none" normalizeH="0" baseline="0" dirty="0">
                 <a:ln>
                   <a:noFill/>
                 </a:ln>
@@ -14934,7 +13343,7 @@
               <a:t>:</a:t>
             </a:r>
             <a:br>
-              <a:rPr kumimoji="0" lang="ko-KR" altLang="ko-KR" sz="1300" b="0" i="0" u="none" strike="noStrike" cap="none" normalizeH="0" baseline="0" dirty="0">
+              <a:rPr kumimoji="0" lang="ko-KR" altLang="ko-KR" b="0" i="0" u="none" strike="noStrike" cap="none" normalizeH="0" baseline="0" dirty="0">
                 <a:ln>
                   <a:noFill/>
                 </a:ln>
@@ -14947,7 +13356,7 @@
               </a:rPr>
             </a:br>
             <a:r>
-              <a:rPr kumimoji="0" lang="ko-KR" altLang="ko-KR" sz="1300" b="0" i="0" u="none" strike="noStrike" cap="none" normalizeH="0" baseline="0" dirty="0">
+              <a:rPr kumimoji="0" lang="ko-KR" altLang="ko-KR" b="0" i="0" u="none" strike="noStrike" cap="none" normalizeH="0" baseline="0" dirty="0">
                 <a:ln>
                   <a:noFill/>
                 </a:ln>
@@ -14961,7 +13370,7 @@
               <a:t>        </a:t>
             </a:r>
             <a:r>
-              <a:rPr kumimoji="0" lang="ko-KR" altLang="ko-KR" sz="1300" b="0" i="0" u="none" strike="noStrike" cap="none" normalizeH="0" baseline="0" dirty="0" err="1">
+              <a:rPr kumimoji="0" lang="ko-KR" altLang="ko-KR" b="0" i="0" u="none" strike="noStrike" cap="none" normalizeH="0" baseline="0" dirty="0" err="1">
                 <a:ln>
                   <a:noFill/>
                 </a:ln>
@@ -14975,7 +13384,7 @@
               <a:t>jdbc</a:t>
             </a:r>
             <a:r>
-              <a:rPr kumimoji="0" lang="ko-KR" altLang="ko-KR" sz="1300" b="0" i="0" u="none" strike="noStrike" cap="none" normalizeH="0" baseline="0" dirty="0">
+              <a:rPr kumimoji="0" lang="ko-KR" altLang="ko-KR" b="0" i="0" u="none" strike="noStrike" cap="none" normalizeH="0" baseline="0" dirty="0">
                 <a:ln>
                   <a:noFill/>
                 </a:ln>
@@ -14989,7 +13398,7 @@
               <a:t>:</a:t>
             </a:r>
             <a:br>
-              <a:rPr kumimoji="0" lang="ko-KR" altLang="ko-KR" sz="1300" b="0" i="0" u="none" strike="noStrike" cap="none" normalizeH="0" baseline="0" dirty="0">
+              <a:rPr kumimoji="0" lang="ko-KR" altLang="ko-KR" b="0" i="0" u="none" strike="noStrike" cap="none" normalizeH="0" baseline="0" dirty="0">
                 <a:ln>
                   <a:noFill/>
                 </a:ln>
@@ -15002,7 +13411,7 @@
               </a:rPr>
             </a:br>
             <a:r>
-              <a:rPr kumimoji="0" lang="ko-KR" altLang="ko-KR" sz="1300" b="0" i="0" u="none" strike="noStrike" cap="none" normalizeH="0" baseline="0" dirty="0">
+              <a:rPr kumimoji="0" lang="ko-KR" altLang="ko-KR" b="0" i="0" u="none" strike="noStrike" cap="none" normalizeH="0" baseline="0" dirty="0">
                 <a:ln>
                   <a:noFill/>
                 </a:ln>
@@ -15016,7 +13425,7 @@
               <a:t>          </a:t>
             </a:r>
             <a:r>
-              <a:rPr kumimoji="0" lang="ko-KR" altLang="ko-KR" sz="1300" b="0" i="0" u="none" strike="noStrike" cap="none" normalizeH="0" baseline="0" dirty="0" err="1">
+              <a:rPr kumimoji="0" lang="ko-KR" altLang="ko-KR" b="0" i="0" u="none" strike="noStrike" cap="none" normalizeH="0" baseline="0" dirty="0" err="1">
                 <a:ln>
                   <a:noFill/>
                 </a:ln>
@@ -15030,7 +13439,7 @@
               <a:t>lob</a:t>
             </a:r>
             <a:r>
-              <a:rPr kumimoji="0" lang="ko-KR" altLang="ko-KR" sz="1300" b="0" i="0" u="none" strike="noStrike" cap="none" normalizeH="0" baseline="0" dirty="0">
+              <a:rPr kumimoji="0" lang="ko-KR" altLang="ko-KR" b="0" i="0" u="none" strike="noStrike" cap="none" normalizeH="0" baseline="0" dirty="0">
                 <a:ln>
                   <a:noFill/>
                 </a:ln>
@@ -15044,7 +13453,7 @@
               <a:t>:</a:t>
             </a:r>
             <a:br>
-              <a:rPr kumimoji="0" lang="ko-KR" altLang="ko-KR" sz="1300" b="0" i="0" u="none" strike="noStrike" cap="none" normalizeH="0" baseline="0" dirty="0">
+              <a:rPr kumimoji="0" lang="ko-KR" altLang="ko-KR" b="0" i="0" u="none" strike="noStrike" cap="none" normalizeH="0" baseline="0" dirty="0">
                 <a:ln>
                   <a:noFill/>
                 </a:ln>
@@ -15057,7 +13466,7 @@
               </a:rPr>
             </a:br>
             <a:r>
-              <a:rPr kumimoji="0" lang="ko-KR" altLang="ko-KR" sz="1300" b="0" i="0" u="none" strike="noStrike" cap="none" normalizeH="0" baseline="0" dirty="0">
+              <a:rPr kumimoji="0" lang="ko-KR" altLang="ko-KR" b="0" i="0" u="none" strike="noStrike" cap="none" normalizeH="0" baseline="0" dirty="0">
                 <a:ln>
                   <a:noFill/>
                 </a:ln>
@@ -15071,7 +13480,7 @@
               <a:t>            </a:t>
             </a:r>
             <a:r>
-              <a:rPr kumimoji="0" lang="ko-KR" altLang="ko-KR" sz="1300" b="0" i="0" u="none" strike="noStrike" cap="none" normalizeH="0" baseline="0" dirty="0" err="1">
+              <a:rPr kumimoji="0" lang="ko-KR" altLang="ko-KR" b="0" i="0" u="none" strike="noStrike" cap="none" normalizeH="0" baseline="0" dirty="0" err="1">
                 <a:ln>
                   <a:noFill/>
                 </a:ln>
@@ -15085,7 +13494,7 @@
               <a:t>non_contextual_creation</a:t>
             </a:r>
             <a:r>
-              <a:rPr kumimoji="0" lang="ko-KR" altLang="ko-KR" sz="1300" b="0" i="0" u="none" strike="noStrike" cap="none" normalizeH="0" baseline="0" dirty="0">
+              <a:rPr kumimoji="0" lang="ko-KR" altLang="ko-KR" b="0" i="0" u="none" strike="noStrike" cap="none" normalizeH="0" baseline="0" dirty="0">
                 <a:ln>
                   <a:noFill/>
                 </a:ln>
@@ -15099,7 +13508,7 @@
               <a:t>: </a:t>
             </a:r>
             <a:r>
-              <a:rPr kumimoji="0" lang="ko-KR" altLang="ko-KR" sz="1300" b="0" i="0" u="none" strike="noStrike" cap="none" normalizeH="0" baseline="0" dirty="0" err="1">
+              <a:rPr kumimoji="0" lang="ko-KR" altLang="ko-KR" b="0" i="0" u="none" strike="noStrike" cap="none" normalizeH="0" baseline="0" dirty="0" err="1">
                 <a:ln>
                   <a:noFill/>
                 </a:ln>
@@ -15113,7 +13522,7 @@
               <a:t>true</a:t>
             </a:r>
             <a:br>
-              <a:rPr kumimoji="0" lang="ko-KR" altLang="ko-KR" sz="1300" b="0" i="0" u="none" strike="noStrike" cap="none" normalizeH="0" baseline="0" dirty="0">
+              <a:rPr kumimoji="0" lang="ko-KR" altLang="ko-KR" b="0" i="0" u="none" strike="noStrike" cap="none" normalizeH="0" baseline="0" dirty="0">
                 <a:ln>
                   <a:noFill/>
                 </a:ln>
@@ -15126,7 +13535,7 @@
               </a:rPr>
             </a:br>
             <a:r>
-              <a:rPr kumimoji="0" lang="ko-KR" altLang="ko-KR" sz="1300" b="0" i="0" u="none" strike="noStrike" cap="none" normalizeH="0" baseline="0" dirty="0">
+              <a:rPr kumimoji="0" lang="ko-KR" altLang="ko-KR" b="0" i="0" u="none" strike="noStrike" cap="none" normalizeH="0" baseline="0" dirty="0">
                 <a:ln>
                   <a:noFill/>
                 </a:ln>
@@ -15140,7 +13549,7 @@
               <a:t>        </a:t>
             </a:r>
             <a:r>
-              <a:rPr kumimoji="0" lang="ko-KR" altLang="ko-KR" sz="1300" b="0" i="0" u="none" strike="noStrike" cap="none" normalizeH="0" baseline="0" dirty="0" err="1">
+              <a:rPr kumimoji="0" lang="ko-KR" altLang="ko-KR" b="0" i="0" u="none" strike="noStrike" cap="none" normalizeH="0" baseline="0" dirty="0" err="1">
                 <a:ln>
                   <a:noFill/>
                 </a:ln>
@@ -15154,7 +13563,7 @@
               <a:t>format_sql</a:t>
             </a:r>
             <a:r>
-              <a:rPr kumimoji="0" lang="ko-KR" altLang="ko-KR" sz="1300" b="0" i="0" u="none" strike="noStrike" cap="none" normalizeH="0" baseline="0" dirty="0">
+              <a:rPr kumimoji="0" lang="ko-KR" altLang="ko-KR" b="0" i="0" u="none" strike="noStrike" cap="none" normalizeH="0" baseline="0" dirty="0">
                 <a:ln>
                   <a:noFill/>
                 </a:ln>
@@ -15168,7 +13577,7 @@
               <a:t>: </a:t>
             </a:r>
             <a:r>
-              <a:rPr kumimoji="0" lang="ko-KR" altLang="ko-KR" sz="1300" b="0" i="0" u="none" strike="noStrike" cap="none" normalizeH="0" baseline="0" dirty="0" err="1">
+              <a:rPr kumimoji="0" lang="ko-KR" altLang="ko-KR" b="0" i="0" u="none" strike="noStrike" cap="none" normalizeH="0" baseline="0" dirty="0" err="1">
                 <a:ln>
                   <a:noFill/>
                 </a:ln>
@@ -15182,7 +13591,7 @@
               <a:t>true</a:t>
             </a:r>
             <a:br>
-              <a:rPr kumimoji="0" lang="ko-KR" altLang="ko-KR" sz="1300" b="0" i="0" u="none" strike="noStrike" cap="none" normalizeH="0" baseline="0" dirty="0">
+              <a:rPr kumimoji="0" lang="ko-KR" altLang="ko-KR" b="0" i="0" u="none" strike="noStrike" cap="none" normalizeH="0" baseline="0" dirty="0">
                 <a:ln>
                   <a:noFill/>
                 </a:ln>
@@ -15195,7 +13604,7 @@
               </a:rPr>
             </a:br>
             <a:r>
-              <a:rPr kumimoji="0" lang="ko-KR" altLang="ko-KR" sz="1300" b="0" i="0" u="none" strike="noStrike" cap="none" normalizeH="0" baseline="0" dirty="0">
+              <a:rPr kumimoji="0" lang="ko-KR" altLang="ko-KR" b="0" i="0" u="none" strike="noStrike" cap="none" normalizeH="0" baseline="0" dirty="0">
                 <a:ln>
                   <a:noFill/>
                 </a:ln>
@@ -15209,7 +13618,7 @@
               <a:t>    </a:t>
             </a:r>
             <a:r>
-              <a:rPr kumimoji="0" lang="ko-KR" altLang="ko-KR" sz="1300" b="0" i="0" u="none" strike="noStrike" cap="none" normalizeH="0" baseline="0" dirty="0" err="1">
+              <a:rPr kumimoji="0" lang="ko-KR" altLang="ko-KR" b="0" i="0" u="none" strike="noStrike" cap="none" normalizeH="0" baseline="0" dirty="0" err="1">
                 <a:ln>
                   <a:noFill/>
                 </a:ln>
@@ -15223,7 +13632,7 @@
               <a:t>generate-ddl</a:t>
             </a:r>
             <a:r>
-              <a:rPr kumimoji="0" lang="ko-KR" altLang="ko-KR" sz="1300" b="0" i="0" u="none" strike="noStrike" cap="none" normalizeH="0" baseline="0" dirty="0">
+              <a:rPr kumimoji="0" lang="ko-KR" altLang="ko-KR" b="0" i="0" u="none" strike="noStrike" cap="none" normalizeH="0" baseline="0" dirty="0">
                 <a:ln>
                   <a:noFill/>
                 </a:ln>
@@ -15237,7 +13646,7 @@
               <a:t>: </a:t>
             </a:r>
             <a:r>
-              <a:rPr kumimoji="0" lang="ko-KR" altLang="ko-KR" sz="1300" b="0" i="1" u="none" strike="noStrike" cap="none" normalizeH="0" baseline="0" dirty="0" err="1">
+              <a:rPr kumimoji="0" lang="ko-KR" altLang="ko-KR" b="0" i="1" u="none" strike="noStrike" cap="none" normalizeH="0" baseline="0" dirty="0" err="1">
                 <a:ln>
                   <a:noFill/>
                 </a:ln>
@@ -15250,7 +13659,7 @@
               </a:rPr>
               <a:t>false</a:t>
             </a:r>
-            <a:endParaRPr kumimoji="0" lang="ko-KR" altLang="ko-KR" sz="1300" b="0" i="0" u="none" strike="noStrike" cap="none" normalizeH="0" baseline="0" dirty="0">
+            <a:endParaRPr kumimoji="0" lang="ko-KR" altLang="ko-KR" b="0" i="0" u="none" strike="noStrike" cap="none" normalizeH="0" baseline="0" dirty="0">
               <a:ln>
                 <a:noFill/>
               </a:ln>
